--- a/trunk/slides/lec2-13-algorithms.pptx
+++ b/trunk/slides/lec2-13-algorithms.pptx
@@ -15,34 +15,55 @@
     <p:sldId id="267" r:id="rId9"/>
     <p:sldId id="257" r:id="rId10"/>
     <p:sldId id="260" r:id="rId11"/>
-    <p:sldId id="261" r:id="rId12"/>
-    <p:sldId id="270" r:id="rId13"/>
-    <p:sldId id="271" r:id="rId14"/>
+    <p:sldId id="270" r:id="rId12"/>
+    <p:sldId id="271" r:id="rId13"/>
+    <p:sldId id="261" r:id="rId14"/>
     <p:sldId id="268" r:id="rId15"/>
     <p:sldId id="269" r:id="rId16"/>
     <p:sldId id="272" r:id="rId17"/>
     <p:sldId id="273" r:id="rId18"/>
     <p:sldId id="274" r:id="rId19"/>
-    <p:sldId id="275" r:id="rId20"/>
-    <p:sldId id="276" r:id="rId21"/>
-    <p:sldId id="277" r:id="rId22"/>
-    <p:sldId id="278" r:id="rId23"/>
-    <p:sldId id="279" r:id="rId24"/>
-    <p:sldId id="280" r:id="rId25"/>
-    <p:sldId id="281" r:id="rId26"/>
-    <p:sldId id="283" r:id="rId27"/>
-    <p:sldId id="288" r:id="rId28"/>
-    <p:sldId id="289" r:id="rId29"/>
-    <p:sldId id="290" r:id="rId30"/>
-    <p:sldId id="284" r:id="rId31"/>
-    <p:sldId id="285" r:id="rId32"/>
-    <p:sldId id="286" r:id="rId33"/>
-    <p:sldId id="287" r:id="rId34"/>
-    <p:sldId id="291" r:id="rId35"/>
-    <p:sldId id="292" r:id="rId36"/>
-    <p:sldId id="293" r:id="rId37"/>
-    <p:sldId id="294" r:id="rId38"/>
-    <p:sldId id="259" r:id="rId39"/>
+    <p:sldId id="298" r:id="rId20"/>
+    <p:sldId id="300" r:id="rId21"/>
+    <p:sldId id="301" r:id="rId22"/>
+    <p:sldId id="302" r:id="rId23"/>
+    <p:sldId id="307" r:id="rId24"/>
+    <p:sldId id="308" r:id="rId25"/>
+    <p:sldId id="309" r:id="rId26"/>
+    <p:sldId id="310" r:id="rId27"/>
+    <p:sldId id="305" r:id="rId28"/>
+    <p:sldId id="306" r:id="rId29"/>
+    <p:sldId id="313" r:id="rId30"/>
+    <p:sldId id="311" r:id="rId31"/>
+    <p:sldId id="312" r:id="rId32"/>
+    <p:sldId id="303" r:id="rId33"/>
+    <p:sldId id="314" r:id="rId34"/>
+    <p:sldId id="304" r:id="rId35"/>
+    <p:sldId id="275" r:id="rId36"/>
+    <p:sldId id="276" r:id="rId37"/>
+    <p:sldId id="277" r:id="rId38"/>
+    <p:sldId id="297" r:id="rId39"/>
+    <p:sldId id="278" r:id="rId40"/>
+    <p:sldId id="279" r:id="rId41"/>
+    <p:sldId id="280" r:id="rId42"/>
+    <p:sldId id="281" r:id="rId43"/>
+    <p:sldId id="283" r:id="rId44"/>
+    <p:sldId id="288" r:id="rId45"/>
+    <p:sldId id="289" r:id="rId46"/>
+    <p:sldId id="290" r:id="rId47"/>
+    <p:sldId id="284" r:id="rId48"/>
+    <p:sldId id="285" r:id="rId49"/>
+    <p:sldId id="286" r:id="rId50"/>
+    <p:sldId id="287" r:id="rId51"/>
+    <p:sldId id="291" r:id="rId52"/>
+    <p:sldId id="292" r:id="rId53"/>
+    <p:sldId id="293" r:id="rId54"/>
+    <p:sldId id="294" r:id="rId55"/>
+    <p:sldId id="299" r:id="rId56"/>
+    <p:sldId id="259" r:id="rId57"/>
+    <p:sldId id="315" r:id="rId58"/>
+    <p:sldId id="295" r:id="rId59"/>
+    <p:sldId id="296" r:id="rId60"/>
   </p:sldIdLst>
   <p:sldSz cx="12192000" cy="6858000"/>
   <p:notesSz cx="6858000" cy="9144000"/>
@@ -346,7 +367,7 @@
             <a:fld id="{96DFF08F-DC6B-4601-B491-B0F83F6DD2DA}" type="datetimeFigureOut">
               <a:rPr lang="en-US" dirty="0"/>
               <a:pPr/>
-              <a:t>5/16/2017</a:t>
+              <a:t>6/2/2017</a:t>
             </a:fld>
             <a:endParaRPr lang="en-US" dirty="0"/>
           </a:p>
@@ -563,7 +584,7 @@
           <a:p>
             <a:fld id="{96DFF08F-DC6B-4601-B491-B0F83F6DD2DA}" type="datetimeFigureOut">
               <a:rPr lang="en-US" dirty="0"/>
-              <a:t>5/16/2017</a:t>
+              <a:t>6/2/2017</a:t>
             </a:fld>
             <a:endParaRPr lang="en-US" dirty="0"/>
           </a:p>
@@ -738,7 +759,7 @@
           <a:p>
             <a:fld id="{96DFF08F-DC6B-4601-B491-B0F83F6DD2DA}" type="datetimeFigureOut">
               <a:rPr lang="en-US" dirty="0"/>
-              <a:t>5/16/2017</a:t>
+              <a:t>6/2/2017</a:t>
             </a:fld>
             <a:endParaRPr lang="en-US" dirty="0"/>
           </a:p>
@@ -903,7 +924,7 @@
           <a:p>
             <a:fld id="{96DFF08F-DC6B-4601-B491-B0F83F6DD2DA}" type="datetimeFigureOut">
               <a:rPr lang="en-US" dirty="0"/>
-              <a:t>5/16/2017</a:t>
+              <a:t>6/2/2017</a:t>
             </a:fld>
             <a:endParaRPr lang="en-US" dirty="0"/>
           </a:p>
@@ -1149,7 +1170,7 @@
           <a:p>
             <a:fld id="{96DFF08F-DC6B-4601-B491-B0F83F6DD2DA}" type="datetimeFigureOut">
               <a:rPr lang="en-US" dirty="0"/>
-              <a:t>5/16/2017</a:t>
+              <a:t>6/2/2017</a:t>
             </a:fld>
             <a:endParaRPr lang="en-US" dirty="0"/>
           </a:p>
@@ -1467,7 +1488,7 @@
           <a:p>
             <a:fld id="{96DFF08F-DC6B-4601-B491-B0F83F6DD2DA}" type="datetimeFigureOut">
               <a:rPr lang="en-US" dirty="0"/>
-              <a:t>5/16/2017</a:t>
+              <a:t>6/2/2017</a:t>
             </a:fld>
             <a:endParaRPr lang="en-US" dirty="0"/>
           </a:p>
@@ -1886,7 +1907,7 @@
           <a:p>
             <a:fld id="{96DFF08F-DC6B-4601-B491-B0F83F6DD2DA}" type="datetimeFigureOut">
               <a:rPr lang="en-US" dirty="0"/>
-              <a:t>5/16/2017</a:t>
+              <a:t>6/2/2017</a:t>
             </a:fld>
             <a:endParaRPr lang="en-US" dirty="0"/>
           </a:p>
@@ -1999,7 +2020,7 @@
           <a:p>
             <a:fld id="{96DFF08F-DC6B-4601-B491-B0F83F6DD2DA}" type="datetimeFigureOut">
               <a:rPr lang="en-US" dirty="0"/>
-              <a:t>5/16/2017</a:t>
+              <a:t>6/2/2017</a:t>
             </a:fld>
             <a:endParaRPr lang="en-US" dirty="0"/>
           </a:p>
@@ -2089,7 +2110,7 @@
           <a:p>
             <a:fld id="{96DFF08F-DC6B-4601-B491-B0F83F6DD2DA}" type="datetimeFigureOut">
               <a:rPr lang="en-US" dirty="0"/>
-              <a:t>5/16/2017</a:t>
+              <a:t>6/2/2017</a:t>
             </a:fld>
             <a:endParaRPr lang="en-US" dirty="0"/>
           </a:p>
@@ -2374,7 +2395,7 @@
           <a:p>
             <a:fld id="{96DFF08F-DC6B-4601-B491-B0F83F6DD2DA}" type="datetimeFigureOut">
               <a:rPr lang="en-US" dirty="0"/>
-              <a:t>5/16/2017</a:t>
+              <a:t>6/2/2017</a:t>
             </a:fld>
             <a:endParaRPr lang="en-US" dirty="0"/>
           </a:p>
@@ -2641,7 +2662,7 @@
           <a:p>
             <a:fld id="{96DFF08F-DC6B-4601-B491-B0F83F6DD2DA}" type="datetimeFigureOut">
               <a:rPr lang="en-US" dirty="0"/>
-              <a:t>5/16/2017</a:t>
+              <a:t>6/2/2017</a:t>
             </a:fld>
             <a:endParaRPr lang="en-US" dirty="0"/>
           </a:p>
@@ -2890,7 +2911,7 @@
             <a:fld id="{96DFF08F-DC6B-4601-B491-B0F83F6DD2DA}" type="datetimeFigureOut">
               <a:rPr lang="en-US" dirty="0"/>
               <a:pPr/>
-              <a:t>5/16/2017</a:t>
+              <a:t>6/2/2017</a:t>
             </a:fld>
             <a:endParaRPr lang="en-US" dirty="0"/>
           </a:p>
@@ -3710,7 +3731,11 @@
           <a:p>
             <a:r>
               <a:rPr lang="ru-RU" smtClean="0"/>
-              <a:t>Несколько примеров</a:t>
+              <a:t>Несколько примеров </a:t>
+            </a:r>
+            <a:r>
+              <a:rPr lang="en-US" smtClean="0"/>
+              <a:t>copy</a:t>
             </a:r>
             <a:endParaRPr lang="en-US"/>
           </a:p>
@@ -3726,7 +3751,12 @@
             <p:ph idx="1"/>
           </p:nvPr>
         </p:nvSpPr>
-        <p:spPr/>
+        <p:spPr>
+          <a:xfrm>
+            <a:off x="1143000" y="2057400"/>
+            <a:ext cx="10801865" cy="4038600"/>
+          </a:xfrm>
+        </p:spPr>
         <p:txBody>
           <a:bodyPr/>
           <a:lstStyle/>
@@ -3787,13 +3817,13 @@
               <a:rPr lang="en-US" sz="2000" smtClean="0">
                 <a:latin typeface="Consolas" panose="020B0609020204030204" pitchFamily="49" charset="0"/>
               </a:rPr>
-              <a:t>copy (myints</a:t>
+              <a:t>copy_n </a:t>
             </a:r>
             <a:r>
               <a:rPr lang="en-US" sz="2000">
                 <a:latin typeface="Consolas" panose="020B0609020204030204" pitchFamily="49" charset="0"/>
               </a:rPr>
-              <a:t>, myints+7, myvector.begin</a:t>
+              <a:t>(myints, 7, myvector.begin</a:t>
             </a:r>
             <a:r>
               <a:rPr lang="en-US" sz="2000" smtClean="0">
@@ -3810,42 +3840,19 @@
               <a:rPr lang="en-US" sz="2000" smtClean="0">
                 <a:latin typeface="Consolas" panose="020B0609020204030204" pitchFamily="49" charset="0"/>
               </a:rPr>
-              <a:t>copy_n (myints</a:t>
+              <a:t>copy </a:t>
             </a:r>
             <a:r>
               <a:rPr lang="en-US" sz="2000">
                 <a:latin typeface="Consolas" panose="020B0609020204030204" pitchFamily="49" charset="0"/>
               </a:rPr>
-              <a:t>, 7, myvector.begin</a:t>
+              <a:t>(myvector.begin(), myvector.end(), </a:t>
             </a:r>
             <a:r>
               <a:rPr lang="en-US" sz="2000" smtClean="0">
                 <a:latin typeface="Consolas" panose="020B0609020204030204" pitchFamily="49" charset="0"/>
               </a:rPr>
-              <a:t>());</a:t>
-            </a:r>
-          </a:p>
-          <a:p>
-            <a:pPr marL="45720" indent="0">
-              <a:buNone/>
-            </a:pPr>
-            <a:r>
-              <a:rPr lang="en-US" sz="2000" smtClean="0">
-                <a:latin typeface="Consolas" panose="020B0609020204030204" pitchFamily="49" charset="0"/>
-              </a:rPr>
-              <a:t>copy_if </a:t>
-            </a:r>
-            <a:r>
-              <a:rPr lang="en-US" sz="2000">
-                <a:latin typeface="Consolas" panose="020B0609020204030204" pitchFamily="49" charset="0"/>
-              </a:rPr>
-              <a:t>(myints, myints+7, myvector.begin</a:t>
-            </a:r>
-            <a:r>
-              <a:rPr lang="en-US" sz="2000" smtClean="0">
-                <a:latin typeface="Consolas" panose="020B0609020204030204" pitchFamily="49" charset="0"/>
-              </a:rPr>
-              <a:t>(), </a:t>
+              <a:t/>
             </a:r>
             <a:br>
               <a:rPr lang="en-US" sz="2000" smtClean="0">
@@ -3856,8 +3863,177 @@
               <a:rPr lang="en-US" sz="2000" smtClean="0">
                 <a:latin typeface="Consolas" panose="020B0609020204030204" pitchFamily="49" charset="0"/>
               </a:rPr>
-              <a:t>                           [](int i){ return i &gt; 0 });</a:t>
-            </a:r>
+              <a:t>      ostream_iterator&lt;int</a:t>
+            </a:r>
+            <a:r>
+              <a:rPr lang="en-US" sz="2000">
+                <a:latin typeface="Consolas" panose="020B0609020204030204" pitchFamily="49" charset="0"/>
+              </a:rPr>
+              <a:t>&gt;(cout, "\n</a:t>
+            </a:r>
+            <a:r>
+              <a:rPr lang="en-US" sz="2000" smtClean="0">
+                <a:latin typeface="Consolas" panose="020B0609020204030204" pitchFamily="49" charset="0"/>
+              </a:rPr>
+              <a:t>")); </a:t>
+            </a:r>
+            <a:r>
+              <a:rPr lang="en-US" sz="2000" smtClean="0">
+                <a:solidFill>
+                  <a:srgbClr val="FF0000"/>
+                </a:solidFill>
+                <a:latin typeface="Consolas" panose="020B0609020204030204" pitchFamily="49" charset="0"/>
+              </a:rPr>
+              <a:t>// </a:t>
+            </a:r>
+            <a:r>
+              <a:rPr lang="ru-RU" sz="2000" smtClean="0">
+                <a:solidFill>
+                  <a:srgbClr val="FF0000"/>
+                </a:solidFill>
+                <a:latin typeface="Consolas" panose="020B0609020204030204" pitchFamily="49" charset="0"/>
+              </a:rPr>
+              <a:t>что на экране?</a:t>
+            </a:r>
+            <a:endParaRPr lang="en-US" sz="2000" smtClean="0">
+              <a:solidFill>
+                <a:srgbClr val="FF0000"/>
+              </a:solidFill>
+              <a:latin typeface="Consolas" panose="020B0609020204030204" pitchFamily="49" charset="0"/>
+            </a:endParaRPr>
+          </a:p>
+          <a:p>
+            <a:pPr marL="45720" indent="0">
+              <a:buNone/>
+            </a:pPr>
+            <a:r>
+              <a:rPr lang="en-US" sz="2000" smtClean="0">
+                <a:latin typeface="Consolas" panose="020B0609020204030204" pitchFamily="49" charset="0"/>
+              </a:rPr>
+              <a:t>fill </a:t>
+            </a:r>
+            <a:r>
+              <a:rPr lang="en-US" sz="2000">
+                <a:latin typeface="Consolas" panose="020B0609020204030204" pitchFamily="49" charset="0"/>
+              </a:rPr>
+              <a:t>(myvector.begin(), myvector.end(), 0);</a:t>
+            </a:r>
+          </a:p>
+          <a:p>
+            <a:pPr marL="45720" indent="0">
+              <a:buNone/>
+            </a:pPr>
+            <a:r>
+              <a:rPr lang="en-US" sz="2000" smtClean="0">
+                <a:latin typeface="Consolas" panose="020B0609020204030204" pitchFamily="49" charset="0"/>
+              </a:rPr>
+              <a:t>copy_if </a:t>
+            </a:r>
+            <a:r>
+              <a:rPr lang="en-US" sz="2000">
+                <a:latin typeface="Consolas" panose="020B0609020204030204" pitchFamily="49" charset="0"/>
+              </a:rPr>
+              <a:t>(myints, myints+7, myvector.begin(), </a:t>
+            </a:r>
+            <a:r>
+              <a:rPr lang="en-US" sz="2000" smtClean="0">
+                <a:latin typeface="Consolas" panose="020B0609020204030204" pitchFamily="49" charset="0"/>
+              </a:rPr>
+              <a:t/>
+            </a:r>
+            <a:br>
+              <a:rPr lang="en-US" sz="2000" smtClean="0">
+                <a:latin typeface="Consolas" panose="020B0609020204030204" pitchFamily="49" charset="0"/>
+              </a:rPr>
+            </a:br>
+            <a:r>
+              <a:rPr lang="en-US" sz="2000" smtClean="0">
+                <a:latin typeface="Consolas" panose="020B0609020204030204" pitchFamily="49" charset="0"/>
+              </a:rPr>
+              <a:t>         [](</a:t>
+            </a:r>
+            <a:r>
+              <a:rPr lang="en-US" sz="2000">
+                <a:latin typeface="Consolas" panose="020B0609020204030204" pitchFamily="49" charset="0"/>
+              </a:rPr>
+              <a:t>int i){ return (i % 3) == 1; });</a:t>
+            </a:r>
+          </a:p>
+          <a:p>
+            <a:pPr marL="45720" indent="0">
+              <a:buNone/>
+            </a:pPr>
+            <a:r>
+              <a:rPr lang="en-US" sz="2000" smtClean="0">
+                <a:latin typeface="Consolas" panose="020B0609020204030204" pitchFamily="49" charset="0"/>
+              </a:rPr>
+              <a:t>copy </a:t>
+            </a:r>
+            <a:r>
+              <a:rPr lang="en-US" sz="2000">
+                <a:latin typeface="Consolas" panose="020B0609020204030204" pitchFamily="49" charset="0"/>
+              </a:rPr>
+              <a:t>(myvector.begin(), myvector.end(), </a:t>
+            </a:r>
+            <a:r>
+              <a:rPr lang="en-US" sz="2000" smtClean="0">
+                <a:latin typeface="Consolas" panose="020B0609020204030204" pitchFamily="49" charset="0"/>
+              </a:rPr>
+              <a:t/>
+            </a:r>
+            <a:br>
+              <a:rPr lang="en-US" sz="2000" smtClean="0">
+                <a:latin typeface="Consolas" panose="020B0609020204030204" pitchFamily="49" charset="0"/>
+              </a:rPr>
+            </a:br>
+            <a:r>
+              <a:rPr lang="en-US" sz="2000" smtClean="0">
+                <a:latin typeface="Consolas" panose="020B0609020204030204" pitchFamily="49" charset="0"/>
+              </a:rPr>
+              <a:t>      ostream_iterator&lt;int</a:t>
+            </a:r>
+            <a:r>
+              <a:rPr lang="en-US" sz="2000">
+                <a:latin typeface="Consolas" panose="020B0609020204030204" pitchFamily="49" charset="0"/>
+              </a:rPr>
+              <a:t>&gt;(cout, "\n</a:t>
+            </a:r>
+            <a:r>
+              <a:rPr lang="en-US" sz="2000" smtClean="0">
+                <a:latin typeface="Consolas" panose="020B0609020204030204" pitchFamily="49" charset="0"/>
+              </a:rPr>
+              <a:t>"));</a:t>
+            </a:r>
+            <a:r>
+              <a:rPr lang="ru-RU" sz="2000" smtClean="0">
+                <a:latin typeface="Consolas" panose="020B0609020204030204" pitchFamily="49" charset="0"/>
+              </a:rPr>
+              <a:t> </a:t>
+            </a:r>
+            <a:r>
+              <a:rPr lang="en-US" sz="2000">
+                <a:solidFill>
+                  <a:srgbClr val="FF0000"/>
+                </a:solidFill>
+                <a:latin typeface="Consolas" panose="020B0609020204030204" pitchFamily="49" charset="0"/>
+              </a:rPr>
+              <a:t>// </a:t>
+            </a:r>
+            <a:r>
+              <a:rPr lang="ru-RU" sz="2000">
+                <a:solidFill>
+                  <a:srgbClr val="FF0000"/>
+                </a:solidFill>
+                <a:latin typeface="Consolas" panose="020B0609020204030204" pitchFamily="49" charset="0"/>
+              </a:rPr>
+              <a:t>что на экране?</a:t>
+            </a:r>
+            <a:endParaRPr lang="en-US" sz="2000" smtClean="0">
+              <a:solidFill>
+                <a:srgbClr val="FF0000"/>
+              </a:solidFill>
+              <a:latin typeface="Consolas" panose="020B0609020204030204" pitchFamily="49" charset="0"/>
+            </a:endParaRPr>
           </a:p>
         </p:txBody>
       </p:sp>
@@ -3893,6 +4069,318 @@
       </p:grpSpPr>
       <p:sp>
         <p:nvSpPr>
+          <p:cNvPr id="5" name="Title 4"/>
+          <p:cNvSpPr>
+            <a:spLocks noGrp="1"/>
+          </p:cNvSpPr>
+          <p:nvPr>
+            <p:ph type="title"/>
+          </p:nvPr>
+        </p:nvSpPr>
+        <p:spPr/>
+        <p:txBody>
+          <a:bodyPr/>
+          <a:lstStyle/>
+          <a:p>
+            <a:r>
+              <a:rPr lang="ru-RU" smtClean="0"/>
+              <a:t>Задача: увидеть паттерн в коде</a:t>
+            </a:r>
+            <a:endParaRPr lang="en-US"/>
+          </a:p>
+        </p:txBody>
+      </p:sp>
+      <p:sp>
+        <p:nvSpPr>
+          <p:cNvPr id="6" name="Content Placeholder 5"/>
+          <p:cNvSpPr>
+            <a:spLocks noGrp="1"/>
+          </p:cNvSpPr>
+          <p:nvPr>
+            <p:ph idx="1"/>
+          </p:nvPr>
+        </p:nvSpPr>
+        <p:spPr/>
+        <p:txBody>
+          <a:bodyPr/>
+          <a:lstStyle/>
+          <a:p>
+            <a:r>
+              <a:rPr lang="ru-RU" smtClean="0"/>
+              <a:t>Существующий код что-то делает в явном цикле. Нужно увидеть паттерн и заменить на вызов алгоритма</a:t>
+            </a:r>
+            <a:endParaRPr lang="en-US" smtClean="0"/>
+          </a:p>
+          <a:p>
+            <a:pPr marL="45720" indent="0">
+              <a:buNone/>
+            </a:pPr>
+            <a:r>
+              <a:rPr lang="en-US" smtClean="0">
+                <a:latin typeface="Consolas" panose="020B0609020204030204" pitchFamily="49" charset="0"/>
+              </a:rPr>
+              <a:t>assert (cont.size() &gt;= N);</a:t>
+            </a:r>
+          </a:p>
+          <a:p>
+            <a:pPr marL="45720" indent="0">
+              <a:buNone/>
+            </a:pPr>
+            <a:r>
+              <a:rPr lang="en-US" smtClean="0">
+                <a:latin typeface="Consolas" panose="020B0609020204030204" pitchFamily="49" charset="0"/>
+              </a:rPr>
+              <a:t>auto </a:t>
+            </a:r>
+            <a:r>
+              <a:rPr lang="en-US">
+                <a:latin typeface="Consolas" panose="020B0609020204030204" pitchFamily="49" charset="0"/>
+              </a:rPr>
+              <a:t>it = cont.begin(); </a:t>
+            </a:r>
+            <a:endParaRPr lang="en-US" smtClean="0">
+              <a:latin typeface="Consolas" panose="020B0609020204030204" pitchFamily="49" charset="0"/>
+            </a:endParaRPr>
+          </a:p>
+          <a:p>
+            <a:pPr marL="45720" indent="0">
+              <a:buNone/>
+            </a:pPr>
+            <a:r>
+              <a:rPr lang="en-US" smtClean="0">
+                <a:latin typeface="Consolas" panose="020B0609020204030204" pitchFamily="49" charset="0"/>
+              </a:rPr>
+              <a:t>for </a:t>
+            </a:r>
+            <a:r>
+              <a:rPr lang="ru-RU" smtClean="0">
+                <a:latin typeface="Consolas" panose="020B0609020204030204" pitchFamily="49" charset="0"/>
+              </a:rPr>
+              <a:t>(</a:t>
+            </a:r>
+            <a:r>
+              <a:rPr lang="en-US" smtClean="0">
+                <a:latin typeface="Consolas" panose="020B0609020204030204" pitchFamily="49" charset="0"/>
+              </a:rPr>
+              <a:t>size_t idx = 0, idx != N; ++idx, ++it</a:t>
+            </a:r>
+            <a:r>
+              <a:rPr lang="ru-RU" smtClean="0">
+                <a:latin typeface="Consolas" panose="020B0609020204030204" pitchFamily="49" charset="0"/>
+              </a:rPr>
+              <a:t>)</a:t>
+            </a:r>
+            <a:endParaRPr lang="en-US" smtClean="0">
+              <a:latin typeface="Consolas" panose="020B0609020204030204" pitchFamily="49" charset="0"/>
+            </a:endParaRPr>
+          </a:p>
+          <a:p>
+            <a:pPr marL="45720" indent="0">
+              <a:buNone/>
+            </a:pPr>
+            <a:r>
+              <a:rPr lang="en-US" smtClean="0">
+                <a:latin typeface="Consolas" panose="020B0609020204030204" pitchFamily="49" charset="0"/>
+              </a:rPr>
+              <a:t>  cout &lt;&lt; *it &lt;&lt; endl;</a:t>
+            </a:r>
+            <a:endParaRPr lang="ru-RU" smtClean="0">
+              <a:latin typeface="Consolas" panose="020B0609020204030204" pitchFamily="49" charset="0"/>
+            </a:endParaRPr>
+          </a:p>
+        </p:txBody>
+      </p:sp>
+    </p:spTree>
+    <p:extLst>
+      <p:ext uri="{BB962C8B-B14F-4D97-AF65-F5344CB8AC3E}">
+        <p14:creationId xmlns:p14="http://schemas.microsoft.com/office/powerpoint/2010/main" val="3990768073"/>
+      </p:ext>
+    </p:extLst>
+  </p:cSld>
+  <p:clrMapOvr>
+    <a:masterClrMapping/>
+  </p:clrMapOvr>
+</p:sld>
+</file>
+
+<file path=ppt/slides/slide12.xml><?xml version="1.0" encoding="utf-8"?>
+<p:sld xmlns:a="http://schemas.openxmlformats.org/drawingml/2006/main" xmlns:r="http://schemas.openxmlformats.org/officeDocument/2006/relationships" xmlns:p="http://schemas.openxmlformats.org/presentationml/2006/main">
+  <p:cSld>
+    <p:spTree>
+      <p:nvGrpSpPr>
+        <p:cNvPr id="1" name=""/>
+        <p:cNvGrpSpPr/>
+        <p:nvPr/>
+      </p:nvGrpSpPr>
+      <p:grpSpPr>
+        <a:xfrm>
+          <a:off x="0" y="0"/>
+          <a:ext cx="0" cy="0"/>
+          <a:chOff x="0" y="0"/>
+          <a:chExt cx="0" cy="0"/>
+        </a:xfrm>
+      </p:grpSpPr>
+      <p:sp>
+        <p:nvSpPr>
+          <p:cNvPr id="5" name="Title 4"/>
+          <p:cNvSpPr>
+            <a:spLocks noGrp="1"/>
+          </p:cNvSpPr>
+          <p:nvPr>
+            <p:ph type="title"/>
+          </p:nvPr>
+        </p:nvSpPr>
+        <p:spPr/>
+        <p:txBody>
+          <a:bodyPr/>
+          <a:lstStyle/>
+          <a:p>
+            <a:r>
+              <a:rPr lang="ru-RU" smtClean="0"/>
+              <a:t>Решение: тут явное </a:t>
+            </a:r>
+            <a:r>
+              <a:rPr lang="en-US" smtClean="0"/>
+              <a:t>copy_n</a:t>
+            </a:r>
+            <a:endParaRPr lang="en-US"/>
+          </a:p>
+        </p:txBody>
+      </p:sp>
+      <p:sp>
+        <p:nvSpPr>
+          <p:cNvPr id="6" name="Content Placeholder 5"/>
+          <p:cNvSpPr>
+            <a:spLocks noGrp="1"/>
+          </p:cNvSpPr>
+          <p:nvPr>
+            <p:ph idx="1"/>
+          </p:nvPr>
+        </p:nvSpPr>
+        <p:spPr/>
+        <p:txBody>
+          <a:bodyPr/>
+          <a:lstStyle/>
+          <a:p>
+            <a:r>
+              <a:rPr lang="ru-RU" smtClean="0"/>
+              <a:t>Код выводит первые </a:t>
+            </a:r>
+            <a:r>
+              <a:rPr lang="en-US" smtClean="0"/>
+              <a:t>N </a:t>
+            </a:r>
+            <a:r>
+              <a:rPr lang="ru-RU" smtClean="0"/>
+              <a:t>(по порядку) элементов из контейнера </a:t>
+            </a:r>
+            <a:r>
+              <a:rPr lang="en-US" smtClean="0"/>
+              <a:t>cont </a:t>
+            </a:r>
+            <a:r>
+              <a:rPr lang="ru-RU" smtClean="0"/>
+              <a:t>в поток </a:t>
+            </a:r>
+            <a:r>
+              <a:rPr lang="en-US" smtClean="0"/>
+              <a:t>cout</a:t>
+            </a:r>
+            <a:r>
+              <a:rPr lang="ru-RU" smtClean="0"/>
+              <a:t>, разделенными через перенос строки</a:t>
+            </a:r>
+            <a:endParaRPr lang="en-US" smtClean="0"/>
+          </a:p>
+          <a:p>
+            <a:pPr marL="45720" indent="0">
+              <a:buNone/>
+            </a:pPr>
+            <a:r>
+              <a:rPr lang="en-US" smtClean="0">
+                <a:latin typeface="Consolas" panose="020B0609020204030204" pitchFamily="49" charset="0"/>
+              </a:rPr>
+              <a:t>using tp_ = decltype(cont)::value_type;</a:t>
+            </a:r>
+          </a:p>
+          <a:p>
+            <a:pPr marL="45720" indent="0">
+              <a:buNone/>
+            </a:pPr>
+            <a:r>
+              <a:rPr lang="en-US">
+                <a:latin typeface="Consolas" panose="020B0609020204030204" pitchFamily="49" charset="0"/>
+              </a:rPr>
+              <a:t>assert (cont.size() &gt;= </a:t>
+            </a:r>
+            <a:r>
+              <a:rPr lang="en-US" smtClean="0">
+                <a:latin typeface="Consolas" panose="020B0609020204030204" pitchFamily="49" charset="0"/>
+              </a:rPr>
+              <a:t>N);</a:t>
+            </a:r>
+            <a:endParaRPr lang="en-US">
+              <a:latin typeface="Consolas" panose="020B0609020204030204" pitchFamily="49" charset="0"/>
+            </a:endParaRPr>
+          </a:p>
+          <a:p>
+            <a:pPr marL="45720" indent="0">
+              <a:buNone/>
+            </a:pPr>
+            <a:r>
+              <a:rPr lang="en-US" smtClean="0">
+                <a:latin typeface="Consolas" panose="020B0609020204030204" pitchFamily="49" charset="0"/>
+              </a:rPr>
+              <a:t>copy_n (cont.begin(), N, ostream_iterator&lt;tp_&gt;(cout, "\n"</a:t>
+            </a:r>
+            <a:r>
+              <a:rPr lang="ru-RU" smtClean="0">
+                <a:latin typeface="Consolas" panose="020B0609020204030204" pitchFamily="49" charset="0"/>
+              </a:rPr>
+              <a:t>))</a:t>
+            </a:r>
+            <a:r>
+              <a:rPr lang="en-US" smtClean="0">
+                <a:latin typeface="Consolas" panose="020B0609020204030204" pitchFamily="49" charset="0"/>
+              </a:rPr>
+              <a:t>;</a:t>
+            </a:r>
+            <a:endParaRPr lang="en-US" smtClean="0"/>
+          </a:p>
+        </p:txBody>
+      </p:sp>
+    </p:spTree>
+    <p:extLst>
+      <p:ext uri="{BB962C8B-B14F-4D97-AF65-F5344CB8AC3E}">
+        <p14:creationId xmlns:p14="http://schemas.microsoft.com/office/powerpoint/2010/main" val="172254983"/>
+      </p:ext>
+    </p:extLst>
+  </p:cSld>
+  <p:clrMapOvr>
+    <a:masterClrMapping/>
+  </p:clrMapOvr>
+</p:sld>
+</file>
+
+<file path=ppt/slides/slide13.xml><?xml version="1.0" encoding="utf-8"?>
+<p:sld xmlns:a="http://schemas.openxmlformats.org/drawingml/2006/main" xmlns:r="http://schemas.openxmlformats.org/officeDocument/2006/relationships" xmlns:p="http://schemas.openxmlformats.org/presentationml/2006/main">
+  <p:cSld>
+    <p:spTree>
+      <p:nvGrpSpPr>
+        <p:cNvPr id="1" name=""/>
+        <p:cNvGrpSpPr/>
+        <p:nvPr/>
+      </p:nvGrpSpPr>
+      <p:grpSpPr>
+        <a:xfrm>
+          <a:off x="0" y="0"/>
+          <a:ext cx="0" cy="0"/>
+          <a:chOff x="0" y="0"/>
+          <a:chExt cx="0" cy="0"/>
+        </a:xfrm>
+      </p:grpSpPr>
+      <p:sp>
+        <p:nvSpPr>
           <p:cNvPr id="2" name="Title 1"/>
           <p:cNvSpPr>
             <a:spLocks noGrp="1"/>
@@ -3931,8 +4419,8 @@
         </p:nvSpPr>
         <p:spPr>
           <a:xfrm>
-            <a:off x="928816" y="2129476"/>
-            <a:ext cx="2283941" cy="2310720"/>
+            <a:off x="928816" y="2129475"/>
+            <a:ext cx="2447874" cy="2498949"/>
           </a:xfrm>
         </p:spPr>
         <p:txBody>
@@ -4106,6 +4594,37 @@
               <a:rPr lang="en-US" sz="1400" smtClean="0"/>
               <a:t>max, max_element</a:t>
             </a:r>
+          </a:p>
+          <a:p>
+            <a:pPr marL="274320" lvl="2">
+              <a:lnSpc>
+                <a:spcPct val="100000"/>
+              </a:lnSpc>
+              <a:spcBef>
+                <a:spcPts val="0"/>
+              </a:spcBef>
+              <a:spcAft>
+                <a:spcPts val="0"/>
+              </a:spcAft>
+            </a:pPr>
+            <a:r>
+              <a:rPr lang="en-US" sz="1400"/>
+              <a:t>lexicographical_compare</a:t>
+            </a:r>
+          </a:p>
+          <a:p>
+            <a:pPr marL="274320" lvl="2">
+              <a:lnSpc>
+                <a:spcPct val="100000"/>
+              </a:lnSpc>
+              <a:spcBef>
+                <a:spcPts val="0"/>
+              </a:spcBef>
+              <a:spcAft>
+                <a:spcPts val="0"/>
+              </a:spcAft>
+            </a:pPr>
+            <a:endParaRPr lang="en-US" sz="1400" smtClean="0"/>
           </a:p>
         </p:txBody>
       </p:sp>
@@ -4762,6 +5281,43 @@
               <a:t>prev_permutation</a:t>
             </a:r>
           </a:p>
+        </p:txBody>
+      </p:sp>
+      <p:sp>
+        <p:nvSpPr>
+          <p:cNvPr id="9" name="Content Placeholder 4"/>
+          <p:cNvSpPr>
+            <a:spLocks noGrp="1"/>
+          </p:cNvSpPr>
+          <p:nvPr>
+            <p:ph sz="half" idx="1"/>
+          </p:nvPr>
+        </p:nvSpPr>
+        <p:spPr>
+          <a:xfrm>
+            <a:off x="6023095" y="4067429"/>
+            <a:ext cx="4995425" cy="1865876"/>
+          </a:xfrm>
+        </p:spPr>
+        <p:txBody>
+          <a:bodyPr>
+            <a:normAutofit/>
+          </a:bodyPr>
+          <a:lstStyle/>
+          <a:p>
+            <a:pPr marL="0">
+              <a:lnSpc>
+                <a:spcPct val="100000"/>
+              </a:lnSpc>
+              <a:spcBef>
+                <a:spcPts val="0"/>
+              </a:spcBef>
+            </a:pPr>
+            <a:r>
+              <a:rPr lang="ru-RU" sz="1400" b="1" smtClean="0"/>
+              <a:t>Слияния и кучи</a:t>
+            </a:r>
+          </a:p>
           <a:p>
             <a:pPr marL="274320" lvl="2">
               <a:lnSpc>
@@ -4775,45 +5331,8 @@
               </a:spcAft>
             </a:pPr>
             <a:r>
-              <a:rPr lang="en-US" sz="1400"/>
-              <a:t>lexicographical_compare</a:t>
-            </a:r>
-          </a:p>
-        </p:txBody>
-      </p:sp>
-      <p:sp>
-        <p:nvSpPr>
-          <p:cNvPr id="9" name="Content Placeholder 4"/>
-          <p:cNvSpPr>
-            <a:spLocks noGrp="1"/>
-          </p:cNvSpPr>
-          <p:nvPr>
-            <p:ph sz="half" idx="1"/>
-          </p:nvPr>
-        </p:nvSpPr>
-        <p:spPr>
-          <a:xfrm>
-            <a:off x="6023095" y="4067429"/>
-            <a:ext cx="4995425" cy="1865876"/>
-          </a:xfrm>
-        </p:spPr>
-        <p:txBody>
-          <a:bodyPr>
-            <a:normAutofit/>
-          </a:bodyPr>
-          <a:lstStyle/>
-          <a:p>
-            <a:pPr marL="0">
-              <a:lnSpc>
-                <a:spcPct val="100000"/>
-              </a:lnSpc>
-              <a:spcBef>
-                <a:spcPts val="0"/>
-              </a:spcBef>
-            </a:pPr>
-            <a:r>
-              <a:rPr lang="ru-RU" sz="1400" b="1" smtClean="0"/>
-              <a:t>Слияния и кучи</a:t>
+              <a:rPr lang="en-US" sz="1400" smtClean="0"/>
+              <a:t>merge</a:t>
             </a:r>
           </a:p>
           <a:p>
@@ -4830,7 +5349,7 @@
             </a:pPr>
             <a:r>
               <a:rPr lang="en-US" sz="1400" smtClean="0"/>
-              <a:t>merge</a:t>
+              <a:t>includes</a:t>
             </a:r>
           </a:p>
           <a:p>
@@ -4847,7 +5366,7 @@
             </a:pPr>
             <a:r>
               <a:rPr lang="en-US" sz="1400" smtClean="0"/>
-              <a:t>includes</a:t>
+              <a:t>set_union, set_intersection, set_difference</a:t>
             </a:r>
           </a:p>
           <a:p>
@@ -4864,7 +5383,7 @@
             </a:pPr>
             <a:r>
               <a:rPr lang="en-US" sz="1400" smtClean="0"/>
-              <a:t>set_union, set_intersection, set_difference</a:t>
+              <a:t>make_heap, push_heap, pop_heap</a:t>
             </a:r>
           </a:p>
           <a:p>
@@ -4881,7 +5400,44 @@
             </a:pPr>
             <a:r>
               <a:rPr lang="en-US" sz="1400" smtClean="0"/>
-              <a:t>make_heap, push_heap, pop_heap</a:t>
+              <a:t>sort_heap</a:t>
+            </a:r>
+          </a:p>
+        </p:txBody>
+      </p:sp>
+      <p:sp>
+        <p:nvSpPr>
+          <p:cNvPr id="10" name="Content Placeholder 4"/>
+          <p:cNvSpPr>
+            <a:spLocks noGrp="1"/>
+          </p:cNvSpPr>
+          <p:nvPr>
+            <p:ph sz="half" idx="1"/>
+          </p:nvPr>
+        </p:nvSpPr>
+        <p:spPr>
+          <a:xfrm>
+            <a:off x="928816" y="4628425"/>
+            <a:ext cx="2283941" cy="1886471"/>
+          </a:xfrm>
+        </p:spPr>
+        <p:txBody>
+          <a:bodyPr>
+            <a:normAutofit/>
+          </a:bodyPr>
+          <a:lstStyle/>
+          <a:p>
+            <a:pPr marL="0">
+              <a:lnSpc>
+                <a:spcPct val="100000"/>
+              </a:lnSpc>
+              <a:spcBef>
+                <a:spcPts val="0"/>
+              </a:spcBef>
+            </a:pPr>
+            <a:r>
+              <a:rPr lang="ru-RU" sz="1400" b="1" smtClean="0"/>
+              <a:t>Численные</a:t>
             </a:r>
           </a:p>
           <a:p>
@@ -4898,45 +5454,9 @@
             </a:pPr>
             <a:r>
               <a:rPr lang="en-US" sz="1400" smtClean="0"/>
-              <a:t>sort_heap</a:t>
-            </a:r>
-          </a:p>
-        </p:txBody>
-      </p:sp>
-      <p:sp>
-        <p:nvSpPr>
-          <p:cNvPr id="10" name="Content Placeholder 4"/>
-          <p:cNvSpPr>
-            <a:spLocks noGrp="1"/>
-          </p:cNvSpPr>
-          <p:nvPr>
-            <p:ph sz="half" idx="1"/>
-          </p:nvPr>
-        </p:nvSpPr>
-        <p:spPr>
-          <a:xfrm>
-            <a:off x="928815" y="4440196"/>
-            <a:ext cx="2283941" cy="1886471"/>
-          </a:xfrm>
-        </p:spPr>
-        <p:txBody>
-          <a:bodyPr>
-            <a:normAutofit/>
-          </a:bodyPr>
-          <a:lstStyle/>
-          <a:p>
-            <a:pPr marL="0">
-              <a:lnSpc>
-                <a:spcPct val="100000"/>
-              </a:lnSpc>
-              <a:spcBef>
-                <a:spcPts val="0"/>
-              </a:spcBef>
-            </a:pPr>
-            <a:r>
-              <a:rPr lang="ru-RU" sz="1400" b="1" smtClean="0"/>
-              <a:t>Численные</a:t>
-            </a:r>
+              <a:t>accumulate</a:t>
+            </a:r>
+            <a:endParaRPr lang="ru-RU" sz="1400" smtClean="0"/>
           </a:p>
           <a:p>
             <a:pPr marL="274320" lvl="2">
@@ -4952,9 +5472,9 @@
             </a:pPr>
             <a:r>
               <a:rPr lang="en-US" sz="1400" smtClean="0"/>
-              <a:t>accumulate</a:t>
-            </a:r>
-            <a:endParaRPr lang="ru-RU" sz="1400" smtClean="0"/>
+              <a:t>iota</a:t>
+            </a:r>
+            <a:endParaRPr lang="en-US" sz="1400"/>
           </a:p>
           <a:p>
             <a:pPr marL="274320" lvl="2">
@@ -4970,9 +5490,8 @@
             </a:pPr>
             <a:r>
               <a:rPr lang="en-US" sz="1400" smtClean="0"/>
-              <a:t>iota</a:t>
-            </a:r>
-            <a:endParaRPr lang="en-US" sz="1400"/>
+              <a:t>adjacent_difference</a:t>
+            </a:r>
           </a:p>
           <a:p>
             <a:pPr marL="274320" lvl="2">
@@ -4988,7 +5507,7 @@
             </a:pPr>
             <a:r>
               <a:rPr lang="en-US" sz="1400" smtClean="0"/>
-              <a:t>adjacent_difference</a:t>
+              <a:t>inner_product</a:t>
             </a:r>
           </a:p>
           <a:p>
@@ -5005,23 +5524,6 @@
             </a:pPr>
             <a:r>
               <a:rPr lang="en-US" sz="1400" smtClean="0"/>
-              <a:t>inner_product</a:t>
-            </a:r>
-          </a:p>
-          <a:p>
-            <a:pPr marL="274320" lvl="2">
-              <a:lnSpc>
-                <a:spcPct val="100000"/>
-              </a:lnSpc>
-              <a:spcBef>
-                <a:spcPts val="0"/>
-              </a:spcBef>
-              <a:spcAft>
-                <a:spcPts val="0"/>
-              </a:spcAft>
-            </a:pPr>
-            <a:r>
-              <a:rPr lang="en-US" sz="1400" smtClean="0"/>
               <a:t>partial_sum</a:t>
             </a:r>
           </a:p>
@@ -5031,412 +5533,6 @@
     <p:extLst>
       <p:ext uri="{BB962C8B-B14F-4D97-AF65-F5344CB8AC3E}">
         <p14:creationId xmlns:p14="http://schemas.microsoft.com/office/powerpoint/2010/main" val="2852636686"/>
-      </p:ext>
-    </p:extLst>
-  </p:cSld>
-  <p:clrMapOvr>
-    <a:masterClrMapping/>
-  </p:clrMapOvr>
-</p:sld>
-</file>
-
-<file path=ppt/slides/slide12.xml><?xml version="1.0" encoding="utf-8"?>
-<p:sld xmlns:a="http://schemas.openxmlformats.org/drawingml/2006/main" xmlns:r="http://schemas.openxmlformats.org/officeDocument/2006/relationships" xmlns:p="http://schemas.openxmlformats.org/presentationml/2006/main">
-  <p:cSld>
-    <p:spTree>
-      <p:nvGrpSpPr>
-        <p:cNvPr id="1" name=""/>
-        <p:cNvGrpSpPr/>
-        <p:nvPr/>
-      </p:nvGrpSpPr>
-      <p:grpSpPr>
-        <a:xfrm>
-          <a:off x="0" y="0"/>
-          <a:ext cx="0" cy="0"/>
-          <a:chOff x="0" y="0"/>
-          <a:chExt cx="0" cy="0"/>
-        </a:xfrm>
-      </p:grpSpPr>
-      <p:sp>
-        <p:nvSpPr>
-          <p:cNvPr id="5" name="Title 4"/>
-          <p:cNvSpPr>
-            <a:spLocks noGrp="1"/>
-          </p:cNvSpPr>
-          <p:nvPr>
-            <p:ph type="title"/>
-          </p:nvPr>
-        </p:nvSpPr>
-        <p:spPr/>
-        <p:txBody>
-          <a:bodyPr/>
-          <a:lstStyle/>
-          <a:p>
-            <a:r>
-              <a:rPr lang="ru-RU" smtClean="0"/>
-              <a:t>Задача</a:t>
-            </a:r>
-            <a:endParaRPr lang="en-US"/>
-          </a:p>
-        </p:txBody>
-      </p:sp>
-      <p:sp>
-        <p:nvSpPr>
-          <p:cNvPr id="6" name="Content Placeholder 5"/>
-          <p:cNvSpPr>
-            <a:spLocks noGrp="1"/>
-          </p:cNvSpPr>
-          <p:nvPr>
-            <p:ph idx="1"/>
-          </p:nvPr>
-        </p:nvSpPr>
-        <p:spPr/>
-        <p:txBody>
-          <a:bodyPr/>
-          <a:lstStyle/>
-          <a:p>
-            <a:r>
-              <a:rPr lang="ru-RU" smtClean="0"/>
-              <a:t>Вывести первые </a:t>
-            </a:r>
-            <a:r>
-              <a:rPr lang="en-US" smtClean="0"/>
-              <a:t>N </a:t>
-            </a:r>
-            <a:r>
-              <a:rPr lang="ru-RU" smtClean="0"/>
-              <a:t>(по порядку) элементов из контейнера </a:t>
-            </a:r>
-            <a:r>
-              <a:rPr lang="en-US" smtClean="0"/>
-              <a:t>cont </a:t>
-            </a:r>
-            <a:r>
-              <a:rPr lang="ru-RU" smtClean="0"/>
-              <a:t>в поток </a:t>
-            </a:r>
-            <a:r>
-              <a:rPr lang="en-US" smtClean="0"/>
-              <a:t>cout</a:t>
-            </a:r>
-            <a:r>
-              <a:rPr lang="ru-RU" smtClean="0"/>
-              <a:t>, разделенными через перенос строки</a:t>
-            </a:r>
-            <a:endParaRPr lang="en-US" smtClean="0"/>
-          </a:p>
-          <a:p>
-            <a:pPr marL="45720" indent="0">
-              <a:buNone/>
-            </a:pPr>
-            <a:r>
-              <a:rPr lang="ru-RU" smtClean="0"/>
-              <a:t>Вариант решения</a:t>
-            </a:r>
-            <a:r>
-              <a:rPr lang="en-US" smtClean="0"/>
-              <a:t> "</a:t>
-            </a:r>
-            <a:r>
-              <a:rPr lang="ru-RU" smtClean="0"/>
-              <a:t>в лоб</a:t>
-            </a:r>
-            <a:r>
-              <a:rPr lang="en-US" smtClean="0"/>
-              <a:t>".</a:t>
-            </a:r>
-            <a:endParaRPr lang="ru-RU" smtClean="0"/>
-          </a:p>
-          <a:p>
-            <a:pPr marL="45720" indent="0">
-              <a:buNone/>
-            </a:pPr>
-            <a:r>
-              <a:rPr lang="en-US" smtClean="0">
-                <a:latin typeface="Consolas" panose="020B0609020204030204" pitchFamily="49" charset="0"/>
-              </a:rPr>
-              <a:t>assert (cont.size() &gt;= N);</a:t>
-            </a:r>
-          </a:p>
-          <a:p>
-            <a:pPr marL="45720" indent="0">
-              <a:buNone/>
-            </a:pPr>
-            <a:r>
-              <a:rPr lang="en-US" smtClean="0">
-                <a:latin typeface="Consolas" panose="020B0609020204030204" pitchFamily="49" charset="0"/>
-              </a:rPr>
-              <a:t>auto </a:t>
-            </a:r>
-            <a:r>
-              <a:rPr lang="en-US">
-                <a:latin typeface="Consolas" panose="020B0609020204030204" pitchFamily="49" charset="0"/>
-              </a:rPr>
-              <a:t>it = cont.begin(); </a:t>
-            </a:r>
-            <a:endParaRPr lang="en-US" smtClean="0">
-              <a:latin typeface="Consolas" panose="020B0609020204030204" pitchFamily="49" charset="0"/>
-            </a:endParaRPr>
-          </a:p>
-          <a:p>
-            <a:pPr marL="45720" indent="0">
-              <a:buNone/>
-            </a:pPr>
-            <a:r>
-              <a:rPr lang="en-US" smtClean="0">
-                <a:latin typeface="Consolas" panose="020B0609020204030204" pitchFamily="49" charset="0"/>
-              </a:rPr>
-              <a:t>for </a:t>
-            </a:r>
-            <a:r>
-              <a:rPr lang="ru-RU" smtClean="0">
-                <a:latin typeface="Consolas" panose="020B0609020204030204" pitchFamily="49" charset="0"/>
-              </a:rPr>
-              <a:t>(</a:t>
-            </a:r>
-            <a:r>
-              <a:rPr lang="en-US" smtClean="0">
-                <a:latin typeface="Consolas" panose="020B0609020204030204" pitchFamily="49" charset="0"/>
-              </a:rPr>
-              <a:t>size_t idx = 0, idx != N; ++idx</a:t>
-            </a:r>
-            <a:r>
-              <a:rPr lang="ru-RU" smtClean="0">
-                <a:latin typeface="Consolas" panose="020B0609020204030204" pitchFamily="49" charset="0"/>
-              </a:rPr>
-              <a:t>)</a:t>
-            </a:r>
-            <a:r>
-              <a:rPr lang="en-US" smtClean="0">
-                <a:latin typeface="Consolas" panose="020B0609020204030204" pitchFamily="49" charset="0"/>
-              </a:rPr>
-              <a:t> {</a:t>
-            </a:r>
-          </a:p>
-          <a:p>
-            <a:pPr marL="45720" indent="0">
-              <a:buNone/>
-            </a:pPr>
-            <a:r>
-              <a:rPr lang="en-US" smtClean="0">
-                <a:latin typeface="Consolas" panose="020B0609020204030204" pitchFamily="49" charset="0"/>
-              </a:rPr>
-              <a:t>  cout &lt;&lt; *it &lt;&lt; endl;</a:t>
-            </a:r>
-            <a:endParaRPr lang="en-US">
-              <a:latin typeface="Consolas" panose="020B0609020204030204" pitchFamily="49" charset="0"/>
-            </a:endParaRPr>
-          </a:p>
-          <a:p>
-            <a:pPr marL="45720" indent="0">
-              <a:buNone/>
-            </a:pPr>
-            <a:r>
-              <a:rPr lang="ru-RU" smtClean="0">
-                <a:latin typeface="Consolas" panose="020B0609020204030204" pitchFamily="49" charset="0"/>
-              </a:rPr>
-              <a:t>  ++</a:t>
-            </a:r>
-            <a:r>
-              <a:rPr lang="en-US" smtClean="0">
-                <a:latin typeface="Consolas" panose="020B0609020204030204" pitchFamily="49" charset="0"/>
-              </a:rPr>
-              <a:t>it;</a:t>
-            </a:r>
-            <a:endParaRPr lang="en-US">
-              <a:latin typeface="Consolas" panose="020B0609020204030204" pitchFamily="49" charset="0"/>
-            </a:endParaRPr>
-          </a:p>
-          <a:p>
-            <a:pPr marL="45720" indent="0">
-              <a:buNone/>
-            </a:pPr>
-            <a:r>
-              <a:rPr lang="en-US" smtClean="0">
-                <a:latin typeface="Consolas" panose="020B0609020204030204" pitchFamily="49" charset="0"/>
-              </a:rPr>
-              <a:t>}</a:t>
-            </a:r>
-            <a:br>
-              <a:rPr lang="en-US" smtClean="0">
-                <a:latin typeface="Consolas" panose="020B0609020204030204" pitchFamily="49" charset="0"/>
-              </a:rPr>
-            </a:br>
-            <a:r>
-              <a:rPr lang="en-US" smtClean="0"/>
-              <a:t>  </a:t>
-            </a:r>
-          </a:p>
-        </p:txBody>
-      </p:sp>
-    </p:spTree>
-    <p:extLst>
-      <p:ext uri="{BB962C8B-B14F-4D97-AF65-F5344CB8AC3E}">
-        <p14:creationId xmlns:p14="http://schemas.microsoft.com/office/powerpoint/2010/main" val="3990768073"/>
-      </p:ext>
-    </p:extLst>
-  </p:cSld>
-  <p:clrMapOvr>
-    <a:masterClrMapping/>
-  </p:clrMapOvr>
-</p:sld>
-</file>
-
-<file path=ppt/slides/slide13.xml><?xml version="1.0" encoding="utf-8"?>
-<p:sld xmlns:a="http://schemas.openxmlformats.org/drawingml/2006/main" xmlns:r="http://schemas.openxmlformats.org/officeDocument/2006/relationships" xmlns:p="http://schemas.openxmlformats.org/presentationml/2006/main">
-  <p:cSld>
-    <p:spTree>
-      <p:nvGrpSpPr>
-        <p:cNvPr id="1" name=""/>
-        <p:cNvGrpSpPr/>
-        <p:nvPr/>
-      </p:nvGrpSpPr>
-      <p:grpSpPr>
-        <a:xfrm>
-          <a:off x="0" y="0"/>
-          <a:ext cx="0" cy="0"/>
-          <a:chOff x="0" y="0"/>
-          <a:chExt cx="0" cy="0"/>
-        </a:xfrm>
-      </p:grpSpPr>
-      <p:sp>
-        <p:nvSpPr>
-          <p:cNvPr id="5" name="Title 4"/>
-          <p:cNvSpPr>
-            <a:spLocks noGrp="1"/>
-          </p:cNvSpPr>
-          <p:nvPr>
-            <p:ph type="title"/>
-          </p:nvPr>
-        </p:nvSpPr>
-        <p:spPr/>
-        <p:txBody>
-          <a:bodyPr/>
-          <a:lstStyle/>
-          <a:p>
-            <a:r>
-              <a:rPr lang="ru-RU" smtClean="0"/>
-              <a:t>Задача</a:t>
-            </a:r>
-            <a:endParaRPr lang="en-US"/>
-          </a:p>
-        </p:txBody>
-      </p:sp>
-      <p:sp>
-        <p:nvSpPr>
-          <p:cNvPr id="6" name="Content Placeholder 5"/>
-          <p:cNvSpPr>
-            <a:spLocks noGrp="1"/>
-          </p:cNvSpPr>
-          <p:nvPr>
-            <p:ph idx="1"/>
-          </p:nvPr>
-        </p:nvSpPr>
-        <p:spPr/>
-        <p:txBody>
-          <a:bodyPr/>
-          <a:lstStyle/>
-          <a:p>
-            <a:r>
-              <a:rPr lang="ru-RU" smtClean="0"/>
-              <a:t>Вывести первые </a:t>
-            </a:r>
-            <a:r>
-              <a:rPr lang="en-US" smtClean="0"/>
-              <a:t>N </a:t>
-            </a:r>
-            <a:r>
-              <a:rPr lang="ru-RU" smtClean="0"/>
-              <a:t>(по порядку) элементов из контейнера </a:t>
-            </a:r>
-            <a:r>
-              <a:rPr lang="en-US" smtClean="0"/>
-              <a:t>cont </a:t>
-            </a:r>
-            <a:r>
-              <a:rPr lang="ru-RU" smtClean="0"/>
-              <a:t>в поток </a:t>
-            </a:r>
-            <a:r>
-              <a:rPr lang="en-US" smtClean="0"/>
-              <a:t>cout</a:t>
-            </a:r>
-            <a:r>
-              <a:rPr lang="ru-RU" smtClean="0"/>
-              <a:t>, разделенными через перенос строки</a:t>
-            </a:r>
-            <a:endParaRPr lang="en-US" smtClean="0"/>
-          </a:p>
-          <a:p>
-            <a:pPr marL="45720" indent="0">
-              <a:buNone/>
-            </a:pPr>
-            <a:r>
-              <a:rPr lang="ru-RU" smtClean="0"/>
-              <a:t>Вариант хорошего решения</a:t>
-            </a:r>
-          </a:p>
-          <a:p>
-            <a:pPr marL="45720" indent="0">
-              <a:buNone/>
-            </a:pPr>
-            <a:r>
-              <a:rPr lang="en-US" smtClean="0">
-                <a:latin typeface="Consolas" panose="020B0609020204030204" pitchFamily="49" charset="0"/>
-              </a:rPr>
-              <a:t>using tp_ = decltype(cont)::value_type;</a:t>
-            </a:r>
-          </a:p>
-          <a:p>
-            <a:pPr marL="45720" indent="0">
-              <a:buNone/>
-            </a:pPr>
-            <a:r>
-              <a:rPr lang="en-US">
-                <a:latin typeface="Consolas" panose="020B0609020204030204" pitchFamily="49" charset="0"/>
-              </a:rPr>
-              <a:t>assert (cont.size() &gt;= </a:t>
-            </a:r>
-            <a:r>
-              <a:rPr lang="en-US" smtClean="0">
-                <a:latin typeface="Consolas" panose="020B0609020204030204" pitchFamily="49" charset="0"/>
-              </a:rPr>
-              <a:t>N);</a:t>
-            </a:r>
-            <a:endParaRPr lang="en-US">
-              <a:latin typeface="Consolas" panose="020B0609020204030204" pitchFamily="49" charset="0"/>
-            </a:endParaRPr>
-          </a:p>
-          <a:p>
-            <a:pPr marL="45720" indent="0">
-              <a:buNone/>
-            </a:pPr>
-            <a:r>
-              <a:rPr lang="en-US" smtClean="0">
-                <a:latin typeface="Consolas" panose="020B0609020204030204" pitchFamily="49" charset="0"/>
-              </a:rPr>
-              <a:t>copy_n (cont.begin(), N, ostream_iterator&lt;tp_&gt;(cout, "\n"</a:t>
-            </a:r>
-            <a:r>
-              <a:rPr lang="ru-RU" smtClean="0">
-                <a:latin typeface="Consolas" panose="020B0609020204030204" pitchFamily="49" charset="0"/>
-              </a:rPr>
-              <a:t>))</a:t>
-            </a:r>
-            <a:r>
-              <a:rPr lang="en-US" smtClean="0">
-                <a:latin typeface="Consolas" panose="020B0609020204030204" pitchFamily="49" charset="0"/>
-              </a:rPr>
-              <a:t>;</a:t>
-            </a:r>
-            <a:endParaRPr lang="en-US" smtClean="0"/>
-          </a:p>
-        </p:txBody>
-      </p:sp>
-    </p:spTree>
-    <p:extLst>
-      <p:ext uri="{BB962C8B-B14F-4D97-AF65-F5344CB8AC3E}">
-        <p14:creationId xmlns:p14="http://schemas.microsoft.com/office/powerpoint/2010/main" val="172254983"/>
       </p:ext>
     </p:extLst>
   </p:cSld>
@@ -5641,6 +5737,15 @@
               <a:rPr lang="ru-RU" smtClean="0"/>
               <a:t> всё равно в каком порядке</a:t>
             </a:r>
+            <a:r>
+              <a:rPr lang="en-US" smtClean="0"/>
+              <a:t>. </a:t>
+            </a:r>
+            <a:r>
+              <a:rPr lang="ru-RU"/>
+              <a:t>После этого вывести их на экран.</a:t>
+            </a:r>
+            <a:endParaRPr lang="ru-RU" smtClean="0"/>
           </a:p>
           <a:p>
             <a:r>
@@ -5818,7 +5923,7 @@
                   <a:srgbClr val="055CE9"/>
                 </a:solidFill>
               </a:rPr>
-              <a:t>всё равно в каком порядке</a:t>
+              <a:t>всё равно в каком порядке.</a:t>
             </a:r>
           </a:p>
           <a:p>
@@ -5887,7 +5992,7 @@
           <a:p>
             <a:r>
               <a:rPr lang="ru-RU" smtClean="0"/>
-              <a:t>Это работает, но кажется, даже частичная сортировка делает слишком много</a:t>
+              <a:t>Это также работает, но, кажется, даже частичная сортировка делает слишком много</a:t>
             </a:r>
             <a:endParaRPr lang="en-US"/>
           </a:p>
@@ -6197,8 +6302,13 @@
             </a:pPr>
             <a:r>
               <a:rPr lang="ru-RU" sz="4800" smtClean="0"/>
-              <a:t> Знакомство с алгоритмами</a:t>
-            </a:r>
+              <a:t> Знакомство с алгоритмами </a:t>
+            </a:r>
+            <a:r>
+              <a:rPr lang="en-US" sz="4800" smtClean="0"/>
+              <a:t>STL</a:t>
+            </a:r>
+            <a:endParaRPr lang="ru-RU" sz="4800" smtClean="0"/>
           </a:p>
           <a:p>
             <a:pPr>
@@ -6210,13 +6320,8 @@
             </a:pPr>
             <a:r>
               <a:rPr lang="ru-RU" sz="4800" smtClean="0"/>
-              <a:t> </a:t>
-            </a:r>
-            <a:r>
-              <a:rPr lang="en-US" sz="4800" smtClean="0"/>
-              <a:t>Erase-remove</a:t>
-            </a:r>
-            <a:endParaRPr lang="ru-RU" sz="4800" smtClean="0"/>
+              <a:t> Трансформации</a:t>
+            </a:r>
           </a:p>
           <a:p>
             <a:pPr>
@@ -6224,11 +6329,32 @@
                 <a:spcPct val="150000"/>
               </a:lnSpc>
               <a:buFont typeface="Wingdings" panose="05000000000000000000" pitchFamily="2" charset="2"/>
-              <a:buChar char="Ø"/>
+              <a:buChar char="q"/>
             </a:pPr>
             <a:r>
               <a:rPr lang="ru-RU" sz="4800" smtClean="0"/>
-              <a:t> Бинарный поиск и его варианты</a:t>
+              <a:t> </a:t>
+            </a:r>
+            <a:r>
+              <a:rPr lang="en-US" sz="4800" smtClean="0"/>
+              <a:t>Erase-remove</a:t>
+            </a:r>
+          </a:p>
+          <a:p>
+            <a:pPr>
+              <a:lnSpc>
+                <a:spcPct val="150000"/>
+              </a:lnSpc>
+              <a:buFont typeface="Wingdings" panose="05000000000000000000" pitchFamily="2" charset="2"/>
+              <a:buChar char="q"/>
+            </a:pPr>
+            <a:r>
+              <a:rPr lang="en-US" sz="4800"/>
+              <a:t> </a:t>
+            </a:r>
+            <a:r>
+              <a:rPr lang="ru-RU" sz="4800" smtClean="0"/>
+              <a:t>Бинарный поиск и его варианты</a:t>
             </a:r>
           </a:p>
         </p:txBody>
@@ -6236,7 +6362,7 @@
     </p:spTree>
     <p:extLst>
       <p:ext uri="{BB962C8B-B14F-4D97-AF65-F5344CB8AC3E}">
-        <p14:creationId xmlns:p14="http://schemas.microsoft.com/office/powerpoint/2010/main" val="850737047"/>
+        <p14:creationId xmlns:p14="http://schemas.microsoft.com/office/powerpoint/2010/main" val="2253744714"/>
       </p:ext>
     </p:extLst>
   </p:cSld>
@@ -6301,6 +6427,19 @@
               <a:t>STL</a:t>
             </a:r>
             <a:endParaRPr lang="ru-RU" sz="4800" smtClean="0"/>
+          </a:p>
+          <a:p>
+            <a:pPr>
+              <a:lnSpc>
+                <a:spcPct val="150000"/>
+              </a:lnSpc>
+              <a:buFont typeface="Wingdings" panose="05000000000000000000" pitchFamily="2" charset="2"/>
+              <a:buChar char="q"/>
+            </a:pPr>
+            <a:r>
+              <a:rPr lang="ru-RU" sz="4800" smtClean="0"/>
+              <a:t> Трансформации </a:t>
+            </a:r>
           </a:p>
           <a:p>
             <a:pPr>
@@ -6384,8 +6523,12 @@
           <a:lstStyle/>
           <a:p>
             <a:r>
-              <a:rPr lang="en-US" smtClean="0"/>
-              <a:t>Remove</a:t>
+              <a:rPr lang="ru-RU" smtClean="0"/>
+              <a:t>Ложные паттерны для </a:t>
+            </a:r>
+            <a:r>
+              <a:rPr lang="en-US" smtClean="0"/>
+              <a:t>for_each</a:t>
             </a:r>
             <a:endParaRPr lang="en-US"/>
           </a:p>
@@ -6408,22 +6551,7 @@
           <a:p>
             <a:r>
               <a:rPr lang="ru-RU" smtClean="0"/>
-              <a:t>Как бы вы написали функцию </a:t>
-            </a:r>
-            <a:r>
-              <a:rPr lang="en-US" smtClean="0"/>
-              <a:t>remove?</a:t>
-            </a:r>
-            <a:endParaRPr lang="ru-RU" smtClean="0"/>
-          </a:p>
-          <a:p>
-            <a:r>
-              <a:rPr lang="ru-RU" smtClean="0"/>
-              <a:t>Идея функции: удалить из диапазона все значения </a:t>
-            </a:r>
-            <a:r>
-              <a:rPr lang="en-US" smtClean="0"/>
-              <a:t>val</a:t>
+              <a:t>Задана последовательность символов</a:t>
             </a:r>
           </a:p>
           <a:p>
@@ -6431,125 +6559,68 @@
               <a:buNone/>
             </a:pPr>
             <a:r>
+              <a:rPr lang="en-US" smtClean="0">
+                <a:latin typeface="Consolas" panose="020B0609020204030204" pitchFamily="49" charset="0"/>
+              </a:rPr>
+              <a:t>vector&lt;int&gt; v = {2, 3, 5, 7, 11, 13};</a:t>
+            </a:r>
+          </a:p>
+          <a:p>
+            <a:r>
+              <a:rPr lang="ru-RU" smtClean="0"/>
+              <a:t>Необходимо сделать из неё </a:t>
+            </a:r>
+            <a:r>
+              <a:rPr lang="en-US" smtClean="0">
+                <a:latin typeface="Consolas" panose="020B0609020204030204" pitchFamily="49" charset="0"/>
+              </a:rPr>
+              <a:t>{-2, -3, -5, -7, -11, -13}</a:t>
+            </a:r>
+          </a:p>
+          <a:p>
+            <a:r>
+              <a:rPr lang="ru-RU" smtClean="0"/>
+              <a:t>Неопытный программист вполне может написать</a:t>
+            </a:r>
+          </a:p>
+          <a:p>
+            <a:pPr marL="45720" indent="0">
+              <a:buNone/>
+            </a:pPr>
+            <a:r>
               <a:rPr lang="en-US">
                 <a:latin typeface="Consolas" panose="020B0609020204030204" pitchFamily="49" charset="0"/>
               </a:rPr>
-              <a:t>template &lt;class </a:t>
-            </a:r>
-            <a:r>
-              <a:rPr lang="en-US" smtClean="0">
-                <a:latin typeface="Consolas" panose="020B0609020204030204" pitchFamily="49" charset="0"/>
-              </a:rPr>
-              <a:t>Iter, </a:t>
-            </a:r>
-            <a:r>
-              <a:rPr lang="en-US">
-                <a:latin typeface="Consolas" panose="020B0609020204030204" pitchFamily="49" charset="0"/>
-              </a:rPr>
-              <a:t>class </a:t>
-            </a:r>
-            <a:r>
-              <a:rPr lang="en-US" smtClean="0">
-                <a:latin typeface="Consolas" panose="020B0609020204030204" pitchFamily="49" charset="0"/>
-              </a:rPr>
-              <a:t>T&gt; Iter </a:t>
-            </a:r>
-            <a:br>
-              <a:rPr lang="en-US" smtClean="0">
-                <a:latin typeface="Consolas" panose="020B0609020204030204" pitchFamily="49" charset="0"/>
-              </a:rPr>
-            </a:br>
-            <a:r>
-              <a:rPr lang="en-US" smtClean="0">
-                <a:latin typeface="Consolas" panose="020B0609020204030204" pitchFamily="49" charset="0"/>
-              </a:rPr>
-              <a:t>remove (Iter </a:t>
-            </a:r>
-            <a:r>
-              <a:rPr lang="en-US">
-                <a:latin typeface="Consolas" panose="020B0609020204030204" pitchFamily="49" charset="0"/>
-              </a:rPr>
-              <a:t>first, </a:t>
-            </a:r>
-            <a:r>
-              <a:rPr lang="en-US" smtClean="0">
-                <a:latin typeface="Consolas" panose="020B0609020204030204" pitchFamily="49" charset="0"/>
-              </a:rPr>
-              <a:t>Iter </a:t>
-            </a:r>
-            <a:r>
-              <a:rPr lang="en-US">
-                <a:latin typeface="Consolas" panose="020B0609020204030204" pitchFamily="49" charset="0"/>
-              </a:rPr>
-              <a:t>last, const T&amp; val</a:t>
-            </a:r>
-            <a:r>
-              <a:rPr lang="en-US" smtClean="0">
-                <a:latin typeface="Consolas" panose="020B0609020204030204" pitchFamily="49" charset="0"/>
-              </a:rPr>
-              <a:t>) </a:t>
-            </a:r>
-            <a:br>
-              <a:rPr lang="en-US" smtClean="0">
-                <a:latin typeface="Consolas" panose="020B0609020204030204" pitchFamily="49" charset="0"/>
-              </a:rPr>
-            </a:br>
-            <a:r>
-              <a:rPr lang="en-US" smtClean="0">
-                <a:latin typeface="Consolas" panose="020B0609020204030204" pitchFamily="49" charset="0"/>
-              </a:rPr>
-              <a:t>{</a:t>
-            </a:r>
-          </a:p>
-          <a:p>
-            <a:pPr marL="45720" indent="0">
-              <a:buNone/>
-            </a:pPr>
+              <a:t>for_each(v.begin(), v.end(), </a:t>
+            </a:r>
+            <a:r>
+              <a:rPr lang="en-US" smtClean="0">
+                <a:latin typeface="Consolas" panose="020B0609020204030204" pitchFamily="49" charset="0"/>
+              </a:rPr>
+              <a:t>[] (auto i) { return -i; } );</a:t>
+            </a:r>
+          </a:p>
+          <a:p>
             <a:r>
               <a:rPr lang="ru-RU" smtClean="0">
-                <a:latin typeface="Consolas" panose="020B0609020204030204" pitchFamily="49" charset="0"/>
-              </a:rPr>
-              <a:t>  </a:t>
-            </a:r>
-            <a:r>
-              <a:rPr lang="en-US" smtClean="0">
-                <a:latin typeface="Consolas" panose="020B0609020204030204" pitchFamily="49" charset="0"/>
-              </a:rPr>
-              <a:t>// </a:t>
-            </a:r>
-            <a:r>
-              <a:rPr lang="ru-RU" smtClean="0">
-                <a:latin typeface="Consolas" panose="020B0609020204030204" pitchFamily="49" charset="0"/>
-              </a:rPr>
-              <a:t>что здесь?</a:t>
-            </a:r>
-            <a:endParaRPr lang="en-US" smtClean="0">
-              <a:latin typeface="Consolas" panose="020B0609020204030204" pitchFamily="49" charset="0"/>
+                <a:solidFill>
+                  <a:srgbClr val="FF0000"/>
+                </a:solidFill>
+              </a:rPr>
+              <a:t>Почему это неверно?</a:t>
+            </a:r>
+            <a:endParaRPr lang="en-US">
+              <a:solidFill>
+                <a:srgbClr val="FF0000"/>
+              </a:solidFill>
             </a:endParaRPr>
-          </a:p>
-          <a:p>
-            <a:pPr marL="45720" indent="0">
-              <a:buNone/>
-            </a:pPr>
-            <a:r>
-              <a:rPr lang="en-US">
-                <a:latin typeface="Consolas" panose="020B0609020204030204" pitchFamily="49" charset="0"/>
-              </a:rPr>
-              <a:t>}</a:t>
-            </a:r>
-          </a:p>
-          <a:p>
-            <a:pPr marL="45720" indent="0">
-              <a:buNone/>
-            </a:pPr>
-            <a:endParaRPr lang="en-US"/>
           </a:p>
         </p:txBody>
       </p:sp>
     </p:spTree>
     <p:extLst>
       <p:ext uri="{BB962C8B-B14F-4D97-AF65-F5344CB8AC3E}">
-        <p14:creationId xmlns:p14="http://schemas.microsoft.com/office/powerpoint/2010/main" val="4144309777"/>
+        <p14:creationId xmlns:p14="http://schemas.microsoft.com/office/powerpoint/2010/main" val="3106529709"/>
       </p:ext>
     </p:extLst>
   </p:cSld>
@@ -6593,6 +6664,3394 @@
           <a:p>
             <a:r>
               <a:rPr lang="en-US" smtClean="0"/>
+              <a:t>for_each vs transform</a:t>
+            </a:r>
+            <a:endParaRPr lang="en-US"/>
+          </a:p>
+        </p:txBody>
+      </p:sp>
+      <p:sp>
+        <p:nvSpPr>
+          <p:cNvPr id="3" name="Content Placeholder 2"/>
+          <p:cNvSpPr>
+            <a:spLocks noGrp="1"/>
+          </p:cNvSpPr>
+          <p:nvPr>
+            <p:ph idx="1"/>
+          </p:nvPr>
+        </p:nvSpPr>
+        <p:spPr>
+          <a:xfrm>
+            <a:off x="1143000" y="2057400"/>
+            <a:ext cx="9872871" cy="4315968"/>
+          </a:xfrm>
+        </p:spPr>
+        <p:txBody>
+          <a:bodyPr/>
+          <a:lstStyle/>
+          <a:p>
+            <a:r>
+              <a:rPr lang="ru-RU" smtClean="0"/>
+              <a:t>Паттерн для </a:t>
+            </a:r>
+            <a:r>
+              <a:rPr lang="en-US" smtClean="0"/>
+              <a:t>for_each:</a:t>
+            </a:r>
+          </a:p>
+          <a:p>
+            <a:pPr marL="45720" indent="0">
+              <a:buNone/>
+            </a:pPr>
+            <a:r>
+              <a:rPr lang="en-US" smtClean="0">
+                <a:latin typeface="Consolas" panose="020B0609020204030204" pitchFamily="49" charset="0"/>
+              </a:rPr>
+              <a:t>for (auto it = v.begin(); it != v.end(); ++it)</a:t>
+            </a:r>
+            <a:br>
+              <a:rPr lang="en-US" smtClean="0">
+                <a:latin typeface="Consolas" panose="020B0609020204030204" pitchFamily="49" charset="0"/>
+              </a:rPr>
+            </a:br>
+            <a:r>
+              <a:rPr lang="en-US" smtClean="0">
+                <a:latin typeface="Consolas" panose="020B0609020204030204" pitchFamily="49" charset="0"/>
+              </a:rPr>
+              <a:t>  func(*it);</a:t>
+            </a:r>
+          </a:p>
+          <a:p>
+            <a:r>
+              <a:rPr lang="ru-RU"/>
+              <a:t>Паттерн для </a:t>
+            </a:r>
+            <a:r>
+              <a:rPr lang="en-US" smtClean="0"/>
+              <a:t>transform:</a:t>
+            </a:r>
+            <a:endParaRPr lang="en-US"/>
+          </a:p>
+          <a:p>
+            <a:pPr marL="45720" indent="0">
+              <a:buNone/>
+            </a:pPr>
+            <a:r>
+              <a:rPr lang="en-US">
+                <a:latin typeface="Consolas" panose="020B0609020204030204" pitchFamily="49" charset="0"/>
+              </a:rPr>
+              <a:t>for (auto it = v.begin(); it != v.end(); ++it)</a:t>
+            </a:r>
+            <a:br>
+              <a:rPr lang="en-US">
+                <a:latin typeface="Consolas" panose="020B0609020204030204" pitchFamily="49" charset="0"/>
+              </a:rPr>
+            </a:br>
+            <a:r>
+              <a:rPr lang="en-US">
+                <a:latin typeface="Consolas" panose="020B0609020204030204" pitchFamily="49" charset="0"/>
+              </a:rPr>
+              <a:t>  </a:t>
+            </a:r>
+            <a:r>
+              <a:rPr lang="en-US" smtClean="0">
+                <a:latin typeface="Consolas" panose="020B0609020204030204" pitchFamily="49" charset="0"/>
+              </a:rPr>
+              <a:t>*outit++ = func</a:t>
+            </a:r>
+            <a:r>
+              <a:rPr lang="en-US">
+                <a:latin typeface="Consolas" panose="020B0609020204030204" pitchFamily="49" charset="0"/>
+              </a:rPr>
+              <a:t>(*it</a:t>
+            </a:r>
+            <a:r>
+              <a:rPr lang="en-US" smtClean="0">
+                <a:latin typeface="Consolas" panose="020B0609020204030204" pitchFamily="49" charset="0"/>
+              </a:rPr>
+              <a:t>);</a:t>
+            </a:r>
+          </a:p>
+          <a:p>
+            <a:r>
+              <a:rPr lang="ru-RU" smtClean="0"/>
+              <a:t>При этом в отличии от </a:t>
+            </a:r>
+            <a:r>
+              <a:rPr lang="en-US" smtClean="0"/>
+              <a:t>for_each, transform </a:t>
+            </a:r>
+            <a:r>
+              <a:rPr lang="ru-RU" smtClean="0"/>
+              <a:t>не гарантирует порядка выполнения!</a:t>
+            </a:r>
+            <a:endParaRPr lang="en-US"/>
+          </a:p>
+          <a:p>
+            <a:r>
+              <a:rPr lang="ru-RU" smtClean="0"/>
+              <a:t>Правильное решение</a:t>
+            </a:r>
+            <a:endParaRPr lang="en-US" smtClean="0"/>
+          </a:p>
+          <a:p>
+            <a:pPr marL="45720" indent="0">
+              <a:buNone/>
+            </a:pPr>
+            <a:r>
+              <a:rPr lang="en-US" sz="1800" smtClean="0">
+                <a:latin typeface="Consolas" panose="020B0609020204030204" pitchFamily="49" charset="0"/>
+              </a:rPr>
+              <a:t>transform (v.begin</a:t>
+            </a:r>
+            <a:r>
+              <a:rPr lang="en-US" sz="1800">
+                <a:latin typeface="Consolas" panose="020B0609020204030204" pitchFamily="49" charset="0"/>
+              </a:rPr>
+              <a:t>(), v.end</a:t>
+            </a:r>
+            <a:r>
+              <a:rPr lang="en-US" sz="1800" smtClean="0">
+                <a:latin typeface="Consolas" panose="020B0609020204030204" pitchFamily="49" charset="0"/>
+              </a:rPr>
+              <a:t>(), v.begin(), </a:t>
+            </a:r>
+            <a:r>
+              <a:rPr lang="en-US" sz="1800">
+                <a:latin typeface="Consolas" panose="020B0609020204030204" pitchFamily="49" charset="0"/>
+              </a:rPr>
+              <a:t>[] (auto i) { return -i; } );</a:t>
+            </a:r>
+            <a:endParaRPr lang="ru-RU" sz="1800" smtClean="0">
+              <a:latin typeface="Consolas" panose="020B0609020204030204" pitchFamily="49" charset="0"/>
+            </a:endParaRPr>
+          </a:p>
+          <a:p>
+            <a:pPr marL="45720" indent="0">
+              <a:buNone/>
+            </a:pPr>
+            <a:r>
+              <a:rPr lang="ru-RU" smtClean="0"/>
+              <a:t> </a:t>
+            </a:r>
+            <a:endParaRPr lang="en-US" smtClean="0"/>
+          </a:p>
+        </p:txBody>
+      </p:sp>
+    </p:spTree>
+    <p:extLst>
+      <p:ext uri="{BB962C8B-B14F-4D97-AF65-F5344CB8AC3E}">
+        <p14:creationId xmlns:p14="http://schemas.microsoft.com/office/powerpoint/2010/main" val="1606999557"/>
+      </p:ext>
+    </p:extLst>
+  </p:cSld>
+  <p:clrMapOvr>
+    <a:masterClrMapping/>
+  </p:clrMapOvr>
+</p:sld>
+</file>
+
+<file path=ppt/slides/slide22.xml><?xml version="1.0" encoding="utf-8"?>
+<p:sld xmlns:a="http://schemas.openxmlformats.org/drawingml/2006/main" xmlns:r="http://schemas.openxmlformats.org/officeDocument/2006/relationships" xmlns:p="http://schemas.openxmlformats.org/presentationml/2006/main">
+  <p:cSld>
+    <p:spTree>
+      <p:nvGrpSpPr>
+        <p:cNvPr id="1" name=""/>
+        <p:cNvGrpSpPr/>
+        <p:nvPr/>
+      </p:nvGrpSpPr>
+      <p:grpSpPr>
+        <a:xfrm>
+          <a:off x="0" y="0"/>
+          <a:ext cx="0" cy="0"/>
+          <a:chOff x="0" y="0"/>
+          <a:chExt cx="0" cy="0"/>
+        </a:xfrm>
+      </p:grpSpPr>
+      <p:sp>
+        <p:nvSpPr>
+          <p:cNvPr id="2" name="Title 1"/>
+          <p:cNvSpPr>
+            <a:spLocks noGrp="1"/>
+          </p:cNvSpPr>
+          <p:nvPr>
+            <p:ph type="title"/>
+          </p:nvPr>
+        </p:nvSpPr>
+        <p:spPr/>
+        <p:txBody>
+          <a:bodyPr/>
+          <a:lstStyle/>
+          <a:p>
+            <a:r>
+              <a:rPr lang="ru-RU" smtClean="0"/>
+              <a:t>Интермедия: старое доброе зло</a:t>
+            </a:r>
+            <a:endParaRPr lang="en-US"/>
+          </a:p>
+        </p:txBody>
+      </p:sp>
+      <p:sp>
+        <p:nvSpPr>
+          <p:cNvPr id="3" name="Content Placeholder 2"/>
+          <p:cNvSpPr>
+            <a:spLocks noGrp="1"/>
+          </p:cNvSpPr>
+          <p:nvPr>
+            <p:ph idx="1"/>
+          </p:nvPr>
+        </p:nvSpPr>
+        <p:spPr>
+          <a:xfrm>
+            <a:off x="1143000" y="2057400"/>
+            <a:ext cx="10587681" cy="4038600"/>
+          </a:xfrm>
+        </p:spPr>
+        <p:txBody>
+          <a:bodyPr/>
+          <a:lstStyle/>
+          <a:p>
+            <a:r>
+              <a:rPr lang="ru-RU" smtClean="0"/>
+              <a:t>Как в 1998 году люди писали такие функции</a:t>
+            </a:r>
+            <a:r>
+              <a:rPr lang="en-US" smtClean="0"/>
+              <a:t>?</a:t>
+            </a:r>
+            <a:endParaRPr lang="ru-RU" smtClean="0"/>
+          </a:p>
+          <a:p>
+            <a:pPr marL="45720" indent="0">
+              <a:buNone/>
+            </a:pPr>
+            <a:r>
+              <a:rPr lang="en-US">
+                <a:latin typeface="Consolas" panose="020B0609020204030204" pitchFamily="49" charset="0"/>
+              </a:rPr>
+              <a:t>transform(v.begin(), v.end</a:t>
+            </a:r>
+            <a:r>
+              <a:rPr lang="en-US" smtClean="0">
+                <a:latin typeface="Consolas" panose="020B0609020204030204" pitchFamily="49" charset="0"/>
+              </a:rPr>
+              <a:t>(), v.begin(), </a:t>
+            </a:r>
+            <a:r>
+              <a:rPr lang="en-US">
+                <a:latin typeface="Consolas" panose="020B0609020204030204" pitchFamily="49" charset="0"/>
+              </a:rPr>
+              <a:t>[](int i) { return -i; });</a:t>
+            </a:r>
+          </a:p>
+          <a:p>
+            <a:r>
+              <a:rPr lang="ru-RU" smtClean="0"/>
+              <a:t>Конечно, можно написать отдельную функцию</a:t>
+            </a:r>
+          </a:p>
+          <a:p>
+            <a:pPr marL="45720" indent="0">
+              <a:buNone/>
+            </a:pPr>
+            <a:r>
+              <a:rPr lang="en-US" smtClean="0">
+                <a:latin typeface="Consolas" panose="020B0609020204030204" pitchFamily="49" charset="0"/>
+              </a:rPr>
+              <a:t>int negate1 (int i) { return -i;}</a:t>
+            </a:r>
+          </a:p>
+          <a:p>
+            <a:pPr marL="45720" indent="0">
+              <a:buNone/>
+            </a:pPr>
+            <a:r>
+              <a:rPr lang="en-US" smtClean="0"/>
+              <a:t>..... </a:t>
+            </a:r>
+            <a:r>
+              <a:rPr lang="ru-RU" smtClean="0"/>
+              <a:t>и где-то дальше </a:t>
+            </a:r>
+            <a:r>
+              <a:rPr lang="en-US" smtClean="0"/>
+              <a:t>.....</a:t>
+            </a:r>
+            <a:endParaRPr lang="ru-RU" smtClean="0"/>
+          </a:p>
+          <a:p>
+            <a:pPr marL="45720" indent="0">
+              <a:buNone/>
+            </a:pPr>
+            <a:r>
+              <a:rPr lang="en-US">
+                <a:latin typeface="Consolas" panose="020B0609020204030204" pitchFamily="49" charset="0"/>
+              </a:rPr>
+              <a:t>transform(v.begin(), v.end(), v.begin</a:t>
+            </a:r>
+            <a:r>
+              <a:rPr lang="en-US" smtClean="0">
+                <a:latin typeface="Consolas" panose="020B0609020204030204" pitchFamily="49" charset="0"/>
+              </a:rPr>
+              <a:t>(),</a:t>
+            </a:r>
+            <a:r>
+              <a:rPr lang="ru-RU" smtClean="0">
+                <a:latin typeface="Consolas" panose="020B0609020204030204" pitchFamily="49" charset="0"/>
+              </a:rPr>
+              <a:t> </a:t>
+            </a:r>
+            <a:r>
+              <a:rPr lang="en-US" smtClean="0">
+                <a:latin typeface="Consolas" panose="020B0609020204030204" pitchFamily="49" charset="0"/>
+              </a:rPr>
+              <a:t>negate1);</a:t>
+            </a:r>
+          </a:p>
+          <a:p>
+            <a:pPr marL="45720" indent="0">
+              <a:buNone/>
+            </a:pPr>
+            <a:r>
+              <a:rPr lang="ru-RU" smtClean="0"/>
+              <a:t>Но это как-то очень накладно.</a:t>
+            </a:r>
+          </a:p>
+        </p:txBody>
+      </p:sp>
+    </p:spTree>
+    <p:extLst>
+      <p:ext uri="{BB962C8B-B14F-4D97-AF65-F5344CB8AC3E}">
+        <p14:creationId xmlns:p14="http://schemas.microsoft.com/office/powerpoint/2010/main" val="2696727447"/>
+      </p:ext>
+    </p:extLst>
+  </p:cSld>
+  <p:clrMapOvr>
+    <a:masterClrMapping/>
+  </p:clrMapOvr>
+</p:sld>
+</file>
+
+<file path=ppt/slides/slide23.xml><?xml version="1.0" encoding="utf-8"?>
+<p:sld xmlns:a="http://schemas.openxmlformats.org/drawingml/2006/main" xmlns:r="http://schemas.openxmlformats.org/officeDocument/2006/relationships" xmlns:p="http://schemas.openxmlformats.org/presentationml/2006/main">
+  <p:cSld>
+    <p:spTree>
+      <p:nvGrpSpPr>
+        <p:cNvPr id="1" name=""/>
+        <p:cNvGrpSpPr/>
+        <p:nvPr/>
+      </p:nvGrpSpPr>
+      <p:grpSpPr>
+        <a:xfrm>
+          <a:off x="0" y="0"/>
+          <a:ext cx="0" cy="0"/>
+          <a:chOff x="0" y="0"/>
+          <a:chExt cx="0" cy="0"/>
+        </a:xfrm>
+      </p:grpSpPr>
+      <p:sp>
+        <p:nvSpPr>
+          <p:cNvPr id="2" name="Title 1"/>
+          <p:cNvSpPr>
+            <a:spLocks noGrp="1"/>
+          </p:cNvSpPr>
+          <p:nvPr>
+            <p:ph type="title"/>
+          </p:nvPr>
+        </p:nvSpPr>
+        <p:spPr/>
+        <p:txBody>
+          <a:bodyPr/>
+          <a:lstStyle/>
+          <a:p>
+            <a:r>
+              <a:rPr lang="ru-RU" smtClean="0"/>
+              <a:t>Интермедия: старое доброе зло</a:t>
+            </a:r>
+            <a:endParaRPr lang="en-US"/>
+          </a:p>
+        </p:txBody>
+      </p:sp>
+      <p:sp>
+        <p:nvSpPr>
+          <p:cNvPr id="3" name="Content Placeholder 2"/>
+          <p:cNvSpPr>
+            <a:spLocks noGrp="1"/>
+          </p:cNvSpPr>
+          <p:nvPr>
+            <p:ph idx="1"/>
+          </p:nvPr>
+        </p:nvSpPr>
+        <p:spPr>
+          <a:xfrm>
+            <a:off x="1143000" y="2057400"/>
+            <a:ext cx="10670059" cy="4038600"/>
+          </a:xfrm>
+        </p:spPr>
+        <p:txBody>
+          <a:bodyPr/>
+          <a:lstStyle/>
+          <a:p>
+            <a:r>
+              <a:rPr lang="ru-RU" smtClean="0"/>
+              <a:t>Как в 1998 году люди писали такие функции</a:t>
+            </a:r>
+            <a:r>
+              <a:rPr lang="en-US" smtClean="0"/>
+              <a:t>?</a:t>
+            </a:r>
+            <a:endParaRPr lang="ru-RU" smtClean="0"/>
+          </a:p>
+          <a:p>
+            <a:pPr marL="45720" indent="0">
+              <a:buNone/>
+            </a:pPr>
+            <a:r>
+              <a:rPr lang="en-US">
+                <a:latin typeface="Consolas" panose="020B0609020204030204" pitchFamily="49" charset="0"/>
+              </a:rPr>
+              <a:t>transform(v.begin(), v.end</a:t>
+            </a:r>
+            <a:r>
+              <a:rPr lang="en-US" smtClean="0">
+                <a:latin typeface="Consolas" panose="020B0609020204030204" pitchFamily="49" charset="0"/>
+              </a:rPr>
+              <a:t>(), v.begin(), </a:t>
+            </a:r>
+            <a:r>
+              <a:rPr lang="en-US">
+                <a:latin typeface="Consolas" panose="020B0609020204030204" pitchFamily="49" charset="0"/>
+              </a:rPr>
+              <a:t>[](int i) { return -i; });</a:t>
+            </a:r>
+          </a:p>
+          <a:p>
+            <a:r>
+              <a:rPr lang="ru-RU" smtClean="0"/>
+              <a:t>На самом деле не сильно сложнее</a:t>
+            </a:r>
+          </a:p>
+          <a:p>
+            <a:pPr marL="45720" indent="0">
+              <a:buNone/>
+            </a:pPr>
+            <a:r>
+              <a:rPr lang="en-US" smtClean="0">
+                <a:latin typeface="Consolas" panose="020B0609020204030204" pitchFamily="49" charset="0"/>
+              </a:rPr>
+              <a:t>transform(v.begin</a:t>
+            </a:r>
+            <a:r>
+              <a:rPr lang="en-US">
+                <a:latin typeface="Consolas" panose="020B0609020204030204" pitchFamily="49" charset="0"/>
+              </a:rPr>
+              <a:t>(), v.end(), v.begin</a:t>
+            </a:r>
+            <a:r>
+              <a:rPr lang="en-US" smtClean="0">
+                <a:latin typeface="Consolas" panose="020B0609020204030204" pitchFamily="49" charset="0"/>
+              </a:rPr>
+              <a:t>(),</a:t>
+            </a:r>
+            <a:r>
+              <a:rPr lang="ru-RU" smtClean="0">
+                <a:latin typeface="Consolas" panose="020B0609020204030204" pitchFamily="49" charset="0"/>
+              </a:rPr>
+              <a:t> </a:t>
+            </a:r>
+            <a:r>
+              <a:rPr lang="en-US" smtClean="0">
+                <a:latin typeface="Consolas" panose="020B0609020204030204" pitchFamily="49" charset="0"/>
+              </a:rPr>
+              <a:t>std::negate&lt;int&gt;());</a:t>
+            </a:r>
+          </a:p>
+          <a:p>
+            <a:r>
+              <a:rPr lang="ru-RU" smtClean="0"/>
+              <a:t>Как мог бы быть устроен этот механизм в </a:t>
+            </a:r>
+            <a:r>
+              <a:rPr lang="en-US" smtClean="0"/>
+              <a:t>C++98?</a:t>
+            </a:r>
+          </a:p>
+        </p:txBody>
+      </p:sp>
+    </p:spTree>
+    <p:extLst>
+      <p:ext uri="{BB962C8B-B14F-4D97-AF65-F5344CB8AC3E}">
+        <p14:creationId xmlns:p14="http://schemas.microsoft.com/office/powerpoint/2010/main" val="3743237392"/>
+      </p:ext>
+    </p:extLst>
+  </p:cSld>
+  <p:clrMapOvr>
+    <a:masterClrMapping/>
+  </p:clrMapOvr>
+</p:sld>
+</file>
+
+<file path=ppt/slides/slide24.xml><?xml version="1.0" encoding="utf-8"?>
+<p:sld xmlns:a="http://schemas.openxmlformats.org/drawingml/2006/main" xmlns:r="http://schemas.openxmlformats.org/officeDocument/2006/relationships" xmlns:p="http://schemas.openxmlformats.org/presentationml/2006/main">
+  <p:cSld>
+    <p:spTree>
+      <p:nvGrpSpPr>
+        <p:cNvPr id="1" name=""/>
+        <p:cNvGrpSpPr/>
+        <p:nvPr/>
+      </p:nvGrpSpPr>
+      <p:grpSpPr>
+        <a:xfrm>
+          <a:off x="0" y="0"/>
+          <a:ext cx="0" cy="0"/>
+          <a:chOff x="0" y="0"/>
+          <a:chExt cx="0" cy="0"/>
+        </a:xfrm>
+      </p:grpSpPr>
+      <p:sp>
+        <p:nvSpPr>
+          <p:cNvPr id="2" name="Title 1"/>
+          <p:cNvSpPr>
+            <a:spLocks noGrp="1"/>
+          </p:cNvSpPr>
+          <p:nvPr>
+            <p:ph type="title"/>
+          </p:nvPr>
+        </p:nvSpPr>
+        <p:spPr/>
+        <p:txBody>
+          <a:bodyPr/>
+          <a:lstStyle/>
+          <a:p>
+            <a:r>
+              <a:rPr lang="ru-RU" smtClean="0"/>
+              <a:t>Интермедия: старое доброе зло</a:t>
+            </a:r>
+            <a:endParaRPr lang="en-US"/>
+          </a:p>
+        </p:txBody>
+      </p:sp>
+      <p:sp>
+        <p:nvSpPr>
+          <p:cNvPr id="3" name="Content Placeholder 2"/>
+          <p:cNvSpPr>
+            <a:spLocks noGrp="1"/>
+          </p:cNvSpPr>
+          <p:nvPr>
+            <p:ph idx="1"/>
+          </p:nvPr>
+        </p:nvSpPr>
+        <p:spPr>
+          <a:xfrm>
+            <a:off x="1143000" y="2057400"/>
+            <a:ext cx="10670059" cy="4038600"/>
+          </a:xfrm>
+        </p:spPr>
+        <p:txBody>
+          <a:bodyPr/>
+          <a:lstStyle/>
+          <a:p>
+            <a:r>
+              <a:rPr lang="ru-RU" smtClean="0"/>
+              <a:t>Сначала </a:t>
+            </a:r>
+            <a:r>
+              <a:rPr lang="en-US" smtClean="0"/>
+              <a:t>unary_function</a:t>
+            </a:r>
+            <a:endParaRPr lang="ru-RU" smtClean="0"/>
+          </a:p>
+          <a:p>
+            <a:pPr marL="45720" indent="0">
+              <a:buNone/>
+            </a:pPr>
+            <a:r>
+              <a:rPr lang="en-US">
+                <a:latin typeface="Consolas" panose="020B0609020204030204" pitchFamily="49" charset="0"/>
+              </a:rPr>
+              <a:t>template &lt;class Arg, class Result&gt; struct unary_function {</a:t>
+            </a:r>
+            <a:br>
+              <a:rPr lang="en-US">
+                <a:latin typeface="Consolas" panose="020B0609020204030204" pitchFamily="49" charset="0"/>
+              </a:rPr>
+            </a:br>
+            <a:r>
+              <a:rPr lang="en-US">
+                <a:latin typeface="Consolas" panose="020B0609020204030204" pitchFamily="49" charset="0"/>
+              </a:rPr>
+              <a:t>  typedef Arg argument_type;</a:t>
+            </a:r>
+            <a:br>
+              <a:rPr lang="en-US">
+                <a:latin typeface="Consolas" panose="020B0609020204030204" pitchFamily="49" charset="0"/>
+              </a:rPr>
+            </a:br>
+            <a:r>
+              <a:rPr lang="en-US">
+                <a:latin typeface="Consolas" panose="020B0609020204030204" pitchFamily="49" charset="0"/>
+              </a:rPr>
+              <a:t>  typedef Result result_type;</a:t>
+            </a:r>
+            <a:br>
+              <a:rPr lang="en-US">
+                <a:latin typeface="Consolas" panose="020B0609020204030204" pitchFamily="49" charset="0"/>
+              </a:rPr>
+            </a:br>
+            <a:r>
+              <a:rPr lang="en-US" smtClean="0">
+                <a:latin typeface="Consolas" panose="020B0609020204030204" pitchFamily="49" charset="0"/>
+              </a:rPr>
+              <a:t>};</a:t>
+            </a:r>
+          </a:p>
+          <a:p>
+            <a:r>
+              <a:rPr lang="ru-RU" smtClean="0"/>
+              <a:t>Теперь можно унаследовать </a:t>
+            </a:r>
+            <a:r>
+              <a:rPr lang="en-US" smtClean="0"/>
+              <a:t>negate</a:t>
+            </a:r>
+            <a:endParaRPr lang="en-US">
+              <a:latin typeface="Consolas" panose="020B0609020204030204" pitchFamily="49" charset="0"/>
+            </a:endParaRPr>
+          </a:p>
+          <a:p>
+            <a:pPr marL="45720" indent="0">
+              <a:buNone/>
+            </a:pPr>
+            <a:r>
+              <a:rPr lang="en-US">
+                <a:latin typeface="Consolas" panose="020B0609020204030204" pitchFamily="49" charset="0"/>
+              </a:rPr>
+              <a:t>template &lt;class T&gt; struct negate : unary_function&lt;T,T&gt; {</a:t>
+            </a:r>
+            <a:br>
+              <a:rPr lang="en-US">
+                <a:latin typeface="Consolas" panose="020B0609020204030204" pitchFamily="49" charset="0"/>
+              </a:rPr>
+            </a:br>
+            <a:r>
+              <a:rPr lang="en-US">
+                <a:latin typeface="Consolas" panose="020B0609020204030204" pitchFamily="49" charset="0"/>
+              </a:rPr>
+              <a:t>  T operator()(const T&amp; x) const { return -x; }</a:t>
+            </a:r>
+            <a:br>
+              <a:rPr lang="en-US">
+                <a:latin typeface="Consolas" panose="020B0609020204030204" pitchFamily="49" charset="0"/>
+              </a:rPr>
+            </a:br>
+            <a:r>
+              <a:rPr lang="en-US" smtClean="0">
+                <a:latin typeface="Consolas" panose="020B0609020204030204" pitchFamily="49" charset="0"/>
+              </a:rPr>
+              <a:t>};</a:t>
+            </a:r>
+            <a:endParaRPr lang="en-US">
+              <a:latin typeface="Consolas" panose="020B0609020204030204" pitchFamily="49" charset="0"/>
+            </a:endParaRPr>
+          </a:p>
+        </p:txBody>
+      </p:sp>
+    </p:spTree>
+    <p:extLst>
+      <p:ext uri="{BB962C8B-B14F-4D97-AF65-F5344CB8AC3E}">
+        <p14:creationId xmlns:p14="http://schemas.microsoft.com/office/powerpoint/2010/main" val="3556301183"/>
+      </p:ext>
+    </p:extLst>
+  </p:cSld>
+  <p:clrMapOvr>
+    <a:masterClrMapping/>
+  </p:clrMapOvr>
+</p:sld>
+</file>
+
+<file path=ppt/slides/slide25.xml><?xml version="1.0" encoding="utf-8"?>
+<p:sld xmlns:a="http://schemas.openxmlformats.org/drawingml/2006/main" xmlns:r="http://schemas.openxmlformats.org/officeDocument/2006/relationships" xmlns:p="http://schemas.openxmlformats.org/presentationml/2006/main">
+  <p:cSld>
+    <p:spTree>
+      <p:nvGrpSpPr>
+        <p:cNvPr id="1" name=""/>
+        <p:cNvGrpSpPr/>
+        <p:nvPr/>
+      </p:nvGrpSpPr>
+      <p:grpSpPr>
+        <a:xfrm>
+          <a:off x="0" y="0"/>
+          <a:ext cx="0" cy="0"/>
+          <a:chOff x="0" y="0"/>
+          <a:chExt cx="0" cy="0"/>
+        </a:xfrm>
+      </p:grpSpPr>
+      <p:sp>
+        <p:nvSpPr>
+          <p:cNvPr id="2" name="Title 1"/>
+          <p:cNvSpPr>
+            <a:spLocks noGrp="1"/>
+          </p:cNvSpPr>
+          <p:nvPr>
+            <p:ph type="title"/>
+          </p:nvPr>
+        </p:nvSpPr>
+        <p:spPr/>
+        <p:txBody>
+          <a:bodyPr/>
+          <a:lstStyle/>
+          <a:p>
+            <a:r>
+              <a:rPr lang="ru-RU" smtClean="0"/>
+              <a:t>Интермедия: старое доброе зло</a:t>
+            </a:r>
+            <a:endParaRPr lang="en-US"/>
+          </a:p>
+        </p:txBody>
+      </p:sp>
+      <p:sp>
+        <p:nvSpPr>
+          <p:cNvPr id="3" name="Content Placeholder 2"/>
+          <p:cNvSpPr>
+            <a:spLocks noGrp="1"/>
+          </p:cNvSpPr>
+          <p:nvPr>
+            <p:ph idx="1"/>
+          </p:nvPr>
+        </p:nvSpPr>
+        <p:spPr>
+          <a:xfrm>
+            <a:off x="1143000" y="2057400"/>
+            <a:ext cx="10670059" cy="4351638"/>
+          </a:xfrm>
+        </p:spPr>
+        <p:txBody>
+          <a:bodyPr/>
+          <a:lstStyle/>
+          <a:p>
+            <a:r>
+              <a:rPr lang="ru-RU" smtClean="0"/>
+              <a:t>Сначала </a:t>
+            </a:r>
+            <a:r>
+              <a:rPr lang="en-US" smtClean="0"/>
+              <a:t>unary_function</a:t>
+            </a:r>
+            <a:endParaRPr lang="ru-RU" smtClean="0"/>
+          </a:p>
+          <a:p>
+            <a:pPr marL="45720" indent="0">
+              <a:buNone/>
+            </a:pPr>
+            <a:r>
+              <a:rPr lang="en-US">
+                <a:latin typeface="Consolas" panose="020B0609020204030204" pitchFamily="49" charset="0"/>
+              </a:rPr>
+              <a:t>template &lt;class Arg, class Result&gt; struct unary_function {</a:t>
+            </a:r>
+            <a:br>
+              <a:rPr lang="en-US">
+                <a:latin typeface="Consolas" panose="020B0609020204030204" pitchFamily="49" charset="0"/>
+              </a:rPr>
+            </a:br>
+            <a:r>
+              <a:rPr lang="en-US">
+                <a:latin typeface="Consolas" panose="020B0609020204030204" pitchFamily="49" charset="0"/>
+              </a:rPr>
+              <a:t>  typedef Arg argument_type;</a:t>
+            </a:r>
+            <a:br>
+              <a:rPr lang="en-US">
+                <a:latin typeface="Consolas" panose="020B0609020204030204" pitchFamily="49" charset="0"/>
+              </a:rPr>
+            </a:br>
+            <a:r>
+              <a:rPr lang="en-US">
+                <a:latin typeface="Consolas" panose="020B0609020204030204" pitchFamily="49" charset="0"/>
+              </a:rPr>
+              <a:t>  typedef Result result_type;</a:t>
+            </a:r>
+            <a:br>
+              <a:rPr lang="en-US">
+                <a:latin typeface="Consolas" panose="020B0609020204030204" pitchFamily="49" charset="0"/>
+              </a:rPr>
+            </a:br>
+            <a:r>
+              <a:rPr lang="en-US" smtClean="0">
+                <a:latin typeface="Consolas" panose="020B0609020204030204" pitchFamily="49" charset="0"/>
+              </a:rPr>
+              <a:t>};</a:t>
+            </a:r>
+          </a:p>
+          <a:p>
+            <a:r>
+              <a:rPr lang="ru-RU" smtClean="0"/>
+              <a:t>А можно и </a:t>
+            </a:r>
+            <a:r>
+              <a:rPr lang="en-US" smtClean="0"/>
+              <a:t>unary_negate</a:t>
+            </a:r>
+            <a:endParaRPr lang="en-US">
+              <a:latin typeface="Consolas" panose="020B0609020204030204" pitchFamily="49" charset="0"/>
+            </a:endParaRPr>
+          </a:p>
+          <a:p>
+            <a:pPr marL="45720" indent="0">
+              <a:buNone/>
+            </a:pPr>
+            <a:r>
+              <a:rPr lang="en-US" sz="2000" smtClean="0">
+                <a:latin typeface="Consolas" panose="020B0609020204030204" pitchFamily="49" charset="0"/>
+              </a:rPr>
+              <a:t>template </a:t>
+            </a:r>
+            <a:r>
+              <a:rPr lang="en-US" sz="2000">
+                <a:latin typeface="Consolas" panose="020B0609020204030204" pitchFamily="49" charset="0"/>
+              </a:rPr>
+              <a:t>&lt;class </a:t>
+            </a:r>
+            <a:r>
+              <a:rPr lang="en-US" sz="2000" smtClean="0">
+                <a:latin typeface="Consolas" panose="020B0609020204030204" pitchFamily="49" charset="0"/>
+              </a:rPr>
+              <a:t>Predicate&gt; struct unary_negate : </a:t>
+            </a:r>
+            <a:br>
+              <a:rPr lang="en-US" sz="2000" smtClean="0">
+                <a:latin typeface="Consolas" panose="020B0609020204030204" pitchFamily="49" charset="0"/>
+              </a:rPr>
+            </a:br>
+            <a:r>
+              <a:rPr lang="en-US" sz="2000" smtClean="0">
+                <a:latin typeface="Consolas" panose="020B0609020204030204" pitchFamily="49" charset="0"/>
+              </a:rPr>
+              <a:t>         public </a:t>
+            </a:r>
+            <a:r>
+              <a:rPr lang="en-US" sz="2000">
+                <a:latin typeface="Consolas" panose="020B0609020204030204" pitchFamily="49" charset="0"/>
+              </a:rPr>
+              <a:t>unary_function&lt;typename Predicate::argument_type</a:t>
+            </a:r>
+            <a:r>
+              <a:rPr lang="en-US" sz="2000" smtClean="0">
+                <a:latin typeface="Consolas" panose="020B0609020204030204" pitchFamily="49" charset="0"/>
+              </a:rPr>
+              <a:t>, bool</a:t>
+            </a:r>
+            <a:r>
+              <a:rPr lang="en-US" sz="2000">
+                <a:latin typeface="Consolas" panose="020B0609020204030204" pitchFamily="49" charset="0"/>
+              </a:rPr>
+              <a:t>&gt; </a:t>
+            </a:r>
+            <a:r>
+              <a:rPr lang="en-US" sz="2000" smtClean="0">
+                <a:latin typeface="Consolas" panose="020B0609020204030204" pitchFamily="49" charset="0"/>
+              </a:rPr>
+              <a:t>{</a:t>
+            </a:r>
+            <a:br>
+              <a:rPr lang="en-US" sz="2000" smtClean="0">
+                <a:latin typeface="Consolas" panose="020B0609020204030204" pitchFamily="49" charset="0"/>
+              </a:rPr>
+            </a:br>
+            <a:r>
+              <a:rPr lang="en-US" sz="2000" smtClean="0">
+                <a:latin typeface="Consolas" panose="020B0609020204030204" pitchFamily="49" charset="0"/>
+              </a:rPr>
+              <a:t>  explicit </a:t>
+            </a:r>
+            <a:r>
+              <a:rPr lang="en-US" sz="2000">
+                <a:latin typeface="Consolas" panose="020B0609020204030204" pitchFamily="49" charset="0"/>
+              </a:rPr>
+              <a:t>unary_negate(const Predicate&amp; pred</a:t>
+            </a:r>
+            <a:r>
+              <a:rPr lang="en-US" sz="2000" smtClean="0">
+                <a:latin typeface="Consolas" panose="020B0609020204030204" pitchFamily="49" charset="0"/>
+              </a:rPr>
+              <a:t>);</a:t>
+            </a:r>
+            <a:br>
+              <a:rPr lang="en-US" sz="2000" smtClean="0">
+                <a:latin typeface="Consolas" panose="020B0609020204030204" pitchFamily="49" charset="0"/>
+              </a:rPr>
+            </a:br>
+            <a:r>
+              <a:rPr lang="en-US" sz="2000" smtClean="0">
+                <a:latin typeface="Consolas" panose="020B0609020204030204" pitchFamily="49" charset="0"/>
+              </a:rPr>
+              <a:t>  bool </a:t>
+            </a:r>
+            <a:r>
+              <a:rPr lang="en-US" sz="2000">
+                <a:latin typeface="Consolas" panose="020B0609020204030204" pitchFamily="49" charset="0"/>
+              </a:rPr>
+              <a:t>operator()(const typename Predicate::argument_type&amp; x) </a:t>
+            </a:r>
+            <a:r>
+              <a:rPr lang="en-US" sz="2000" smtClean="0">
+                <a:latin typeface="Consolas" panose="020B0609020204030204" pitchFamily="49" charset="0"/>
+              </a:rPr>
+              <a:t>const {</a:t>
+            </a:r>
+            <a:br>
+              <a:rPr lang="en-US" sz="2000" smtClean="0">
+                <a:latin typeface="Consolas" panose="020B0609020204030204" pitchFamily="49" charset="0"/>
+              </a:rPr>
+            </a:br>
+            <a:r>
+              <a:rPr lang="en-US" sz="2000" smtClean="0">
+                <a:latin typeface="Consolas" panose="020B0609020204030204" pitchFamily="49" charset="0"/>
+              </a:rPr>
+              <a:t>    return !pred(x);</a:t>
+            </a:r>
+            <a:br>
+              <a:rPr lang="en-US" sz="2000" smtClean="0">
+                <a:latin typeface="Consolas" panose="020B0609020204030204" pitchFamily="49" charset="0"/>
+              </a:rPr>
+            </a:br>
+            <a:r>
+              <a:rPr lang="en-US" sz="2000" smtClean="0">
+                <a:latin typeface="Consolas" panose="020B0609020204030204" pitchFamily="49" charset="0"/>
+              </a:rPr>
+              <a:t>  }</a:t>
+            </a:r>
+            <a:br>
+              <a:rPr lang="en-US" sz="2000" smtClean="0">
+                <a:latin typeface="Consolas" panose="020B0609020204030204" pitchFamily="49" charset="0"/>
+              </a:rPr>
+            </a:br>
+            <a:r>
+              <a:rPr lang="en-US" sz="2000" smtClean="0">
+                <a:latin typeface="Consolas" panose="020B0609020204030204" pitchFamily="49" charset="0"/>
+              </a:rPr>
+              <a:t>};</a:t>
+            </a:r>
+            <a:endParaRPr lang="en-US" sz="2000">
+              <a:latin typeface="Consolas" panose="020B0609020204030204" pitchFamily="49" charset="0"/>
+            </a:endParaRPr>
+          </a:p>
+        </p:txBody>
+      </p:sp>
+    </p:spTree>
+    <p:extLst>
+      <p:ext uri="{BB962C8B-B14F-4D97-AF65-F5344CB8AC3E}">
+        <p14:creationId xmlns:p14="http://schemas.microsoft.com/office/powerpoint/2010/main" val="3046733233"/>
+      </p:ext>
+    </p:extLst>
+  </p:cSld>
+  <p:clrMapOvr>
+    <a:masterClrMapping/>
+  </p:clrMapOvr>
+</p:sld>
+</file>
+
+<file path=ppt/slides/slide26.xml><?xml version="1.0" encoding="utf-8"?>
+<p:sld xmlns:a="http://schemas.openxmlformats.org/drawingml/2006/main" xmlns:r="http://schemas.openxmlformats.org/officeDocument/2006/relationships" xmlns:p="http://schemas.openxmlformats.org/presentationml/2006/main">
+  <p:cSld>
+    <p:spTree>
+      <p:nvGrpSpPr>
+        <p:cNvPr id="1" name=""/>
+        <p:cNvGrpSpPr/>
+        <p:nvPr/>
+      </p:nvGrpSpPr>
+      <p:grpSpPr>
+        <a:xfrm>
+          <a:off x="0" y="0"/>
+          <a:ext cx="0" cy="0"/>
+          <a:chOff x="0" y="0"/>
+          <a:chExt cx="0" cy="0"/>
+        </a:xfrm>
+      </p:grpSpPr>
+      <p:sp>
+        <p:nvSpPr>
+          <p:cNvPr id="2" name="Title 1"/>
+          <p:cNvSpPr>
+            <a:spLocks noGrp="1"/>
+          </p:cNvSpPr>
+          <p:nvPr>
+            <p:ph type="title"/>
+          </p:nvPr>
+        </p:nvSpPr>
+        <p:spPr/>
+        <p:txBody>
+          <a:bodyPr/>
+          <a:lstStyle/>
+          <a:p>
+            <a:r>
+              <a:rPr lang="ru-RU" smtClean="0"/>
+              <a:t>Обсуждение</a:t>
+            </a:r>
+            <a:endParaRPr lang="en-US"/>
+          </a:p>
+        </p:txBody>
+      </p:sp>
+      <p:sp>
+        <p:nvSpPr>
+          <p:cNvPr id="3" name="Content Placeholder 2"/>
+          <p:cNvSpPr>
+            <a:spLocks noGrp="1"/>
+          </p:cNvSpPr>
+          <p:nvPr>
+            <p:ph idx="1"/>
+          </p:nvPr>
+        </p:nvSpPr>
+        <p:spPr>
+          <a:xfrm>
+            <a:off x="1143000" y="2057400"/>
+            <a:ext cx="10274643" cy="4351638"/>
+          </a:xfrm>
+        </p:spPr>
+        <p:txBody>
+          <a:bodyPr/>
+          <a:lstStyle/>
+          <a:p>
+            <a:r>
+              <a:rPr lang="ru-RU" smtClean="0"/>
+              <a:t> К сожалению, это оставили и в новом стандарте. В итоге почти всегда есть по два варианта для формирования предикатов</a:t>
+            </a:r>
+          </a:p>
+          <a:p>
+            <a:r>
+              <a:rPr lang="ru-RU" smtClean="0"/>
+              <a:t>Вариант 1. </a:t>
+            </a:r>
+            <a:r>
+              <a:rPr lang="en-US" smtClean="0"/>
+              <a:t>Bind</a:t>
+            </a:r>
+          </a:p>
+          <a:p>
+            <a:pPr marL="45720" indent="0">
+              <a:buNone/>
+            </a:pPr>
+            <a:r>
+              <a:rPr lang="en-US" smtClean="0">
+                <a:latin typeface="Consolas" panose="020B0609020204030204" pitchFamily="49" charset="0"/>
+              </a:rPr>
+              <a:t>auto betweenB = </a:t>
+            </a:r>
+            <a:br>
+              <a:rPr lang="en-US" smtClean="0">
+                <a:latin typeface="Consolas" panose="020B0609020204030204" pitchFamily="49" charset="0"/>
+              </a:rPr>
+            </a:br>
+            <a:r>
+              <a:rPr lang="en-US" smtClean="0">
+                <a:latin typeface="Consolas" panose="020B0609020204030204" pitchFamily="49" charset="0"/>
+              </a:rPr>
+              <a:t>  bind (std::logical_and&lt;&gt;(), </a:t>
+            </a:r>
+            <a:br>
+              <a:rPr lang="en-US" smtClean="0">
+                <a:latin typeface="Consolas" panose="020B0609020204030204" pitchFamily="49" charset="0"/>
+              </a:rPr>
+            </a:br>
+            <a:r>
+              <a:rPr lang="en-US" smtClean="0">
+                <a:latin typeface="Consolas" panose="020B0609020204030204" pitchFamily="49" charset="0"/>
+              </a:rPr>
+              <a:t>        bind (std::less_equal&lt;&gt;(), lowVal, _1), </a:t>
+            </a:r>
+            <a:br>
+              <a:rPr lang="en-US" smtClean="0">
+                <a:latin typeface="Consolas" panose="020B0609020204030204" pitchFamily="49" charset="0"/>
+              </a:rPr>
+            </a:br>
+            <a:r>
+              <a:rPr lang="en-US" smtClean="0">
+                <a:latin typeface="Consolas" panose="020B0609020204030204" pitchFamily="49" charset="0"/>
+              </a:rPr>
+              <a:t>        bind (std::less_equal&lt;&gt;(), _1, highVal));</a:t>
+            </a:r>
+          </a:p>
+          <a:p>
+            <a:r>
+              <a:rPr lang="ru-RU" smtClean="0">
+                <a:solidFill>
+                  <a:srgbClr val="055CE9"/>
+                </a:solidFill>
+              </a:rPr>
+              <a:t>Вариант 2. </a:t>
+            </a:r>
+            <a:r>
+              <a:rPr lang="en-US" smtClean="0">
+                <a:solidFill>
+                  <a:srgbClr val="055CE9"/>
+                </a:solidFill>
+              </a:rPr>
+              <a:t>Lambda</a:t>
+            </a:r>
+            <a:r>
+              <a:rPr lang="ru-RU" smtClean="0">
+                <a:solidFill>
+                  <a:srgbClr val="055CE9"/>
+                </a:solidFill>
+              </a:rPr>
+              <a:t> (предпочтителен)</a:t>
+            </a:r>
+            <a:endParaRPr lang="en-US" smtClean="0">
+              <a:solidFill>
+                <a:srgbClr val="055CE9"/>
+              </a:solidFill>
+            </a:endParaRPr>
+          </a:p>
+          <a:p>
+            <a:pPr marL="45720" indent="0">
+              <a:buNone/>
+            </a:pPr>
+            <a:r>
+              <a:rPr lang="en-US" smtClean="0">
+                <a:latin typeface="Consolas" panose="020B0609020204030204" pitchFamily="49" charset="0"/>
+              </a:rPr>
+              <a:t>auto betweenL = [lowVal, highVal](const auto&amp; val) {</a:t>
+            </a:r>
+            <a:br>
+              <a:rPr lang="en-US" smtClean="0">
+                <a:latin typeface="Consolas" panose="020B0609020204030204" pitchFamily="49" charset="0"/>
+              </a:rPr>
+            </a:br>
+            <a:r>
+              <a:rPr lang="en-US" smtClean="0">
+                <a:latin typeface="Consolas" panose="020B0609020204030204" pitchFamily="49" charset="0"/>
+              </a:rPr>
+              <a:t>  return lowVal &lt;= val &amp;&amp; val &lt;= highVal;</a:t>
+            </a:r>
+            <a:br>
+              <a:rPr lang="en-US" smtClean="0">
+                <a:latin typeface="Consolas" panose="020B0609020204030204" pitchFamily="49" charset="0"/>
+              </a:rPr>
+            </a:br>
+            <a:r>
+              <a:rPr lang="en-US" smtClean="0">
+                <a:latin typeface="Consolas" panose="020B0609020204030204" pitchFamily="49" charset="0"/>
+              </a:rPr>
+              <a:t>}</a:t>
+            </a:r>
+          </a:p>
+        </p:txBody>
+      </p:sp>
+    </p:spTree>
+    <p:extLst>
+      <p:ext uri="{BB962C8B-B14F-4D97-AF65-F5344CB8AC3E}">
+        <p14:creationId xmlns:p14="http://schemas.microsoft.com/office/powerpoint/2010/main" val="3394353525"/>
+      </p:ext>
+    </p:extLst>
+  </p:cSld>
+  <p:clrMapOvr>
+    <a:masterClrMapping/>
+  </p:clrMapOvr>
+</p:sld>
+</file>
+
+<file path=ppt/slides/slide27.xml><?xml version="1.0" encoding="utf-8"?>
+<p:sld xmlns:a="http://schemas.openxmlformats.org/drawingml/2006/main" xmlns:r="http://schemas.openxmlformats.org/officeDocument/2006/relationships" xmlns:p="http://schemas.openxmlformats.org/presentationml/2006/main">
+  <p:cSld>
+    <p:spTree>
+      <p:nvGrpSpPr>
+        <p:cNvPr id="1" name=""/>
+        <p:cNvGrpSpPr/>
+        <p:nvPr/>
+      </p:nvGrpSpPr>
+      <p:grpSpPr>
+        <a:xfrm>
+          <a:off x="0" y="0"/>
+          <a:ext cx="0" cy="0"/>
+          <a:chOff x="0" y="0"/>
+          <a:chExt cx="0" cy="0"/>
+        </a:xfrm>
+      </p:grpSpPr>
+      <p:sp>
+        <p:nvSpPr>
+          <p:cNvPr id="2" name="Title 1"/>
+          <p:cNvSpPr>
+            <a:spLocks noGrp="1"/>
+          </p:cNvSpPr>
+          <p:nvPr>
+            <p:ph type="title"/>
+          </p:nvPr>
+        </p:nvSpPr>
+        <p:spPr/>
+        <p:txBody>
+          <a:bodyPr/>
+          <a:lstStyle/>
+          <a:p>
+            <a:r>
+              <a:rPr lang="ru-RU"/>
+              <a:t>П</a:t>
+            </a:r>
+            <a:r>
+              <a:rPr lang="ru-RU" smtClean="0"/>
+              <a:t>роблема: </a:t>
+            </a:r>
+            <a:r>
+              <a:rPr lang="en-US" smtClean="0"/>
+              <a:t>toupper</a:t>
+            </a:r>
+            <a:endParaRPr lang="en-US"/>
+          </a:p>
+        </p:txBody>
+      </p:sp>
+      <p:sp>
+        <p:nvSpPr>
+          <p:cNvPr id="3" name="Content Placeholder 2"/>
+          <p:cNvSpPr>
+            <a:spLocks noGrp="1"/>
+          </p:cNvSpPr>
+          <p:nvPr>
+            <p:ph idx="1"/>
+          </p:nvPr>
+        </p:nvSpPr>
+        <p:spPr/>
+        <p:txBody>
+          <a:bodyPr/>
+          <a:lstStyle/>
+          <a:p>
+            <a:pPr marL="45720" indent="0">
+              <a:buNone/>
+            </a:pPr>
+            <a:r>
+              <a:rPr lang="en-US" smtClean="0">
+                <a:latin typeface="Consolas" panose="020B0609020204030204" pitchFamily="49" charset="0"/>
+              </a:rPr>
+              <a:t>string </a:t>
+            </a:r>
+            <a:r>
+              <a:rPr lang="en-US">
+                <a:latin typeface="Consolas" panose="020B0609020204030204" pitchFamily="49" charset="0"/>
+              </a:rPr>
+              <a:t>s="hello</a:t>
+            </a:r>
+            <a:r>
+              <a:rPr lang="en-US" smtClean="0">
+                <a:latin typeface="Consolas" panose="020B0609020204030204" pitchFamily="49" charset="0"/>
+              </a:rPr>
+              <a:t>";</a:t>
+            </a:r>
+            <a:endParaRPr lang="ru-RU" smtClean="0">
+              <a:latin typeface="Consolas" panose="020B0609020204030204" pitchFamily="49" charset="0"/>
+            </a:endParaRPr>
+          </a:p>
+          <a:p>
+            <a:pPr marL="45720" indent="0">
+              <a:buNone/>
+            </a:pPr>
+            <a:r>
+              <a:rPr lang="en-US" smtClean="0">
+                <a:latin typeface="Consolas" panose="020B0609020204030204" pitchFamily="49" charset="0"/>
+              </a:rPr>
+              <a:t>transform(s.begin</a:t>
+            </a:r>
+            <a:r>
+              <a:rPr lang="en-US">
+                <a:latin typeface="Consolas" panose="020B0609020204030204" pitchFamily="49" charset="0"/>
+              </a:rPr>
+              <a:t>(), s.end(), s.begin(), std::toupper</a:t>
+            </a:r>
+            <a:r>
+              <a:rPr lang="en-US" smtClean="0">
+                <a:latin typeface="Consolas" panose="020B0609020204030204" pitchFamily="49" charset="0"/>
+              </a:rPr>
+              <a:t>);</a:t>
+            </a:r>
+          </a:p>
+          <a:p>
+            <a:pPr marL="45720" indent="0">
+              <a:buNone/>
+            </a:pPr>
+            <a:r>
+              <a:rPr lang="ru-RU" smtClean="0"/>
+              <a:t>Это не работает, так как у </a:t>
+            </a:r>
+            <a:r>
+              <a:rPr lang="en-US" smtClean="0"/>
+              <a:t>toupper </a:t>
+            </a:r>
+            <a:r>
+              <a:rPr lang="ru-RU" smtClean="0"/>
+              <a:t>две перегрузки</a:t>
+            </a:r>
+            <a:r>
+              <a:rPr lang="en-US" smtClean="0"/>
+              <a:t>: </a:t>
+            </a:r>
+            <a:r>
+              <a:rPr lang="ru-RU" smtClean="0"/>
+              <a:t>для символов и для строк</a:t>
+            </a:r>
+          </a:p>
+          <a:p>
+            <a:pPr marL="502920" indent="-457200">
+              <a:buFont typeface="+mj-lt"/>
+              <a:buAutoNum type="arabicPeriod"/>
+            </a:pPr>
+            <a:r>
+              <a:rPr lang="en-US">
+                <a:latin typeface="Consolas" panose="020B0609020204030204" pitchFamily="49" charset="0"/>
+              </a:rPr>
+              <a:t>charT toupper(charT) </a:t>
+            </a:r>
+            <a:r>
+              <a:rPr lang="en-US" smtClean="0">
+                <a:latin typeface="Consolas" panose="020B0609020204030204" pitchFamily="49" charset="0"/>
+              </a:rPr>
+              <a:t>const;</a:t>
+            </a:r>
+          </a:p>
+          <a:p>
+            <a:pPr marL="502920" indent="-457200">
+              <a:buFont typeface="+mj-lt"/>
+              <a:buAutoNum type="arabicPeriod"/>
+            </a:pPr>
+            <a:r>
+              <a:rPr lang="en-US" smtClean="0">
+                <a:latin typeface="Consolas" panose="020B0609020204030204" pitchFamily="49" charset="0"/>
+              </a:rPr>
+              <a:t>const </a:t>
+            </a:r>
+            <a:r>
+              <a:rPr lang="en-US">
+                <a:latin typeface="Consolas" panose="020B0609020204030204" pitchFamily="49" charset="0"/>
+              </a:rPr>
+              <a:t>charT* toupper(charT* low, const charT* high) const; </a:t>
+            </a:r>
+            <a:endParaRPr lang="ru-RU" smtClean="0"/>
+          </a:p>
+          <a:p>
+            <a:pPr marL="45720" indent="0">
+              <a:buNone/>
+            </a:pPr>
+            <a:r>
+              <a:rPr lang="ru-RU" smtClean="0"/>
+              <a:t>Очевидно, что в записи </a:t>
+            </a:r>
+            <a:r>
+              <a:rPr lang="en-US" smtClean="0"/>
+              <a:t>transform </a:t>
+            </a:r>
+            <a:r>
+              <a:rPr lang="ru-RU" smtClean="0"/>
+              <a:t>имелись в виду символы. Но как это понять компилятору?</a:t>
+            </a:r>
+            <a:endParaRPr lang="en-US"/>
+          </a:p>
+        </p:txBody>
+      </p:sp>
+    </p:spTree>
+    <p:extLst>
+      <p:ext uri="{BB962C8B-B14F-4D97-AF65-F5344CB8AC3E}">
+        <p14:creationId xmlns:p14="http://schemas.microsoft.com/office/powerpoint/2010/main" val="719359225"/>
+      </p:ext>
+    </p:extLst>
+  </p:cSld>
+  <p:clrMapOvr>
+    <a:masterClrMapping/>
+  </p:clrMapOvr>
+</p:sld>
+</file>
+
+<file path=ppt/slides/slide28.xml><?xml version="1.0" encoding="utf-8"?>
+<p:sld xmlns:a="http://schemas.openxmlformats.org/drawingml/2006/main" xmlns:r="http://schemas.openxmlformats.org/officeDocument/2006/relationships" xmlns:p="http://schemas.openxmlformats.org/presentationml/2006/main">
+  <p:cSld>
+    <p:spTree>
+      <p:nvGrpSpPr>
+        <p:cNvPr id="1" name=""/>
+        <p:cNvGrpSpPr/>
+        <p:nvPr/>
+      </p:nvGrpSpPr>
+      <p:grpSpPr>
+        <a:xfrm>
+          <a:off x="0" y="0"/>
+          <a:ext cx="0" cy="0"/>
+          <a:chOff x="0" y="0"/>
+          <a:chExt cx="0" cy="0"/>
+        </a:xfrm>
+      </p:grpSpPr>
+      <p:sp>
+        <p:nvSpPr>
+          <p:cNvPr id="2" name="Title 1"/>
+          <p:cNvSpPr>
+            <a:spLocks noGrp="1"/>
+          </p:cNvSpPr>
+          <p:nvPr>
+            <p:ph type="title"/>
+          </p:nvPr>
+        </p:nvSpPr>
+        <p:spPr/>
+        <p:txBody>
+          <a:bodyPr/>
+          <a:lstStyle/>
+          <a:p>
+            <a:r>
+              <a:rPr lang="ru-RU" smtClean="0"/>
+              <a:t>Решение:</a:t>
+            </a:r>
+            <a:r>
+              <a:rPr lang="en-US" smtClean="0"/>
+              <a:t> </a:t>
+            </a:r>
+            <a:r>
+              <a:rPr lang="ru-RU" smtClean="0"/>
+              <a:t>опять два варианта</a:t>
+            </a:r>
+            <a:endParaRPr lang="en-US"/>
+          </a:p>
+        </p:txBody>
+      </p:sp>
+      <p:sp>
+        <p:nvSpPr>
+          <p:cNvPr id="3" name="Content Placeholder 2"/>
+          <p:cNvSpPr>
+            <a:spLocks noGrp="1"/>
+          </p:cNvSpPr>
+          <p:nvPr>
+            <p:ph idx="1"/>
+          </p:nvPr>
+        </p:nvSpPr>
+        <p:spPr/>
+        <p:txBody>
+          <a:bodyPr/>
+          <a:lstStyle/>
+          <a:p>
+            <a:pPr marL="45720" indent="0">
+              <a:buNone/>
+            </a:pPr>
+            <a:r>
+              <a:rPr lang="en-US" smtClean="0">
+                <a:latin typeface="Consolas" panose="020B0609020204030204" pitchFamily="49" charset="0"/>
+              </a:rPr>
+              <a:t>string </a:t>
+            </a:r>
+            <a:r>
+              <a:rPr lang="en-US">
+                <a:latin typeface="Consolas" panose="020B0609020204030204" pitchFamily="49" charset="0"/>
+              </a:rPr>
+              <a:t>s="hello</a:t>
+            </a:r>
+            <a:r>
+              <a:rPr lang="en-US" smtClean="0">
+                <a:latin typeface="Consolas" panose="020B0609020204030204" pitchFamily="49" charset="0"/>
+              </a:rPr>
+              <a:t>";</a:t>
+            </a:r>
+          </a:p>
+          <a:p>
+            <a:r>
+              <a:rPr lang="ru-RU" smtClean="0"/>
+              <a:t>Сомнительное решение:</a:t>
+            </a:r>
+            <a:r>
+              <a:rPr lang="ru-RU" smtClean="0">
+                <a:latin typeface="Consolas" panose="020B0609020204030204" pitchFamily="49" charset="0"/>
+              </a:rPr>
+              <a:t> </a:t>
+            </a:r>
+            <a:r>
+              <a:rPr lang="en-US" smtClean="0">
+                <a:latin typeface="Consolas" panose="020B0609020204030204" pitchFamily="49" charset="0"/>
+              </a:rPr>
+              <a:t>typecast</a:t>
+            </a:r>
+          </a:p>
+          <a:p>
+            <a:pPr marL="45720" indent="0">
+              <a:buNone/>
+            </a:pPr>
+            <a:r>
+              <a:rPr lang="en-US" smtClean="0">
+                <a:latin typeface="Consolas" panose="020B0609020204030204" pitchFamily="49" charset="0"/>
+              </a:rPr>
+              <a:t>transform(s.begin</a:t>
+            </a:r>
+            <a:r>
+              <a:rPr lang="en-US">
+                <a:latin typeface="Consolas" panose="020B0609020204030204" pitchFamily="49" charset="0"/>
+              </a:rPr>
+              <a:t>(), s.end(), s.begin</a:t>
+            </a:r>
+            <a:r>
+              <a:rPr lang="en-US" smtClean="0">
+                <a:latin typeface="Consolas" panose="020B0609020204030204" pitchFamily="49" charset="0"/>
+              </a:rPr>
+              <a:t>(),</a:t>
+            </a:r>
+            <a:br>
+              <a:rPr lang="en-US" smtClean="0">
+                <a:latin typeface="Consolas" panose="020B0609020204030204" pitchFamily="49" charset="0"/>
+              </a:rPr>
+            </a:br>
+            <a:r>
+              <a:rPr lang="en-US" smtClean="0">
+                <a:latin typeface="Consolas" panose="020B0609020204030204" pitchFamily="49" charset="0"/>
+              </a:rPr>
+              <a:t>          static_cast&lt;int</a:t>
+            </a:r>
+            <a:r>
+              <a:rPr lang="en-US">
+                <a:latin typeface="Consolas" panose="020B0609020204030204" pitchFamily="49" charset="0"/>
+              </a:rPr>
+              <a:t>(*)(int</a:t>
+            </a:r>
+            <a:r>
+              <a:rPr lang="en-US" smtClean="0">
+                <a:latin typeface="Consolas" panose="020B0609020204030204" pitchFamily="49" charset="0"/>
+              </a:rPr>
+              <a:t>)&gt;(std</a:t>
+            </a:r>
+            <a:r>
+              <a:rPr lang="en-US">
+                <a:latin typeface="Consolas" panose="020B0609020204030204" pitchFamily="49" charset="0"/>
+              </a:rPr>
+              <a:t>::</a:t>
+            </a:r>
+            <a:r>
+              <a:rPr lang="en-US" smtClean="0">
+                <a:latin typeface="Consolas" panose="020B0609020204030204" pitchFamily="49" charset="0"/>
+              </a:rPr>
+              <a:t>toupper));</a:t>
+            </a:r>
+          </a:p>
+          <a:p>
+            <a:r>
+              <a:rPr lang="ru-RU" smtClean="0"/>
+              <a:t>Лучшее решение через прокси-лямбду, которая разрешает перегрузку.</a:t>
+            </a:r>
+          </a:p>
+          <a:p>
+            <a:pPr marL="45720" indent="0">
+              <a:buNone/>
+            </a:pPr>
+            <a:r>
+              <a:rPr lang="en-US">
+                <a:latin typeface="Consolas" panose="020B0609020204030204" pitchFamily="49" charset="0"/>
+              </a:rPr>
+              <a:t>transform(s.begin(), s.end(), s.begin(), </a:t>
+            </a:r>
+            <a:r>
+              <a:rPr lang="en-US" smtClean="0">
+                <a:latin typeface="Consolas" panose="020B0609020204030204" pitchFamily="49" charset="0"/>
+              </a:rPr>
+              <a:t/>
+            </a:r>
+            <a:br>
+              <a:rPr lang="en-US" smtClean="0">
+                <a:latin typeface="Consolas" panose="020B0609020204030204" pitchFamily="49" charset="0"/>
+              </a:rPr>
+            </a:br>
+            <a:r>
+              <a:rPr lang="en-US" smtClean="0">
+                <a:latin typeface="Consolas" panose="020B0609020204030204" pitchFamily="49" charset="0"/>
+              </a:rPr>
+              <a:t>          [](auto x){ return std</a:t>
+            </a:r>
+            <a:r>
+              <a:rPr lang="en-US">
+                <a:latin typeface="Consolas" panose="020B0609020204030204" pitchFamily="49" charset="0"/>
+              </a:rPr>
+              <a:t>::</a:t>
+            </a:r>
+            <a:r>
+              <a:rPr lang="en-US" smtClean="0">
+                <a:latin typeface="Consolas" panose="020B0609020204030204" pitchFamily="49" charset="0"/>
+              </a:rPr>
+              <a:t>toupper(x); });</a:t>
+            </a:r>
+            <a:endParaRPr lang="en-US"/>
+          </a:p>
+        </p:txBody>
+      </p:sp>
+    </p:spTree>
+    <p:extLst>
+      <p:ext uri="{BB962C8B-B14F-4D97-AF65-F5344CB8AC3E}">
+        <p14:creationId xmlns:p14="http://schemas.microsoft.com/office/powerpoint/2010/main" val="1860131527"/>
+      </p:ext>
+    </p:extLst>
+  </p:cSld>
+  <p:clrMapOvr>
+    <a:masterClrMapping/>
+  </p:clrMapOvr>
+</p:sld>
+</file>
+
+<file path=ppt/slides/slide29.xml><?xml version="1.0" encoding="utf-8"?>
+<p:sld xmlns:a="http://schemas.openxmlformats.org/drawingml/2006/main" xmlns:r="http://schemas.openxmlformats.org/officeDocument/2006/relationships" xmlns:p="http://schemas.openxmlformats.org/presentationml/2006/main">
+  <p:cSld>
+    <p:spTree>
+      <p:nvGrpSpPr>
+        <p:cNvPr id="1" name=""/>
+        <p:cNvGrpSpPr/>
+        <p:nvPr/>
+      </p:nvGrpSpPr>
+      <p:grpSpPr>
+        <a:xfrm>
+          <a:off x="0" y="0"/>
+          <a:ext cx="0" cy="0"/>
+          <a:chOff x="0" y="0"/>
+          <a:chExt cx="0" cy="0"/>
+        </a:xfrm>
+      </p:grpSpPr>
+      <p:sp>
+        <p:nvSpPr>
+          <p:cNvPr id="2" name="Title 1"/>
+          <p:cNvSpPr>
+            <a:spLocks noGrp="1"/>
+          </p:cNvSpPr>
+          <p:nvPr>
+            <p:ph type="title"/>
+          </p:nvPr>
+        </p:nvSpPr>
+        <p:spPr/>
+        <p:txBody>
+          <a:bodyPr/>
+          <a:lstStyle/>
+          <a:p>
+            <a:r>
+              <a:rPr lang="en-US" smtClean="0"/>
+              <a:t>Transform: </a:t>
+            </a:r>
+            <a:r>
+              <a:rPr lang="ru-RU" smtClean="0"/>
+              <a:t>задача с подвохом</a:t>
+            </a:r>
+            <a:endParaRPr lang="en-US"/>
+          </a:p>
+        </p:txBody>
+      </p:sp>
+      <p:sp>
+        <p:nvSpPr>
+          <p:cNvPr id="3" name="Content Placeholder 2"/>
+          <p:cNvSpPr>
+            <a:spLocks noGrp="1"/>
+          </p:cNvSpPr>
+          <p:nvPr>
+            <p:ph idx="1"/>
+          </p:nvPr>
+        </p:nvSpPr>
+        <p:spPr/>
+        <p:txBody>
+          <a:bodyPr/>
+          <a:lstStyle/>
+          <a:p>
+            <a:pPr marL="45720" indent="0">
+              <a:buNone/>
+            </a:pPr>
+            <a:r>
+              <a:rPr lang="en-US">
+                <a:latin typeface="Consolas" panose="020B0609020204030204" pitchFamily="49" charset="0"/>
+              </a:rPr>
+              <a:t>vector&lt;boost::filesystem::directory_entry&gt; buffer;</a:t>
+            </a:r>
+          </a:p>
+          <a:p>
+            <a:pPr marL="45720" indent="0">
+              <a:buNone/>
+            </a:pPr>
+            <a:r>
+              <a:rPr lang="en-US"/>
+              <a:t>// </a:t>
+            </a:r>
+            <a:r>
+              <a:rPr lang="ru-RU"/>
+              <a:t>..... тут буфер заполняется директориями .....</a:t>
+            </a:r>
+            <a:endParaRPr lang="en-US"/>
+          </a:p>
+          <a:p>
+            <a:pPr marL="45720" indent="0">
+              <a:buNone/>
+            </a:pPr>
+            <a:r>
+              <a:rPr lang="en-US">
+                <a:latin typeface="Consolas" panose="020B0609020204030204" pitchFamily="49" charset="0"/>
+              </a:rPr>
+              <a:t>vector&lt;string&gt; </a:t>
+            </a:r>
+            <a:r>
+              <a:rPr lang="en-US" smtClean="0">
+                <a:latin typeface="Consolas" panose="020B0609020204030204" pitchFamily="49" charset="0"/>
+              </a:rPr>
+              <a:t>result(buffer.size</a:t>
+            </a:r>
+            <a:r>
+              <a:rPr lang="en-US">
+                <a:latin typeface="Consolas" panose="020B0609020204030204" pitchFamily="49" charset="0"/>
+              </a:rPr>
+              <a:t>());</a:t>
+            </a:r>
+            <a:endParaRPr lang="ru-RU">
+              <a:latin typeface="Consolas" panose="020B0609020204030204" pitchFamily="49" charset="0"/>
+            </a:endParaRPr>
+          </a:p>
+          <a:p>
+            <a:pPr marL="45720" indent="0">
+              <a:buNone/>
+            </a:pPr>
+            <a:r>
+              <a:rPr lang="ru-RU"/>
+              <a:t>Задача: написать </a:t>
+            </a:r>
+            <a:r>
+              <a:rPr lang="ru-RU" smtClean="0"/>
+              <a:t>заполнение </a:t>
+            </a:r>
+            <a:r>
+              <a:rPr lang="en-US" smtClean="0"/>
+              <a:t>result</a:t>
+            </a:r>
+            <a:r>
+              <a:rPr lang="ru-RU" smtClean="0"/>
+              <a:t> </a:t>
+            </a:r>
+            <a:r>
+              <a:rPr lang="ru-RU"/>
+              <a:t>именами директорий вида </a:t>
+            </a:r>
+            <a:r>
+              <a:rPr lang="en-US"/>
+              <a:t>de.path().string()</a:t>
+            </a:r>
+            <a:r>
+              <a:rPr lang="ru-RU"/>
+              <a:t> при этом добавить к каждой перенос строки</a:t>
+            </a:r>
+            <a:r>
+              <a:rPr lang="ru-RU" smtClean="0"/>
+              <a:t>.</a:t>
+            </a:r>
+            <a:r>
+              <a:rPr lang="en-US" smtClean="0"/>
+              <a:t> </a:t>
+            </a:r>
+            <a:r>
+              <a:rPr lang="ru-RU" smtClean="0"/>
+              <a:t>После этого очистить </a:t>
+            </a:r>
+            <a:r>
+              <a:rPr lang="en-US" smtClean="0"/>
+              <a:t>buffer.</a:t>
+            </a:r>
+            <a:endParaRPr lang="en-US"/>
+          </a:p>
+        </p:txBody>
+      </p:sp>
+    </p:spTree>
+    <p:extLst>
+      <p:ext uri="{BB962C8B-B14F-4D97-AF65-F5344CB8AC3E}">
+        <p14:creationId xmlns:p14="http://schemas.microsoft.com/office/powerpoint/2010/main" val="3110627559"/>
+      </p:ext>
+    </p:extLst>
+  </p:cSld>
+  <p:clrMapOvr>
+    <a:masterClrMapping/>
+  </p:clrMapOvr>
+</p:sld>
+</file>
+
+<file path=ppt/slides/slide3.xml><?xml version="1.0" encoding="utf-8"?>
+<p:sld xmlns:a="http://schemas.openxmlformats.org/drawingml/2006/main" xmlns:r="http://schemas.openxmlformats.org/officeDocument/2006/relationships" xmlns:p="http://schemas.openxmlformats.org/presentationml/2006/main">
+  <p:cSld>
+    <p:spTree>
+      <p:nvGrpSpPr>
+        <p:cNvPr id="1" name=""/>
+        <p:cNvGrpSpPr/>
+        <p:nvPr/>
+      </p:nvGrpSpPr>
+      <p:grpSpPr>
+        <a:xfrm>
+          <a:off x="0" y="0"/>
+          <a:ext cx="0" cy="0"/>
+          <a:chOff x="0" y="0"/>
+          <a:chExt cx="0" cy="0"/>
+        </a:xfrm>
+      </p:grpSpPr>
+      <p:sp>
+        <p:nvSpPr>
+          <p:cNvPr id="5" name="Title 4"/>
+          <p:cNvSpPr>
+            <a:spLocks noGrp="1"/>
+          </p:cNvSpPr>
+          <p:nvPr>
+            <p:ph type="title"/>
+          </p:nvPr>
+        </p:nvSpPr>
+        <p:spPr/>
+        <p:txBody>
+          <a:bodyPr/>
+          <a:lstStyle/>
+          <a:p>
+            <a:r>
+              <a:rPr lang="ru-RU" smtClean="0"/>
+              <a:t>Абстракция циклов</a:t>
+            </a:r>
+            <a:endParaRPr lang="en-US"/>
+          </a:p>
+        </p:txBody>
+      </p:sp>
+      <p:sp>
+        <p:nvSpPr>
+          <p:cNvPr id="6" name="Content Placeholder 5"/>
+          <p:cNvSpPr>
+            <a:spLocks noGrp="1"/>
+          </p:cNvSpPr>
+          <p:nvPr>
+            <p:ph idx="1"/>
+          </p:nvPr>
+        </p:nvSpPr>
+        <p:spPr/>
+        <p:txBody>
+          <a:bodyPr/>
+          <a:lstStyle/>
+          <a:p>
+            <a:r>
+              <a:rPr lang="ru-RU" smtClean="0"/>
+              <a:t>Задача: применить функцию </a:t>
+            </a:r>
+            <a:r>
+              <a:rPr lang="en-US" smtClean="0"/>
+              <a:t>func </a:t>
+            </a:r>
+            <a:r>
+              <a:rPr lang="ru-RU" smtClean="0"/>
+              <a:t>к каждому элементу контейнера </a:t>
+            </a:r>
+            <a:r>
+              <a:rPr lang="en-US"/>
+              <a:t>c</a:t>
+            </a:r>
+            <a:r>
+              <a:rPr lang="en-US" smtClean="0"/>
+              <a:t>ont?</a:t>
+            </a:r>
+          </a:p>
+          <a:p>
+            <a:pPr marL="45720" indent="0">
+              <a:buNone/>
+            </a:pPr>
+            <a:r>
+              <a:rPr lang="en-US" sz="2000" smtClean="0">
+                <a:latin typeface="Consolas" panose="020B0609020204030204" pitchFamily="49" charset="0"/>
+              </a:rPr>
+              <a:t>template &lt;typename C, typename F&gt; void apply (C cont, F func) {</a:t>
+            </a:r>
+          </a:p>
+          <a:p>
+            <a:pPr marL="45720" indent="0">
+              <a:buNone/>
+            </a:pPr>
+            <a:r>
+              <a:rPr lang="en-US" sz="2000" smtClean="0">
+                <a:latin typeface="Consolas" panose="020B0609020204030204" pitchFamily="49" charset="0"/>
+              </a:rPr>
+              <a:t>  // </a:t>
+            </a:r>
+            <a:r>
+              <a:rPr lang="ru-RU" sz="2000" smtClean="0">
+                <a:latin typeface="Consolas" panose="020B0609020204030204" pitchFamily="49" charset="0"/>
+              </a:rPr>
+              <a:t>здесь что</a:t>
+            </a:r>
+            <a:r>
+              <a:rPr lang="en-US" sz="2000" smtClean="0">
+                <a:latin typeface="Consolas" panose="020B0609020204030204" pitchFamily="49" charset="0"/>
+              </a:rPr>
+              <a:t>?</a:t>
+            </a:r>
+          </a:p>
+          <a:p>
+            <a:pPr marL="45720" indent="0">
+              <a:buNone/>
+            </a:pPr>
+            <a:r>
+              <a:rPr lang="en-US" sz="2000" smtClean="0">
+                <a:latin typeface="Consolas" panose="020B0609020204030204" pitchFamily="49" charset="0"/>
+              </a:rPr>
+              <a:t>}</a:t>
+            </a:r>
+          </a:p>
+        </p:txBody>
+      </p:sp>
+    </p:spTree>
+    <p:extLst>
+      <p:ext uri="{BB962C8B-B14F-4D97-AF65-F5344CB8AC3E}">
+        <p14:creationId xmlns:p14="http://schemas.microsoft.com/office/powerpoint/2010/main" val="698448215"/>
+      </p:ext>
+    </p:extLst>
+  </p:cSld>
+  <p:clrMapOvr>
+    <a:masterClrMapping/>
+  </p:clrMapOvr>
+</p:sld>
+</file>
+
+<file path=ppt/slides/slide30.xml><?xml version="1.0" encoding="utf-8"?>
+<p:sld xmlns:a="http://schemas.openxmlformats.org/drawingml/2006/main" xmlns:r="http://schemas.openxmlformats.org/officeDocument/2006/relationships" xmlns:p="http://schemas.openxmlformats.org/presentationml/2006/main">
+  <p:cSld>
+    <p:spTree>
+      <p:nvGrpSpPr>
+        <p:cNvPr id="1" name=""/>
+        <p:cNvGrpSpPr/>
+        <p:nvPr/>
+      </p:nvGrpSpPr>
+      <p:grpSpPr>
+        <a:xfrm>
+          <a:off x="0" y="0"/>
+          <a:ext cx="0" cy="0"/>
+          <a:chOff x="0" y="0"/>
+          <a:chExt cx="0" cy="0"/>
+        </a:xfrm>
+      </p:grpSpPr>
+      <p:sp>
+        <p:nvSpPr>
+          <p:cNvPr id="2" name="Title 1"/>
+          <p:cNvSpPr>
+            <a:spLocks noGrp="1"/>
+          </p:cNvSpPr>
+          <p:nvPr>
+            <p:ph type="title"/>
+          </p:nvPr>
+        </p:nvSpPr>
+        <p:spPr/>
+        <p:txBody>
+          <a:bodyPr/>
+          <a:lstStyle/>
+          <a:p>
+            <a:r>
+              <a:rPr lang="en-US"/>
+              <a:t>Transform</a:t>
+            </a:r>
+            <a:r>
+              <a:rPr lang="en-US" smtClean="0"/>
+              <a:t>:</a:t>
+            </a:r>
+            <a:r>
+              <a:rPr lang="ru-RU" smtClean="0"/>
+              <a:t> возможное решение</a:t>
+            </a:r>
+            <a:endParaRPr lang="en-US"/>
+          </a:p>
+        </p:txBody>
+      </p:sp>
+      <p:sp>
+        <p:nvSpPr>
+          <p:cNvPr id="3" name="Content Placeholder 2"/>
+          <p:cNvSpPr>
+            <a:spLocks noGrp="1"/>
+          </p:cNvSpPr>
+          <p:nvPr>
+            <p:ph idx="1"/>
+          </p:nvPr>
+        </p:nvSpPr>
+        <p:spPr>
+          <a:xfrm>
+            <a:off x="1143000" y="2057400"/>
+            <a:ext cx="10307595" cy="4038600"/>
+          </a:xfrm>
+        </p:spPr>
+        <p:txBody>
+          <a:bodyPr/>
+          <a:lstStyle/>
+          <a:p>
+            <a:pPr marL="45720" indent="0">
+              <a:buNone/>
+            </a:pPr>
+            <a:r>
+              <a:rPr lang="en-US" smtClean="0">
+                <a:latin typeface="Consolas" panose="020B0609020204030204" pitchFamily="49" charset="0"/>
+              </a:rPr>
+              <a:t>transform</a:t>
+            </a:r>
+            <a:r>
+              <a:rPr lang="ru-RU" smtClean="0">
+                <a:latin typeface="Consolas" panose="020B0609020204030204" pitchFamily="49" charset="0"/>
+              </a:rPr>
+              <a:t> </a:t>
+            </a:r>
+            <a:r>
+              <a:rPr lang="en-US" smtClean="0">
+                <a:latin typeface="Consolas" panose="020B0609020204030204" pitchFamily="49" charset="0"/>
+              </a:rPr>
+              <a:t>(buffer.begin(),</a:t>
+            </a:r>
+            <a:r>
+              <a:rPr lang="ru-RU" smtClean="0">
+                <a:latin typeface="Consolas" panose="020B0609020204030204" pitchFamily="49" charset="0"/>
+              </a:rPr>
+              <a:t> </a:t>
+            </a:r>
+            <a:r>
+              <a:rPr lang="en-US" smtClean="0">
+                <a:latin typeface="Consolas" panose="020B0609020204030204" pitchFamily="49" charset="0"/>
+              </a:rPr>
+              <a:t>buffer.end(),</a:t>
+            </a:r>
+            <a:r>
+              <a:rPr lang="ru-RU" smtClean="0">
+                <a:latin typeface="Consolas" panose="020B0609020204030204" pitchFamily="49" charset="0"/>
+              </a:rPr>
+              <a:t> </a:t>
+            </a:r>
+            <a:r>
+              <a:rPr lang="en-US" smtClean="0">
+                <a:latin typeface="Consolas" panose="020B0609020204030204" pitchFamily="49" charset="0"/>
+              </a:rPr>
+              <a:t>result.begin</a:t>
+            </a:r>
+            <a:r>
+              <a:rPr lang="en-US">
+                <a:latin typeface="Consolas" panose="020B0609020204030204" pitchFamily="49" charset="0"/>
+              </a:rPr>
+              <a:t>(), </a:t>
+            </a:r>
+            <a:endParaRPr lang="en-US" smtClean="0">
+              <a:latin typeface="Consolas" panose="020B0609020204030204" pitchFamily="49" charset="0"/>
+            </a:endParaRPr>
+          </a:p>
+          <a:p>
+            <a:pPr marL="45720" indent="0">
+              <a:buNone/>
+            </a:pPr>
+            <a:r>
+              <a:rPr lang="ru-RU" smtClean="0">
+                <a:latin typeface="Consolas" panose="020B0609020204030204" pitchFamily="49" charset="0"/>
+              </a:rPr>
+              <a:t>           </a:t>
+            </a:r>
+            <a:r>
+              <a:rPr lang="en-US" smtClean="0">
+                <a:latin typeface="Consolas" panose="020B0609020204030204" pitchFamily="49" charset="0"/>
+              </a:rPr>
+              <a:t>[](</a:t>
+            </a:r>
+            <a:r>
+              <a:rPr lang="en-US">
+                <a:latin typeface="Consolas" panose="020B0609020204030204" pitchFamily="49" charset="0"/>
+              </a:rPr>
+              <a:t>boost::filesystem::directory_entry de</a:t>
+            </a:r>
+            <a:r>
+              <a:rPr lang="en-US" smtClean="0">
+                <a:latin typeface="Consolas" panose="020B0609020204030204" pitchFamily="49" charset="0"/>
+              </a:rPr>
+              <a:t>)</a:t>
+            </a:r>
+            <a:r>
+              <a:rPr lang="ru-RU" smtClean="0">
+                <a:latin typeface="Consolas" panose="020B0609020204030204" pitchFamily="49" charset="0"/>
+              </a:rPr>
+              <a:t> </a:t>
+            </a:r>
+            <a:r>
+              <a:rPr lang="en-US" smtClean="0">
+                <a:latin typeface="Consolas" panose="020B0609020204030204" pitchFamily="49" charset="0"/>
+              </a:rPr>
+              <a:t>{</a:t>
+            </a:r>
+            <a:r>
+              <a:rPr lang="ru-RU" smtClean="0">
+                <a:latin typeface="Consolas" panose="020B0609020204030204" pitchFamily="49" charset="0"/>
+              </a:rPr>
+              <a:t/>
+            </a:r>
+            <a:br>
+              <a:rPr lang="ru-RU" smtClean="0">
+                <a:latin typeface="Consolas" panose="020B0609020204030204" pitchFamily="49" charset="0"/>
+              </a:rPr>
+            </a:br>
+            <a:r>
+              <a:rPr lang="ru-RU" smtClean="0">
+                <a:latin typeface="Consolas" panose="020B0609020204030204" pitchFamily="49" charset="0"/>
+              </a:rPr>
+              <a:t>      </a:t>
+            </a:r>
+            <a:r>
+              <a:rPr lang="en-US" smtClean="0">
+                <a:latin typeface="Consolas" panose="020B0609020204030204" pitchFamily="49" charset="0"/>
+              </a:rPr>
+              <a:t>       string </a:t>
+            </a:r>
+            <a:r>
+              <a:rPr lang="en-US">
+                <a:latin typeface="Consolas" panose="020B0609020204030204" pitchFamily="49" charset="0"/>
+              </a:rPr>
+              <a:t>temp=de.path().string</a:t>
+            </a:r>
+            <a:r>
+              <a:rPr lang="en-US" smtClean="0">
+                <a:latin typeface="Consolas" panose="020B0609020204030204" pitchFamily="49" charset="0"/>
+              </a:rPr>
+              <a:t>();</a:t>
+            </a:r>
+            <a:r>
+              <a:rPr lang="ru-RU" smtClean="0">
+                <a:latin typeface="Consolas" panose="020B0609020204030204" pitchFamily="49" charset="0"/>
+              </a:rPr>
+              <a:t/>
+            </a:r>
+            <a:br>
+              <a:rPr lang="ru-RU" smtClean="0">
+                <a:latin typeface="Consolas" panose="020B0609020204030204" pitchFamily="49" charset="0"/>
+              </a:rPr>
+            </a:br>
+            <a:r>
+              <a:rPr lang="ru-RU" smtClean="0">
+                <a:latin typeface="Consolas" panose="020B0609020204030204" pitchFamily="49" charset="0"/>
+              </a:rPr>
+              <a:t>             </a:t>
+            </a:r>
+            <a:r>
+              <a:rPr lang="en-US" smtClean="0">
+                <a:latin typeface="Consolas" panose="020B0609020204030204" pitchFamily="49" charset="0"/>
+              </a:rPr>
+              <a:t>temp</a:t>
+            </a:r>
+            <a:r>
+              <a:rPr lang="ru-RU" smtClean="0">
+                <a:latin typeface="Consolas" panose="020B0609020204030204" pitchFamily="49" charset="0"/>
+              </a:rPr>
+              <a:t> </a:t>
+            </a:r>
+            <a:r>
+              <a:rPr lang="en-US" smtClean="0">
+                <a:latin typeface="Consolas" panose="020B0609020204030204" pitchFamily="49" charset="0"/>
+              </a:rPr>
+              <a:t>+=</a:t>
+            </a:r>
+            <a:r>
+              <a:rPr lang="ru-RU" smtClean="0">
+                <a:latin typeface="Consolas" panose="020B0609020204030204" pitchFamily="49" charset="0"/>
+              </a:rPr>
+              <a:t> </a:t>
+            </a:r>
+            <a:r>
+              <a:rPr lang="en-US" smtClean="0">
+                <a:latin typeface="Consolas" panose="020B0609020204030204" pitchFamily="49" charset="0"/>
+              </a:rPr>
+              <a:t>"\</a:t>
+            </a:r>
+            <a:r>
+              <a:rPr lang="en-US">
+                <a:latin typeface="Consolas" panose="020B0609020204030204" pitchFamily="49" charset="0"/>
+              </a:rPr>
+              <a:t>n</a:t>
+            </a:r>
+            <a:r>
+              <a:rPr lang="en-US" smtClean="0">
+                <a:latin typeface="Consolas" panose="020B0609020204030204" pitchFamily="49" charset="0"/>
+              </a:rPr>
+              <a:t>";</a:t>
+            </a:r>
+            <a:r>
+              <a:rPr lang="ru-RU" smtClean="0">
+                <a:latin typeface="Consolas" panose="020B0609020204030204" pitchFamily="49" charset="0"/>
+              </a:rPr>
+              <a:t/>
+            </a:r>
+            <a:br>
+              <a:rPr lang="ru-RU" smtClean="0">
+                <a:latin typeface="Consolas" panose="020B0609020204030204" pitchFamily="49" charset="0"/>
+              </a:rPr>
+            </a:br>
+            <a:r>
+              <a:rPr lang="ru-RU" smtClean="0">
+                <a:latin typeface="Consolas" panose="020B0609020204030204" pitchFamily="49" charset="0"/>
+              </a:rPr>
+              <a:t>             </a:t>
+            </a:r>
+            <a:r>
+              <a:rPr lang="en-US" smtClean="0">
+                <a:latin typeface="Consolas" panose="020B0609020204030204" pitchFamily="49" charset="0"/>
+              </a:rPr>
+              <a:t>return </a:t>
+            </a:r>
+            <a:r>
+              <a:rPr lang="en-US">
+                <a:latin typeface="Consolas" panose="020B0609020204030204" pitchFamily="49" charset="0"/>
+              </a:rPr>
+              <a:t>temp</a:t>
+            </a:r>
+            <a:r>
+              <a:rPr lang="en-US" smtClean="0">
+                <a:latin typeface="Consolas" panose="020B0609020204030204" pitchFamily="49" charset="0"/>
+              </a:rPr>
+              <a:t>;</a:t>
+            </a:r>
+            <a:r>
+              <a:rPr lang="ru-RU" smtClean="0">
+                <a:latin typeface="Consolas" panose="020B0609020204030204" pitchFamily="49" charset="0"/>
+              </a:rPr>
+              <a:t/>
+            </a:r>
+            <a:br>
+              <a:rPr lang="ru-RU" smtClean="0">
+                <a:latin typeface="Consolas" panose="020B0609020204030204" pitchFamily="49" charset="0"/>
+              </a:rPr>
+            </a:br>
+            <a:r>
+              <a:rPr lang="ru-RU" smtClean="0">
+                <a:latin typeface="Consolas" panose="020B0609020204030204" pitchFamily="49" charset="0"/>
+              </a:rPr>
+              <a:t>       </a:t>
+            </a:r>
+            <a:r>
+              <a:rPr lang="en-US" smtClean="0">
+                <a:latin typeface="Consolas" panose="020B0609020204030204" pitchFamily="49" charset="0"/>
+              </a:rPr>
+              <a:t>    }</a:t>
+            </a:r>
+            <a:r>
+              <a:rPr lang="ru-RU" smtClean="0">
+                <a:latin typeface="Consolas" panose="020B0609020204030204" pitchFamily="49" charset="0"/>
+              </a:rPr>
+              <a:t>)</a:t>
+            </a:r>
+            <a:r>
+              <a:rPr lang="en-US" smtClean="0">
+                <a:latin typeface="Consolas" panose="020B0609020204030204" pitchFamily="49" charset="0"/>
+              </a:rPr>
+              <a:t>;</a:t>
+            </a:r>
+          </a:p>
+          <a:p>
+            <a:pPr marL="45720" indent="0">
+              <a:buNone/>
+            </a:pPr>
+            <a:r>
+              <a:rPr lang="en-US" smtClean="0">
+                <a:latin typeface="Consolas" panose="020B0609020204030204" pitchFamily="49" charset="0"/>
+              </a:rPr>
+              <a:t>buffer.clear();</a:t>
+            </a:r>
+            <a:endParaRPr lang="ru-RU" smtClean="0">
+              <a:latin typeface="Consolas" panose="020B0609020204030204" pitchFamily="49" charset="0"/>
+            </a:endParaRPr>
+          </a:p>
+          <a:p>
+            <a:r>
+              <a:rPr lang="ru-RU" smtClean="0"/>
+              <a:t>Покритикуйте это решение</a:t>
+            </a:r>
+            <a:endParaRPr lang="en-US"/>
+          </a:p>
+        </p:txBody>
+      </p:sp>
+    </p:spTree>
+    <p:extLst>
+      <p:ext uri="{BB962C8B-B14F-4D97-AF65-F5344CB8AC3E}">
+        <p14:creationId xmlns:p14="http://schemas.microsoft.com/office/powerpoint/2010/main" val="1385125877"/>
+      </p:ext>
+    </p:extLst>
+  </p:cSld>
+  <p:clrMapOvr>
+    <a:masterClrMapping/>
+  </p:clrMapOvr>
+</p:sld>
+</file>
+
+<file path=ppt/slides/slide31.xml><?xml version="1.0" encoding="utf-8"?>
+<p:sld xmlns:a="http://schemas.openxmlformats.org/drawingml/2006/main" xmlns:r="http://schemas.openxmlformats.org/officeDocument/2006/relationships" xmlns:p="http://schemas.openxmlformats.org/presentationml/2006/main">
+  <p:cSld>
+    <p:spTree>
+      <p:nvGrpSpPr>
+        <p:cNvPr id="1" name=""/>
+        <p:cNvGrpSpPr/>
+        <p:nvPr/>
+      </p:nvGrpSpPr>
+      <p:grpSpPr>
+        <a:xfrm>
+          <a:off x="0" y="0"/>
+          <a:ext cx="0" cy="0"/>
+          <a:chOff x="0" y="0"/>
+          <a:chExt cx="0" cy="0"/>
+        </a:xfrm>
+      </p:grpSpPr>
+      <p:sp>
+        <p:nvSpPr>
+          <p:cNvPr id="2" name="Title 1"/>
+          <p:cNvSpPr>
+            <a:spLocks noGrp="1"/>
+          </p:cNvSpPr>
+          <p:nvPr>
+            <p:ph type="title"/>
+          </p:nvPr>
+        </p:nvSpPr>
+        <p:spPr/>
+        <p:txBody>
+          <a:bodyPr/>
+          <a:lstStyle/>
+          <a:p>
+            <a:r>
+              <a:rPr lang="en-US" smtClean="0"/>
+              <a:t>Transform: move </a:t>
+            </a:r>
+            <a:r>
+              <a:rPr lang="ru-RU" smtClean="0"/>
+              <a:t>семантика</a:t>
+            </a:r>
+            <a:endParaRPr lang="en-US"/>
+          </a:p>
+        </p:txBody>
+      </p:sp>
+      <p:sp>
+        <p:nvSpPr>
+          <p:cNvPr id="3" name="Content Placeholder 2"/>
+          <p:cNvSpPr>
+            <a:spLocks noGrp="1"/>
+          </p:cNvSpPr>
+          <p:nvPr>
+            <p:ph idx="1"/>
+          </p:nvPr>
+        </p:nvSpPr>
+        <p:spPr>
+          <a:xfrm>
+            <a:off x="1143000" y="2057400"/>
+            <a:ext cx="10307595" cy="4038600"/>
+          </a:xfrm>
+        </p:spPr>
+        <p:txBody>
+          <a:bodyPr/>
+          <a:lstStyle/>
+          <a:p>
+            <a:r>
+              <a:rPr lang="ru-RU" smtClean="0"/>
+              <a:t>Очевидная проблема: лишние копирования </a:t>
+            </a:r>
+            <a:r>
+              <a:rPr lang="en-US" smtClean="0"/>
+              <a:t>directory_entry</a:t>
+            </a:r>
+            <a:r>
+              <a:rPr lang="ru-RU" smtClean="0"/>
+              <a:t>.</a:t>
+            </a:r>
+          </a:p>
+          <a:p>
+            <a:r>
+              <a:rPr lang="ru-RU" smtClean="0"/>
+              <a:t>Решение: </a:t>
+            </a:r>
+            <a:r>
+              <a:rPr lang="en-US" smtClean="0"/>
+              <a:t>move </a:t>
+            </a:r>
+            <a:r>
+              <a:rPr lang="ru-RU" smtClean="0"/>
+              <a:t>семантика</a:t>
+            </a:r>
+          </a:p>
+          <a:p>
+            <a:pPr marL="45720" indent="0">
+              <a:buNone/>
+            </a:pPr>
+            <a:r>
+              <a:rPr lang="en-US" smtClean="0">
+                <a:latin typeface="Consolas" panose="020B0609020204030204" pitchFamily="49" charset="0"/>
+              </a:rPr>
+              <a:t>transform</a:t>
+            </a:r>
+            <a:r>
+              <a:rPr lang="ru-RU" smtClean="0">
+                <a:latin typeface="Consolas" panose="020B0609020204030204" pitchFamily="49" charset="0"/>
+              </a:rPr>
+              <a:t> </a:t>
+            </a:r>
+            <a:r>
+              <a:rPr lang="en-US">
+                <a:latin typeface="Consolas" panose="020B0609020204030204" pitchFamily="49" charset="0"/>
+              </a:rPr>
+              <a:t>(make_move_iterator(buffer.begin</a:t>
+            </a:r>
+            <a:r>
+              <a:rPr lang="en-US" smtClean="0">
+                <a:latin typeface="Consolas" panose="020B0609020204030204" pitchFamily="49" charset="0"/>
+              </a:rPr>
+              <a:t>()</a:t>
+            </a:r>
+            <a:r>
+              <a:rPr lang="ru-RU" smtClean="0">
+                <a:latin typeface="Consolas" panose="020B0609020204030204" pitchFamily="49" charset="0"/>
+              </a:rPr>
+              <a:t>)</a:t>
+            </a:r>
+            <a:r>
+              <a:rPr lang="en-US" smtClean="0">
+                <a:latin typeface="Consolas" panose="020B0609020204030204" pitchFamily="49" charset="0"/>
+              </a:rPr>
+              <a:t>,</a:t>
+            </a:r>
+            <a:r>
+              <a:rPr lang="ru-RU" smtClean="0">
+                <a:latin typeface="Consolas" panose="020B0609020204030204" pitchFamily="49" charset="0"/>
+              </a:rPr>
+              <a:t> </a:t>
+            </a:r>
+            <a:br>
+              <a:rPr lang="ru-RU" smtClean="0">
+                <a:latin typeface="Consolas" panose="020B0609020204030204" pitchFamily="49" charset="0"/>
+              </a:rPr>
+            </a:br>
+            <a:r>
+              <a:rPr lang="ru-RU" smtClean="0">
+                <a:latin typeface="Consolas" panose="020B0609020204030204" pitchFamily="49" charset="0"/>
+              </a:rPr>
+              <a:t>           </a:t>
+            </a:r>
+            <a:r>
+              <a:rPr lang="en-US" smtClean="0">
+                <a:latin typeface="Consolas" panose="020B0609020204030204" pitchFamily="49" charset="0"/>
+              </a:rPr>
+              <a:t>make_move_iterator(buffer.end()</a:t>
+            </a:r>
+            <a:r>
+              <a:rPr lang="ru-RU" smtClean="0">
+                <a:latin typeface="Consolas" panose="020B0609020204030204" pitchFamily="49" charset="0"/>
+              </a:rPr>
+              <a:t>)</a:t>
+            </a:r>
+            <a:r>
+              <a:rPr lang="en-US" smtClean="0">
+                <a:latin typeface="Consolas" panose="020B0609020204030204" pitchFamily="49" charset="0"/>
+              </a:rPr>
+              <a:t>,</a:t>
+            </a:r>
+            <a:r>
+              <a:rPr lang="ru-RU">
+                <a:latin typeface="Consolas" panose="020B0609020204030204" pitchFamily="49" charset="0"/>
+              </a:rPr>
+              <a:t/>
+            </a:r>
+            <a:br>
+              <a:rPr lang="ru-RU">
+                <a:latin typeface="Consolas" panose="020B0609020204030204" pitchFamily="49" charset="0"/>
+              </a:rPr>
+            </a:br>
+            <a:r>
+              <a:rPr lang="ru-RU" smtClean="0">
+                <a:latin typeface="Consolas" panose="020B0609020204030204" pitchFamily="49" charset="0"/>
+              </a:rPr>
+              <a:t>           </a:t>
+            </a:r>
+            <a:r>
+              <a:rPr lang="en-US" smtClean="0">
+                <a:latin typeface="Consolas" panose="020B0609020204030204" pitchFamily="49" charset="0"/>
+              </a:rPr>
+              <a:t>result.begin</a:t>
+            </a:r>
+            <a:r>
+              <a:rPr lang="en-US">
+                <a:latin typeface="Consolas" panose="020B0609020204030204" pitchFamily="49" charset="0"/>
+              </a:rPr>
+              <a:t>(), </a:t>
+            </a:r>
+            <a:endParaRPr lang="en-US" smtClean="0">
+              <a:latin typeface="Consolas" panose="020B0609020204030204" pitchFamily="49" charset="0"/>
+            </a:endParaRPr>
+          </a:p>
+          <a:p>
+            <a:pPr marL="45720" indent="0">
+              <a:buNone/>
+            </a:pPr>
+            <a:r>
+              <a:rPr lang="ru-RU" smtClean="0">
+                <a:latin typeface="Consolas" panose="020B0609020204030204" pitchFamily="49" charset="0"/>
+              </a:rPr>
+              <a:t>           </a:t>
+            </a:r>
+            <a:r>
+              <a:rPr lang="en-US" smtClean="0">
+                <a:latin typeface="Consolas" panose="020B0609020204030204" pitchFamily="49" charset="0"/>
+              </a:rPr>
+              <a:t>[](</a:t>
+            </a:r>
+            <a:r>
+              <a:rPr lang="en-US">
+                <a:latin typeface="Consolas" panose="020B0609020204030204" pitchFamily="49" charset="0"/>
+              </a:rPr>
+              <a:t>boost::filesystem::directory_entry </a:t>
+            </a:r>
+            <a:r>
+              <a:rPr lang="en-US" smtClean="0">
+                <a:latin typeface="Consolas" panose="020B0609020204030204" pitchFamily="49" charset="0"/>
+              </a:rPr>
+              <a:t>&amp;&amp;de)</a:t>
+            </a:r>
+            <a:r>
+              <a:rPr lang="ru-RU" smtClean="0">
+                <a:latin typeface="Consolas" panose="020B0609020204030204" pitchFamily="49" charset="0"/>
+              </a:rPr>
+              <a:t> </a:t>
+            </a:r>
+            <a:r>
+              <a:rPr lang="en-US" smtClean="0">
+                <a:latin typeface="Consolas" panose="020B0609020204030204" pitchFamily="49" charset="0"/>
+              </a:rPr>
+              <a:t>{</a:t>
+            </a:r>
+            <a:r>
+              <a:rPr lang="ru-RU" smtClean="0">
+                <a:latin typeface="Consolas" panose="020B0609020204030204" pitchFamily="49" charset="0"/>
+              </a:rPr>
+              <a:t/>
+            </a:r>
+            <a:br>
+              <a:rPr lang="ru-RU" smtClean="0">
+                <a:latin typeface="Consolas" panose="020B0609020204030204" pitchFamily="49" charset="0"/>
+              </a:rPr>
+            </a:br>
+            <a:r>
+              <a:rPr lang="ru-RU" smtClean="0">
+                <a:latin typeface="Consolas" panose="020B0609020204030204" pitchFamily="49" charset="0"/>
+              </a:rPr>
+              <a:t>      </a:t>
+            </a:r>
+            <a:r>
+              <a:rPr lang="en-US" smtClean="0">
+                <a:latin typeface="Consolas" panose="020B0609020204030204" pitchFamily="49" charset="0"/>
+              </a:rPr>
+              <a:t>       string </a:t>
+            </a:r>
+            <a:r>
+              <a:rPr lang="en-US">
+                <a:latin typeface="Consolas" panose="020B0609020204030204" pitchFamily="49" charset="0"/>
+              </a:rPr>
+              <a:t>temp=de.path().string</a:t>
+            </a:r>
+            <a:r>
+              <a:rPr lang="en-US" smtClean="0">
+                <a:latin typeface="Consolas" panose="020B0609020204030204" pitchFamily="49" charset="0"/>
+              </a:rPr>
+              <a:t>();</a:t>
+            </a:r>
+            <a:r>
+              <a:rPr lang="ru-RU" smtClean="0">
+                <a:latin typeface="Consolas" panose="020B0609020204030204" pitchFamily="49" charset="0"/>
+              </a:rPr>
+              <a:t/>
+            </a:r>
+            <a:br>
+              <a:rPr lang="ru-RU" smtClean="0">
+                <a:latin typeface="Consolas" panose="020B0609020204030204" pitchFamily="49" charset="0"/>
+              </a:rPr>
+            </a:br>
+            <a:r>
+              <a:rPr lang="ru-RU" smtClean="0">
+                <a:latin typeface="Consolas" panose="020B0609020204030204" pitchFamily="49" charset="0"/>
+              </a:rPr>
+              <a:t>             </a:t>
+            </a:r>
+            <a:r>
+              <a:rPr lang="en-US" smtClean="0">
+                <a:latin typeface="Consolas" panose="020B0609020204030204" pitchFamily="49" charset="0"/>
+              </a:rPr>
+              <a:t>temp</a:t>
+            </a:r>
+            <a:r>
+              <a:rPr lang="ru-RU" smtClean="0">
+                <a:latin typeface="Consolas" panose="020B0609020204030204" pitchFamily="49" charset="0"/>
+              </a:rPr>
+              <a:t> </a:t>
+            </a:r>
+            <a:r>
+              <a:rPr lang="en-US" smtClean="0">
+                <a:latin typeface="Consolas" panose="020B0609020204030204" pitchFamily="49" charset="0"/>
+              </a:rPr>
+              <a:t>+=</a:t>
+            </a:r>
+            <a:r>
+              <a:rPr lang="ru-RU" smtClean="0">
+                <a:latin typeface="Consolas" panose="020B0609020204030204" pitchFamily="49" charset="0"/>
+              </a:rPr>
+              <a:t> </a:t>
+            </a:r>
+            <a:r>
+              <a:rPr lang="en-US" smtClean="0">
+                <a:latin typeface="Consolas" panose="020B0609020204030204" pitchFamily="49" charset="0"/>
+              </a:rPr>
+              <a:t>"\</a:t>
+            </a:r>
+            <a:r>
+              <a:rPr lang="en-US">
+                <a:latin typeface="Consolas" panose="020B0609020204030204" pitchFamily="49" charset="0"/>
+              </a:rPr>
+              <a:t>n</a:t>
+            </a:r>
+            <a:r>
+              <a:rPr lang="en-US" smtClean="0">
+                <a:latin typeface="Consolas" panose="020B0609020204030204" pitchFamily="49" charset="0"/>
+              </a:rPr>
+              <a:t>";</a:t>
+            </a:r>
+            <a:r>
+              <a:rPr lang="ru-RU" smtClean="0">
+                <a:latin typeface="Consolas" panose="020B0609020204030204" pitchFamily="49" charset="0"/>
+              </a:rPr>
+              <a:t/>
+            </a:r>
+            <a:br>
+              <a:rPr lang="ru-RU" smtClean="0">
+                <a:latin typeface="Consolas" panose="020B0609020204030204" pitchFamily="49" charset="0"/>
+              </a:rPr>
+            </a:br>
+            <a:r>
+              <a:rPr lang="ru-RU" smtClean="0">
+                <a:latin typeface="Consolas" panose="020B0609020204030204" pitchFamily="49" charset="0"/>
+              </a:rPr>
+              <a:t>             </a:t>
+            </a:r>
+            <a:r>
+              <a:rPr lang="en-US" smtClean="0">
+                <a:latin typeface="Consolas" panose="020B0609020204030204" pitchFamily="49" charset="0"/>
+              </a:rPr>
+              <a:t>return </a:t>
+            </a:r>
+            <a:r>
+              <a:rPr lang="en-US">
+                <a:latin typeface="Consolas" panose="020B0609020204030204" pitchFamily="49" charset="0"/>
+              </a:rPr>
+              <a:t>temp</a:t>
+            </a:r>
+            <a:r>
+              <a:rPr lang="en-US" smtClean="0">
+                <a:latin typeface="Consolas" panose="020B0609020204030204" pitchFamily="49" charset="0"/>
+              </a:rPr>
+              <a:t>;</a:t>
+            </a:r>
+            <a:r>
+              <a:rPr lang="ru-RU" smtClean="0">
+                <a:latin typeface="Consolas" panose="020B0609020204030204" pitchFamily="49" charset="0"/>
+              </a:rPr>
+              <a:t/>
+            </a:r>
+            <a:br>
+              <a:rPr lang="ru-RU" smtClean="0">
+                <a:latin typeface="Consolas" panose="020B0609020204030204" pitchFamily="49" charset="0"/>
+              </a:rPr>
+            </a:br>
+            <a:r>
+              <a:rPr lang="ru-RU" smtClean="0">
+                <a:latin typeface="Consolas" panose="020B0609020204030204" pitchFamily="49" charset="0"/>
+              </a:rPr>
+              <a:t>       </a:t>
+            </a:r>
+            <a:r>
+              <a:rPr lang="en-US" smtClean="0">
+                <a:latin typeface="Consolas" panose="020B0609020204030204" pitchFamily="49" charset="0"/>
+              </a:rPr>
+              <a:t>    }</a:t>
+            </a:r>
+            <a:r>
+              <a:rPr lang="ru-RU" smtClean="0">
+                <a:latin typeface="Consolas" panose="020B0609020204030204" pitchFamily="49" charset="0"/>
+              </a:rPr>
+              <a:t>)</a:t>
+            </a:r>
+            <a:r>
+              <a:rPr lang="en-US" smtClean="0">
+                <a:latin typeface="Consolas" panose="020B0609020204030204" pitchFamily="49" charset="0"/>
+              </a:rPr>
+              <a:t>;</a:t>
+            </a:r>
+          </a:p>
+          <a:p>
+            <a:pPr marL="45720" indent="0">
+              <a:buNone/>
+            </a:pPr>
+            <a:r>
+              <a:rPr lang="en-US" smtClean="0">
+                <a:latin typeface="Consolas" panose="020B0609020204030204" pitchFamily="49" charset="0"/>
+              </a:rPr>
+              <a:t>buffer.clear();</a:t>
+            </a:r>
+            <a:endParaRPr lang="ru-RU" smtClean="0">
+              <a:latin typeface="Consolas" panose="020B0609020204030204" pitchFamily="49" charset="0"/>
+            </a:endParaRPr>
+          </a:p>
+        </p:txBody>
+      </p:sp>
+    </p:spTree>
+    <p:extLst>
+      <p:ext uri="{BB962C8B-B14F-4D97-AF65-F5344CB8AC3E}">
+        <p14:creationId xmlns:p14="http://schemas.microsoft.com/office/powerpoint/2010/main" val="3805626535"/>
+      </p:ext>
+    </p:extLst>
+  </p:cSld>
+  <p:clrMapOvr>
+    <a:masterClrMapping/>
+  </p:clrMapOvr>
+</p:sld>
+</file>
+
+<file path=ppt/slides/slide32.xml><?xml version="1.0" encoding="utf-8"?>
+<p:sld xmlns:a="http://schemas.openxmlformats.org/drawingml/2006/main" xmlns:r="http://schemas.openxmlformats.org/officeDocument/2006/relationships" xmlns:p="http://schemas.openxmlformats.org/presentationml/2006/main">
+  <p:cSld>
+    <p:spTree>
+      <p:nvGrpSpPr>
+        <p:cNvPr id="1" name=""/>
+        <p:cNvGrpSpPr/>
+        <p:nvPr/>
+      </p:nvGrpSpPr>
+      <p:grpSpPr>
+        <a:xfrm>
+          <a:off x="0" y="0"/>
+          <a:ext cx="0" cy="0"/>
+          <a:chOff x="0" y="0"/>
+          <a:chExt cx="0" cy="0"/>
+        </a:xfrm>
+      </p:grpSpPr>
+      <p:sp>
+        <p:nvSpPr>
+          <p:cNvPr id="2" name="Title 1"/>
+          <p:cNvSpPr>
+            <a:spLocks noGrp="1"/>
+          </p:cNvSpPr>
+          <p:nvPr>
+            <p:ph type="title"/>
+          </p:nvPr>
+        </p:nvSpPr>
+        <p:spPr/>
+        <p:txBody>
+          <a:bodyPr/>
+          <a:lstStyle/>
+          <a:p>
+            <a:r>
+              <a:rPr lang="ru-RU" smtClean="0"/>
+              <a:t>Бинарный </a:t>
+            </a:r>
+            <a:r>
+              <a:rPr lang="en-US" smtClean="0"/>
+              <a:t>transform</a:t>
+            </a:r>
+            <a:endParaRPr lang="en-US"/>
+          </a:p>
+        </p:txBody>
+      </p:sp>
+      <p:sp>
+        <p:nvSpPr>
+          <p:cNvPr id="3" name="Content Placeholder 2"/>
+          <p:cNvSpPr>
+            <a:spLocks noGrp="1"/>
+          </p:cNvSpPr>
+          <p:nvPr>
+            <p:ph idx="1"/>
+          </p:nvPr>
+        </p:nvSpPr>
+        <p:spPr/>
+        <p:txBody>
+          <a:bodyPr/>
+          <a:lstStyle/>
+          <a:p>
+            <a:r>
+              <a:rPr lang="ru-RU" smtClean="0"/>
+              <a:t>У трансформа также есть другой паттерн:</a:t>
+            </a:r>
+          </a:p>
+          <a:p>
+            <a:pPr marL="45720" indent="0">
+              <a:buNone/>
+            </a:pPr>
+            <a:r>
+              <a:rPr lang="en-US">
+                <a:latin typeface="Consolas" panose="020B0609020204030204" pitchFamily="49" charset="0"/>
+              </a:rPr>
+              <a:t>for (auto it = v.begin(); it != v.end(); ++it)</a:t>
+            </a:r>
+            <a:br>
+              <a:rPr lang="en-US">
+                <a:latin typeface="Consolas" panose="020B0609020204030204" pitchFamily="49" charset="0"/>
+              </a:rPr>
+            </a:br>
+            <a:r>
+              <a:rPr lang="en-US">
+                <a:latin typeface="Consolas" panose="020B0609020204030204" pitchFamily="49" charset="0"/>
+              </a:rPr>
+              <a:t>  *outit++ = func(*</a:t>
+            </a:r>
+            <a:r>
+              <a:rPr lang="en-US" smtClean="0">
+                <a:latin typeface="Consolas" panose="020B0609020204030204" pitchFamily="49" charset="0"/>
+              </a:rPr>
+              <a:t>it, *it2++);</a:t>
+            </a:r>
+            <a:endParaRPr lang="en-US">
+              <a:latin typeface="Consolas" panose="020B0609020204030204" pitchFamily="49" charset="0"/>
+            </a:endParaRPr>
+          </a:p>
+          <a:p>
+            <a:pPr marL="45720" indent="0">
+              <a:buNone/>
+            </a:pPr>
+            <a:r>
+              <a:rPr lang="ru-RU" smtClean="0"/>
+              <a:t>В этом случае он берёт также итератор </a:t>
+            </a:r>
+            <a:r>
+              <a:rPr lang="en-US" smtClean="0"/>
+              <a:t>it2 </a:t>
+            </a:r>
+            <a:r>
+              <a:rPr lang="ru-RU" smtClean="0"/>
+              <a:t>на вторую последовательность.</a:t>
+            </a:r>
+          </a:p>
+          <a:p>
+            <a:pPr marL="45720" indent="0">
+              <a:buNone/>
+            </a:pPr>
+            <a:r>
+              <a:rPr lang="en-US" smtClean="0">
+                <a:latin typeface="Consolas" panose="020B0609020204030204" pitchFamily="49" charset="0"/>
+              </a:rPr>
+              <a:t>vector&lt;string&gt; first_part, second_part;</a:t>
+            </a:r>
+          </a:p>
+          <a:p>
+            <a:pPr marL="45720" indent="0">
+              <a:buNone/>
+            </a:pPr>
+            <a:r>
+              <a:rPr lang="en-US" smtClean="0"/>
+              <a:t>// .... </a:t>
+            </a:r>
+            <a:r>
+              <a:rPr lang="ru-RU" smtClean="0"/>
+              <a:t>тут он</a:t>
+            </a:r>
+            <a:r>
+              <a:rPr lang="ru-RU"/>
+              <a:t>и</a:t>
+            </a:r>
+            <a:r>
+              <a:rPr lang="ru-RU" smtClean="0"/>
+              <a:t> синхронно заполняются ....</a:t>
+            </a:r>
+            <a:endParaRPr lang="en-US" smtClean="0"/>
+          </a:p>
+          <a:p>
+            <a:pPr marL="45720" indent="0">
+              <a:buNone/>
+            </a:pPr>
+            <a:r>
+              <a:rPr lang="ru-RU" smtClean="0"/>
+              <a:t>Задача</a:t>
+            </a:r>
+            <a:r>
+              <a:rPr lang="ru-RU"/>
+              <a:t>: написать заполнение </a:t>
+            </a:r>
+            <a:r>
+              <a:rPr lang="en-US" smtClean="0"/>
+              <a:t>result</a:t>
+            </a:r>
+            <a:r>
+              <a:rPr lang="ru-RU" smtClean="0"/>
+              <a:t> </a:t>
+            </a:r>
+            <a:r>
+              <a:rPr lang="ru-RU"/>
+              <a:t>именами </a:t>
+            </a:r>
+            <a:r>
+              <a:rPr lang="ru-RU" smtClean="0"/>
+              <a:t>из суммы двух частей: </a:t>
+            </a:r>
+            <a:endParaRPr lang="en-US" smtClean="0"/>
+          </a:p>
+          <a:p>
+            <a:pPr marL="45720" indent="0">
+              <a:buNone/>
+            </a:pPr>
+            <a:r>
+              <a:rPr lang="en-US" smtClean="0">
+                <a:latin typeface="Consolas" panose="020B0609020204030204" pitchFamily="49" charset="0"/>
+              </a:rPr>
+              <a:t>result[i] = first_part[i] + second_part[i]</a:t>
+            </a:r>
+            <a:endParaRPr lang="en-US">
+              <a:latin typeface="Consolas" panose="020B0609020204030204" pitchFamily="49" charset="0"/>
+            </a:endParaRPr>
+          </a:p>
+          <a:p>
+            <a:pPr marL="45720" indent="0">
+              <a:buNone/>
+            </a:pPr>
+            <a:r>
+              <a:rPr lang="ru-RU" smtClean="0"/>
+              <a:t>После этого очистить обе части.</a:t>
+            </a:r>
+          </a:p>
+        </p:txBody>
+      </p:sp>
+    </p:spTree>
+    <p:extLst>
+      <p:ext uri="{BB962C8B-B14F-4D97-AF65-F5344CB8AC3E}">
+        <p14:creationId xmlns:p14="http://schemas.microsoft.com/office/powerpoint/2010/main" val="3834450071"/>
+      </p:ext>
+    </p:extLst>
+  </p:cSld>
+  <p:clrMapOvr>
+    <a:masterClrMapping/>
+  </p:clrMapOvr>
+</p:sld>
+</file>
+
+<file path=ppt/slides/slide33.xml><?xml version="1.0" encoding="utf-8"?>
+<p:sld xmlns:a="http://schemas.openxmlformats.org/drawingml/2006/main" xmlns:r="http://schemas.openxmlformats.org/officeDocument/2006/relationships" xmlns:p="http://schemas.openxmlformats.org/presentationml/2006/main">
+  <p:cSld>
+    <p:spTree>
+      <p:nvGrpSpPr>
+        <p:cNvPr id="1" name=""/>
+        <p:cNvGrpSpPr/>
+        <p:nvPr/>
+      </p:nvGrpSpPr>
+      <p:grpSpPr>
+        <a:xfrm>
+          <a:off x="0" y="0"/>
+          <a:ext cx="0" cy="0"/>
+          <a:chOff x="0" y="0"/>
+          <a:chExt cx="0" cy="0"/>
+        </a:xfrm>
+      </p:grpSpPr>
+      <p:sp>
+        <p:nvSpPr>
+          <p:cNvPr id="2" name="Title 1"/>
+          <p:cNvSpPr>
+            <a:spLocks noGrp="1"/>
+          </p:cNvSpPr>
+          <p:nvPr>
+            <p:ph type="title"/>
+          </p:nvPr>
+        </p:nvSpPr>
+        <p:spPr/>
+        <p:txBody>
+          <a:bodyPr/>
+          <a:lstStyle/>
+          <a:p>
+            <a:r>
+              <a:rPr lang="ru-RU" smtClean="0"/>
+              <a:t>Бинарный </a:t>
+            </a:r>
+            <a:r>
+              <a:rPr lang="en-US" smtClean="0"/>
+              <a:t>transform</a:t>
+            </a:r>
+            <a:endParaRPr lang="en-US"/>
+          </a:p>
+        </p:txBody>
+      </p:sp>
+      <p:sp>
+        <p:nvSpPr>
+          <p:cNvPr id="3" name="Content Placeholder 2"/>
+          <p:cNvSpPr>
+            <a:spLocks noGrp="1"/>
+          </p:cNvSpPr>
+          <p:nvPr>
+            <p:ph idx="1"/>
+          </p:nvPr>
+        </p:nvSpPr>
+        <p:spPr>
+          <a:xfrm>
+            <a:off x="1143000" y="2057400"/>
+            <a:ext cx="9872871" cy="4236308"/>
+          </a:xfrm>
+        </p:spPr>
+        <p:txBody>
+          <a:bodyPr/>
+          <a:lstStyle/>
+          <a:p>
+            <a:r>
+              <a:rPr lang="ru-RU" smtClean="0"/>
+              <a:t>Не забываем про </a:t>
+            </a:r>
+            <a:r>
+              <a:rPr lang="en-US" smtClean="0"/>
+              <a:t>move-</a:t>
+            </a:r>
+            <a:r>
+              <a:rPr lang="ru-RU" smtClean="0"/>
+              <a:t>семантику</a:t>
+            </a:r>
+            <a:endParaRPr lang="en-US" smtClean="0"/>
+          </a:p>
+          <a:p>
+            <a:pPr marL="45720" indent="0">
+              <a:buNone/>
+            </a:pPr>
+            <a:r>
+              <a:rPr lang="en-US">
+                <a:latin typeface="Consolas" panose="020B0609020204030204" pitchFamily="49" charset="0"/>
+              </a:rPr>
+              <a:t>transform</a:t>
+            </a:r>
+            <a:r>
+              <a:rPr lang="ru-RU">
+                <a:latin typeface="Consolas" panose="020B0609020204030204" pitchFamily="49" charset="0"/>
+              </a:rPr>
+              <a:t> </a:t>
+            </a:r>
+            <a:r>
+              <a:rPr lang="en-US" smtClean="0">
+                <a:latin typeface="Consolas" panose="020B0609020204030204" pitchFamily="49" charset="0"/>
+              </a:rPr>
+              <a:t>(make_move_iterator(first_part.begin()),</a:t>
+            </a:r>
+            <a:br>
+              <a:rPr lang="en-US" smtClean="0">
+                <a:latin typeface="Consolas" panose="020B0609020204030204" pitchFamily="49" charset="0"/>
+              </a:rPr>
+            </a:br>
+            <a:r>
+              <a:rPr lang="en-US" smtClean="0">
+                <a:latin typeface="Consolas" panose="020B0609020204030204" pitchFamily="49" charset="0"/>
+              </a:rPr>
+              <a:t>           make_move_iterator(first_part.end()),</a:t>
+            </a:r>
+            <a:br>
+              <a:rPr lang="en-US" smtClean="0">
+                <a:latin typeface="Consolas" panose="020B0609020204030204" pitchFamily="49" charset="0"/>
+              </a:rPr>
+            </a:br>
+            <a:r>
+              <a:rPr lang="en-US" smtClean="0">
+                <a:latin typeface="Consolas" panose="020B0609020204030204" pitchFamily="49" charset="0"/>
+              </a:rPr>
+              <a:t>           make_move_iterator(second_part.begin()),</a:t>
+            </a:r>
+            <a:br>
+              <a:rPr lang="en-US" smtClean="0">
+                <a:latin typeface="Consolas" panose="020B0609020204030204" pitchFamily="49" charset="0"/>
+              </a:rPr>
+            </a:br>
+            <a:r>
+              <a:rPr lang="en-US" smtClean="0">
+                <a:latin typeface="Consolas" panose="020B0609020204030204" pitchFamily="49" charset="0"/>
+              </a:rPr>
+              <a:t>           result.begin(), </a:t>
+            </a:r>
+            <a:r>
+              <a:rPr lang="en-US" smtClean="0">
+                <a:latin typeface="Consolas" panose="020B0609020204030204" pitchFamily="49" charset="0"/>
+              </a:rPr>
+              <a:t/>
+            </a:r>
+            <a:br>
+              <a:rPr lang="en-US" smtClean="0">
+                <a:latin typeface="Consolas" panose="020B0609020204030204" pitchFamily="49" charset="0"/>
+              </a:rPr>
+            </a:br>
+            <a:r>
+              <a:rPr lang="en-US" smtClean="0">
+                <a:latin typeface="Consolas" panose="020B0609020204030204" pitchFamily="49" charset="0"/>
+              </a:rPr>
+              <a:t>           [] </a:t>
+            </a:r>
+            <a:r>
+              <a:rPr lang="en-US" smtClean="0">
+                <a:latin typeface="Consolas" panose="020B0609020204030204" pitchFamily="49" charset="0"/>
+              </a:rPr>
+              <a:t>(string &amp;&amp;a, string &amp;&amp;b) </a:t>
+            </a:r>
+            <a:r>
+              <a:rPr lang="en-US" smtClean="0">
+                <a:latin typeface="Consolas" panose="020B0609020204030204" pitchFamily="49" charset="0"/>
+              </a:rPr>
+              <a:t>{ return </a:t>
+            </a:r>
+            <a:r>
+              <a:rPr lang="en-US" smtClean="0">
+                <a:latin typeface="Consolas" panose="020B0609020204030204" pitchFamily="49" charset="0"/>
+              </a:rPr>
+              <a:t>a + b</a:t>
+            </a:r>
+            <a:r>
+              <a:rPr lang="en-US" smtClean="0">
+                <a:latin typeface="Consolas" panose="020B0609020204030204" pitchFamily="49" charset="0"/>
+              </a:rPr>
+              <a:t>; });</a:t>
+            </a:r>
+            <a:endParaRPr lang="ru-RU" smtClean="0"/>
+          </a:p>
+          <a:p>
+            <a:r>
+              <a:rPr lang="ru-RU" smtClean="0"/>
+              <a:t>Обсуждение: возможно вы</a:t>
+            </a:r>
+            <a:r>
+              <a:rPr lang="ru-RU" smtClean="0"/>
+              <a:t> </a:t>
+            </a:r>
+            <a:r>
+              <a:rPr lang="ru-RU" smtClean="0"/>
+              <a:t>предпочли бы явный </a:t>
+            </a:r>
+            <a:r>
+              <a:rPr lang="ru-RU" smtClean="0"/>
+              <a:t>цикл</a:t>
+            </a:r>
+            <a:r>
+              <a:rPr lang="en-US" smtClean="0"/>
+              <a:t>?</a:t>
+            </a:r>
+            <a:r>
+              <a:rPr lang="ru-RU" smtClean="0"/>
+              <a:t> Как его записать?</a:t>
+            </a:r>
+            <a:endParaRPr lang="ru-RU" smtClean="0"/>
+          </a:p>
+        </p:txBody>
+      </p:sp>
+    </p:spTree>
+    <p:extLst>
+      <p:ext uri="{BB962C8B-B14F-4D97-AF65-F5344CB8AC3E}">
+        <p14:creationId xmlns:p14="http://schemas.microsoft.com/office/powerpoint/2010/main" val="4233775699"/>
+      </p:ext>
+    </p:extLst>
+  </p:cSld>
+  <p:clrMapOvr>
+    <a:masterClrMapping/>
+  </p:clrMapOvr>
+</p:sld>
+</file>
+
+<file path=ppt/slides/slide34.xml><?xml version="1.0" encoding="utf-8"?>
+<p:sld xmlns:a="http://schemas.openxmlformats.org/drawingml/2006/main" xmlns:r="http://schemas.openxmlformats.org/officeDocument/2006/relationships" xmlns:p="http://schemas.openxmlformats.org/presentationml/2006/main">
+  <p:cSld>
+    <p:spTree>
+      <p:nvGrpSpPr>
+        <p:cNvPr id="1" name=""/>
+        <p:cNvGrpSpPr/>
+        <p:nvPr/>
+      </p:nvGrpSpPr>
+      <p:grpSpPr>
+        <a:xfrm>
+          <a:off x="0" y="0"/>
+          <a:ext cx="0" cy="0"/>
+          <a:chOff x="0" y="0"/>
+          <a:chExt cx="0" cy="0"/>
+        </a:xfrm>
+      </p:grpSpPr>
+      <p:sp>
+        <p:nvSpPr>
+          <p:cNvPr id="2" name="Title 1"/>
+          <p:cNvSpPr>
+            <a:spLocks noGrp="1"/>
+          </p:cNvSpPr>
+          <p:nvPr>
+            <p:ph type="title"/>
+          </p:nvPr>
+        </p:nvSpPr>
+        <p:spPr/>
+        <p:txBody>
+          <a:bodyPr/>
+          <a:lstStyle/>
+          <a:p>
+            <a:r>
+              <a:rPr lang="ru-RU" smtClean="0"/>
+              <a:t>Обсуждение</a:t>
+            </a:r>
+            <a:endParaRPr lang="en-US"/>
+          </a:p>
+        </p:txBody>
+      </p:sp>
+      <p:sp>
+        <p:nvSpPr>
+          <p:cNvPr id="3" name="Content Placeholder 2"/>
+          <p:cNvSpPr>
+            <a:spLocks noGrp="1"/>
+          </p:cNvSpPr>
+          <p:nvPr>
+            <p:ph idx="1"/>
+          </p:nvPr>
+        </p:nvSpPr>
+        <p:spPr/>
+        <p:txBody>
+          <a:bodyPr/>
+          <a:lstStyle/>
+          <a:p>
+            <a:r>
+              <a:rPr lang="en-US" smtClean="0"/>
+              <a:t>map </a:t>
+            </a:r>
+            <a:r>
+              <a:rPr lang="ru-RU" smtClean="0"/>
+              <a:t>и </a:t>
+            </a:r>
+            <a:r>
+              <a:rPr lang="en-US" smtClean="0"/>
+              <a:t>zipwith </a:t>
+            </a:r>
+            <a:r>
+              <a:rPr lang="ru-RU" smtClean="0"/>
+              <a:t>в функциональном программировании</a:t>
+            </a:r>
+            <a:endParaRPr lang="en-US"/>
+          </a:p>
+        </p:txBody>
+      </p:sp>
+    </p:spTree>
+    <p:extLst>
+      <p:ext uri="{BB962C8B-B14F-4D97-AF65-F5344CB8AC3E}">
+        <p14:creationId xmlns:p14="http://schemas.microsoft.com/office/powerpoint/2010/main" val="1962397895"/>
+      </p:ext>
+    </p:extLst>
+  </p:cSld>
+  <p:clrMapOvr>
+    <a:masterClrMapping/>
+  </p:clrMapOvr>
+</p:sld>
+</file>
+
+<file path=ppt/slides/slide35.xml><?xml version="1.0" encoding="utf-8"?>
+<p:sld xmlns:a="http://schemas.openxmlformats.org/drawingml/2006/main" xmlns:r="http://schemas.openxmlformats.org/officeDocument/2006/relationships" xmlns:p="http://schemas.openxmlformats.org/presentationml/2006/main">
+  <p:cSld>
+    <p:spTree>
+      <p:nvGrpSpPr>
+        <p:cNvPr id="1" name=""/>
+        <p:cNvGrpSpPr/>
+        <p:nvPr/>
+      </p:nvGrpSpPr>
+      <p:grpSpPr>
+        <a:xfrm>
+          <a:off x="0" y="0"/>
+          <a:ext cx="0" cy="0"/>
+          <a:chOff x="0" y="0"/>
+          <a:chExt cx="0" cy="0"/>
+        </a:xfrm>
+      </p:grpSpPr>
+      <p:sp>
+        <p:nvSpPr>
+          <p:cNvPr id="3" name="Content Placeholder 2"/>
+          <p:cNvSpPr>
+            <a:spLocks noGrp="1"/>
+          </p:cNvSpPr>
+          <p:nvPr>
+            <p:ph idx="1"/>
+          </p:nvPr>
+        </p:nvSpPr>
+        <p:spPr>
+          <a:xfrm>
+            <a:off x="1143000" y="742122"/>
+            <a:ext cx="9872871" cy="5353878"/>
+          </a:xfrm>
+        </p:spPr>
+        <p:txBody>
+          <a:bodyPr>
+            <a:noAutofit/>
+          </a:bodyPr>
+          <a:lstStyle/>
+          <a:p>
+            <a:pPr>
+              <a:lnSpc>
+                <a:spcPct val="150000"/>
+              </a:lnSpc>
+              <a:buFont typeface="Wingdings" panose="05000000000000000000" pitchFamily="2" charset="2"/>
+              <a:buChar char="q"/>
+            </a:pPr>
+            <a:r>
+              <a:rPr lang="ru-RU" sz="4800" smtClean="0"/>
+              <a:t> Знакомство с алгоритмами</a:t>
+            </a:r>
+          </a:p>
+          <a:p>
+            <a:pPr>
+              <a:lnSpc>
+                <a:spcPct val="150000"/>
+              </a:lnSpc>
+              <a:buFont typeface="Wingdings" panose="05000000000000000000" pitchFamily="2" charset="2"/>
+              <a:buChar char="q"/>
+            </a:pPr>
+            <a:r>
+              <a:rPr lang="ru-RU" sz="4800"/>
+              <a:t> </a:t>
+            </a:r>
+            <a:r>
+              <a:rPr lang="ru-RU" sz="4800" smtClean="0"/>
+              <a:t>Трансформации</a:t>
+            </a:r>
+          </a:p>
+          <a:p>
+            <a:pPr>
+              <a:lnSpc>
+                <a:spcPct val="150000"/>
+              </a:lnSpc>
+              <a:buFont typeface="Wingdings" panose="05000000000000000000" pitchFamily="2" charset="2"/>
+              <a:buChar char="Ø"/>
+            </a:pPr>
+            <a:r>
+              <a:rPr lang="ru-RU" sz="4800" smtClean="0"/>
+              <a:t> </a:t>
+            </a:r>
+            <a:r>
+              <a:rPr lang="en-US" sz="4800" smtClean="0"/>
+              <a:t>Erase-remove</a:t>
+            </a:r>
+            <a:endParaRPr lang="ru-RU" sz="4800" smtClean="0"/>
+          </a:p>
+          <a:p>
+            <a:pPr>
+              <a:lnSpc>
+                <a:spcPct val="150000"/>
+              </a:lnSpc>
+              <a:buFont typeface="Wingdings" panose="05000000000000000000" pitchFamily="2" charset="2"/>
+              <a:buChar char="q"/>
+            </a:pPr>
+            <a:r>
+              <a:rPr lang="ru-RU" sz="4800" smtClean="0"/>
+              <a:t> Бинарный поиск и его варианты</a:t>
+            </a:r>
+          </a:p>
+        </p:txBody>
+      </p:sp>
+    </p:spTree>
+    <p:extLst>
+      <p:ext uri="{BB962C8B-B14F-4D97-AF65-F5344CB8AC3E}">
+        <p14:creationId xmlns:p14="http://schemas.microsoft.com/office/powerpoint/2010/main" val="850737047"/>
+      </p:ext>
+    </p:extLst>
+  </p:cSld>
+  <p:clrMapOvr>
+    <a:masterClrMapping/>
+  </p:clrMapOvr>
+</p:sld>
+</file>
+
+<file path=ppt/slides/slide36.xml><?xml version="1.0" encoding="utf-8"?>
+<p:sld xmlns:a="http://schemas.openxmlformats.org/drawingml/2006/main" xmlns:r="http://schemas.openxmlformats.org/officeDocument/2006/relationships" xmlns:p="http://schemas.openxmlformats.org/presentationml/2006/main">
+  <p:cSld>
+    <p:spTree>
+      <p:nvGrpSpPr>
+        <p:cNvPr id="1" name=""/>
+        <p:cNvGrpSpPr/>
+        <p:nvPr/>
+      </p:nvGrpSpPr>
+      <p:grpSpPr>
+        <a:xfrm>
+          <a:off x="0" y="0"/>
+          <a:ext cx="0" cy="0"/>
+          <a:chOff x="0" y="0"/>
+          <a:chExt cx="0" cy="0"/>
+        </a:xfrm>
+      </p:grpSpPr>
+      <p:sp>
+        <p:nvSpPr>
+          <p:cNvPr id="2" name="Title 1"/>
+          <p:cNvSpPr>
+            <a:spLocks noGrp="1"/>
+          </p:cNvSpPr>
+          <p:nvPr>
+            <p:ph type="title"/>
+          </p:nvPr>
+        </p:nvSpPr>
+        <p:spPr/>
+        <p:txBody>
+          <a:bodyPr/>
+          <a:lstStyle/>
+          <a:p>
+            <a:r>
+              <a:rPr lang="en-US" smtClean="0"/>
               <a:t>Remove</a:t>
             </a:r>
             <a:endParaRPr lang="en-US"/>
@@ -6695,7 +10154,181 @@
               <a:rPr lang="en-US" smtClean="0">
                 <a:latin typeface="Consolas" panose="020B0609020204030204" pitchFamily="49" charset="0"/>
               </a:rPr>
-              <a:t>) </a:t>
+              <a:t>)</a:t>
+            </a:r>
+            <a:r>
+              <a:rPr lang="ru-RU" smtClean="0">
+                <a:latin typeface="Consolas" panose="020B0609020204030204" pitchFamily="49" charset="0"/>
+              </a:rPr>
+              <a:t> </a:t>
+            </a:r>
+            <a:r>
+              <a:rPr lang="en-US" smtClean="0">
+                <a:latin typeface="Consolas" panose="020B0609020204030204" pitchFamily="49" charset="0"/>
+              </a:rPr>
+              <a:t>{</a:t>
+            </a:r>
+          </a:p>
+          <a:p>
+            <a:pPr marL="45720" indent="0">
+              <a:buNone/>
+            </a:pPr>
+            <a:r>
+              <a:rPr lang="ru-RU" smtClean="0">
+                <a:latin typeface="Consolas" panose="020B0609020204030204" pitchFamily="49" charset="0"/>
+              </a:rPr>
+              <a:t>  </a:t>
+            </a:r>
+            <a:r>
+              <a:rPr lang="en-US" smtClean="0">
+                <a:latin typeface="Consolas" panose="020B0609020204030204" pitchFamily="49" charset="0"/>
+              </a:rPr>
+              <a:t>// </a:t>
+            </a:r>
+            <a:r>
+              <a:rPr lang="ru-RU" smtClean="0">
+                <a:latin typeface="Consolas" panose="020B0609020204030204" pitchFamily="49" charset="0"/>
+              </a:rPr>
+              <a:t>что здесь?</a:t>
+            </a:r>
+            <a:endParaRPr lang="en-US" smtClean="0">
+              <a:latin typeface="Consolas" panose="020B0609020204030204" pitchFamily="49" charset="0"/>
+            </a:endParaRPr>
+          </a:p>
+          <a:p>
+            <a:pPr marL="45720" indent="0">
+              <a:buNone/>
+            </a:pPr>
+            <a:r>
+              <a:rPr lang="en-US">
+                <a:latin typeface="Consolas" panose="020B0609020204030204" pitchFamily="49" charset="0"/>
+              </a:rPr>
+              <a:t>}</a:t>
+            </a:r>
+          </a:p>
+          <a:p>
+            <a:pPr marL="45720" indent="0">
+              <a:buNone/>
+            </a:pPr>
+            <a:endParaRPr lang="en-US"/>
+          </a:p>
+        </p:txBody>
+      </p:sp>
+    </p:spTree>
+    <p:extLst>
+      <p:ext uri="{BB962C8B-B14F-4D97-AF65-F5344CB8AC3E}">
+        <p14:creationId xmlns:p14="http://schemas.microsoft.com/office/powerpoint/2010/main" val="4144309777"/>
+      </p:ext>
+    </p:extLst>
+  </p:cSld>
+  <p:clrMapOvr>
+    <a:masterClrMapping/>
+  </p:clrMapOvr>
+</p:sld>
+</file>
+
+<file path=ppt/slides/slide37.xml><?xml version="1.0" encoding="utf-8"?>
+<p:sld xmlns:a="http://schemas.openxmlformats.org/drawingml/2006/main" xmlns:r="http://schemas.openxmlformats.org/officeDocument/2006/relationships" xmlns:p="http://schemas.openxmlformats.org/presentationml/2006/main">
+  <p:cSld>
+    <p:spTree>
+      <p:nvGrpSpPr>
+        <p:cNvPr id="1" name=""/>
+        <p:cNvGrpSpPr/>
+        <p:nvPr/>
+      </p:nvGrpSpPr>
+      <p:grpSpPr>
+        <a:xfrm>
+          <a:off x="0" y="0"/>
+          <a:ext cx="0" cy="0"/>
+          <a:chOff x="0" y="0"/>
+          <a:chExt cx="0" cy="0"/>
+        </a:xfrm>
+      </p:grpSpPr>
+      <p:sp>
+        <p:nvSpPr>
+          <p:cNvPr id="2" name="Title 1"/>
+          <p:cNvSpPr>
+            <a:spLocks noGrp="1"/>
+          </p:cNvSpPr>
+          <p:nvPr>
+            <p:ph type="title"/>
+          </p:nvPr>
+        </p:nvSpPr>
+        <p:spPr/>
+        <p:txBody>
+          <a:bodyPr/>
+          <a:lstStyle/>
+          <a:p>
+            <a:r>
+              <a:rPr lang="en-US" smtClean="0"/>
+              <a:t>Remove</a:t>
+            </a:r>
+            <a:endParaRPr lang="en-US"/>
+          </a:p>
+        </p:txBody>
+      </p:sp>
+      <p:sp>
+        <p:nvSpPr>
+          <p:cNvPr id="3" name="Content Placeholder 2"/>
+          <p:cNvSpPr>
+            <a:spLocks noGrp="1"/>
+          </p:cNvSpPr>
+          <p:nvPr>
+            <p:ph idx="1"/>
+          </p:nvPr>
+        </p:nvSpPr>
+        <p:spPr/>
+        <p:txBody>
+          <a:bodyPr/>
+          <a:lstStyle/>
+          <a:p>
+            <a:r>
+              <a:rPr lang="ru-RU" smtClean="0"/>
+              <a:t>Как бы вы написали функцию </a:t>
+            </a:r>
+            <a:r>
+              <a:rPr lang="en-US" smtClean="0"/>
+              <a:t>remove?</a:t>
+            </a:r>
+            <a:endParaRPr lang="ru-RU" smtClean="0"/>
+          </a:p>
+          <a:p>
+            <a:r>
+              <a:rPr lang="ru-RU" smtClean="0"/>
+              <a:t>Идея функции: удалить из диапазона все значения </a:t>
+            </a:r>
+            <a:r>
+              <a:rPr lang="en-US" smtClean="0"/>
+              <a:t>val</a:t>
+            </a:r>
+          </a:p>
+          <a:p>
+            <a:pPr marL="45720" indent="0">
+              <a:buNone/>
+            </a:pPr>
+            <a:r>
+              <a:rPr lang="en-US">
+                <a:latin typeface="Consolas" panose="020B0609020204030204" pitchFamily="49" charset="0"/>
+              </a:rPr>
+              <a:t>template &lt;class </a:t>
+            </a:r>
+            <a:r>
+              <a:rPr lang="en-US" smtClean="0">
+                <a:latin typeface="Consolas" panose="020B0609020204030204" pitchFamily="49" charset="0"/>
+              </a:rPr>
+              <a:t>Iter, </a:t>
+            </a:r>
+            <a:r>
+              <a:rPr lang="en-US">
+                <a:latin typeface="Consolas" panose="020B0609020204030204" pitchFamily="49" charset="0"/>
+              </a:rPr>
+              <a:t>class </a:t>
+            </a:r>
+            <a:r>
+              <a:rPr lang="en-US" smtClean="0">
+                <a:latin typeface="Consolas" panose="020B0609020204030204" pitchFamily="49" charset="0"/>
+              </a:rPr>
+              <a:t>T&gt; Iter </a:t>
             </a:r>
             <a:br>
               <a:rPr lang="en-US" smtClean="0">
@@ -6706,7 +10339,31 @@
               <a:rPr lang="en-US" smtClean="0">
                 <a:latin typeface="Consolas" panose="020B0609020204030204" pitchFamily="49" charset="0"/>
               </a:rPr>
-              <a:t>{</a:t>
+              <a:t>remove (Iter </a:t>
+            </a:r>
+            <a:r>
+              <a:rPr lang="en-US">
+                <a:latin typeface="Consolas" panose="020B0609020204030204" pitchFamily="49" charset="0"/>
+              </a:rPr>
+              <a:t>first, </a:t>
+            </a:r>
+            <a:r>
+              <a:rPr lang="en-US" smtClean="0">
+                <a:latin typeface="Consolas" panose="020B0609020204030204" pitchFamily="49" charset="0"/>
+              </a:rPr>
+              <a:t>Iter </a:t>
+            </a:r>
+            <a:r>
+              <a:rPr lang="en-US">
+                <a:latin typeface="Consolas" panose="020B0609020204030204" pitchFamily="49" charset="0"/>
+              </a:rPr>
+              <a:t>last, const T&amp; val</a:t>
+            </a:r>
+            <a:r>
+              <a:rPr lang="en-US" smtClean="0">
+                <a:latin typeface="Consolas" panose="020B0609020204030204" pitchFamily="49" charset="0"/>
+              </a:rPr>
+              <a:t>) {</a:t>
             </a:r>
           </a:p>
           <a:p>
@@ -6794,7 +10451,111 @@
 </p:sld>
 </file>
 
-<file path=ppt/slides/slide22.xml><?xml version="1.0" encoding="utf-8"?>
+<file path=ppt/slides/slide38.xml><?xml version="1.0" encoding="utf-8"?>
+<p:sld xmlns:a="http://schemas.openxmlformats.org/drawingml/2006/main" xmlns:r="http://schemas.openxmlformats.org/officeDocument/2006/relationships" xmlns:p="http://schemas.openxmlformats.org/presentationml/2006/main">
+  <p:cSld>
+    <p:spTree>
+      <p:nvGrpSpPr>
+        <p:cNvPr id="1" name=""/>
+        <p:cNvGrpSpPr/>
+        <p:nvPr/>
+      </p:nvGrpSpPr>
+      <p:grpSpPr>
+        <a:xfrm>
+          <a:off x="0" y="0"/>
+          <a:ext cx="0" cy="0"/>
+          <a:chOff x="0" y="0"/>
+          <a:chExt cx="0" cy="0"/>
+        </a:xfrm>
+      </p:grpSpPr>
+      <p:sp>
+        <p:nvSpPr>
+          <p:cNvPr id="2" name="Title 1"/>
+          <p:cNvSpPr>
+            <a:spLocks noGrp="1"/>
+          </p:cNvSpPr>
+          <p:nvPr>
+            <p:ph type="title"/>
+          </p:nvPr>
+        </p:nvSpPr>
+        <p:spPr/>
+        <p:txBody>
+          <a:bodyPr/>
+          <a:lstStyle/>
+          <a:p>
+            <a:r>
+              <a:rPr lang="ru-RU" smtClean="0"/>
+              <a:t>Обсуждение</a:t>
+            </a:r>
+            <a:endParaRPr lang="en-US"/>
+          </a:p>
+        </p:txBody>
+      </p:sp>
+      <p:sp>
+        <p:nvSpPr>
+          <p:cNvPr id="3" name="Content Placeholder 2"/>
+          <p:cNvSpPr>
+            <a:spLocks noGrp="1"/>
+          </p:cNvSpPr>
+          <p:nvPr>
+            <p:ph idx="1"/>
+          </p:nvPr>
+        </p:nvSpPr>
+        <p:spPr/>
+        <p:txBody>
+          <a:bodyPr/>
+          <a:lstStyle/>
+          <a:p>
+            <a:r>
+              <a:rPr lang="ru-RU" smtClean="0"/>
+              <a:t>Возможны </a:t>
+            </a:r>
+            <a:r>
+              <a:rPr lang="en-US" smtClean="0"/>
+              <a:t>insert-</a:t>
+            </a:r>
+            <a:r>
+              <a:rPr lang="ru-RU" smtClean="0"/>
+              <a:t>итераторы. Возможны ли также </a:t>
+            </a:r>
+            <a:r>
+              <a:rPr lang="en-US" smtClean="0"/>
+              <a:t>erase-</a:t>
+            </a:r>
+            <a:r>
+              <a:rPr lang="ru-RU" smtClean="0"/>
+              <a:t>итераторы, которые сделали бы, в свою очередь, возможным </a:t>
+            </a:r>
+            <a:r>
+              <a:rPr lang="en-US" smtClean="0"/>
+              <a:t>remove </a:t>
+            </a:r>
+            <a:r>
+              <a:rPr lang="ru-RU" smtClean="0"/>
+              <a:t>такого вида</a:t>
+            </a:r>
+            <a:r>
+              <a:rPr lang="en-US" smtClean="0"/>
+              <a:t>?</a:t>
+            </a:r>
+            <a:endParaRPr lang="en-US"/>
+          </a:p>
+        </p:txBody>
+      </p:sp>
+    </p:spTree>
+    <p:extLst>
+      <p:ext uri="{BB962C8B-B14F-4D97-AF65-F5344CB8AC3E}">
+        <p14:creationId xmlns:p14="http://schemas.microsoft.com/office/powerpoint/2010/main" val="145262966"/>
+      </p:ext>
+    </p:extLst>
+  </p:cSld>
+  <p:clrMapOvr>
+    <a:masterClrMapping/>
+  </p:clrMapOvr>
+</p:sld>
+</file>
+
+<file path=ppt/slides/slide39.xml><?xml version="1.0" encoding="utf-8"?>
 <p:sld xmlns:a="http://schemas.openxmlformats.org/drawingml/2006/main" xmlns:r="http://schemas.openxmlformats.org/officeDocument/2006/relationships" xmlns:p="http://schemas.openxmlformats.org/presentationml/2006/main">
   <p:cSld>
     <p:spTree>
@@ -8199,7 +11960,7 @@
 </p:sld>
 </file>
 
-<file path=ppt/slides/slide23.xml><?xml version="1.0" encoding="utf-8"?>
+<file path=ppt/slides/slide4.xml><?xml version="1.0" encoding="utf-8"?>
 <p:sld xmlns:a="http://schemas.openxmlformats.org/drawingml/2006/main" xmlns:r="http://schemas.openxmlformats.org/officeDocument/2006/relationships" xmlns:p="http://schemas.openxmlformats.org/presentationml/2006/main">
   <p:cSld>
     <p:spTree>
@@ -8218,7 +11979,7 @@
       </p:grpSpPr>
       <p:sp>
         <p:nvSpPr>
-          <p:cNvPr id="2" name="Title 1"/>
+          <p:cNvPr id="5" name="Title 4"/>
           <p:cNvSpPr>
             <a:spLocks noGrp="1"/>
           </p:cNvSpPr>
@@ -8233,11 +11994,7 @@
           <a:p>
             <a:r>
               <a:rPr lang="ru-RU" smtClean="0"/>
-              <a:t>Обсуждение: не только </a:t>
-            </a:r>
-            <a:r>
-              <a:rPr lang="en-US" smtClean="0"/>
-              <a:t>remove</a:t>
+              <a:t>Абстракция циклов</a:t>
             </a:r>
             <a:endParaRPr lang="en-US"/>
           </a:p>
@@ -8245,7 +12002,7 @@
       </p:sp>
       <p:sp>
         <p:nvSpPr>
-          <p:cNvPr id="3" name="Content Placeholder 2"/>
+          <p:cNvPr id="6" name="Content Placeholder 5"/>
           <p:cNvSpPr>
             <a:spLocks noGrp="1"/>
           </p:cNvSpPr>
@@ -8260,42 +12017,19 @@
           <a:p>
             <a:r>
               <a:rPr lang="ru-RU" smtClean="0"/>
-              <a:t>Среди алгоритмов не только </a:t>
-            </a:r>
-            <a:r>
-              <a:rPr lang="en-US" smtClean="0"/>
-              <a:t>remove </a:t>
-            </a:r>
-            <a:r>
-              <a:rPr lang="ru-RU" smtClean="0"/>
-              <a:t>"удаляет" элементы</a:t>
-            </a:r>
-          </a:p>
-          <a:p>
-            <a:r>
-              <a:rPr lang="ru-RU" smtClean="0"/>
-              <a:t>Например </a:t>
-            </a:r>
-            <a:r>
-              <a:rPr lang="en-US" smtClean="0"/>
-              <a:t>unique</a:t>
-            </a:r>
+              <a:t>Вариант решения: явный цикл</a:t>
+            </a:r>
+            <a:endParaRPr lang="en-US" smtClean="0"/>
           </a:p>
           <a:p>
             <a:pPr marL="45720" indent="0">
               <a:buNone/>
             </a:pPr>
             <a:r>
-              <a:rPr lang="en-US">
-                <a:latin typeface="Consolas" panose="020B0609020204030204" pitchFamily="49" charset="0"/>
-              </a:rPr>
-              <a:t>vector v = {1, 42, 2, 42, 3, 42, 4</a:t>
-            </a:r>
-            <a:r>
-              <a:rPr lang="en-US" smtClean="0">
-                <a:latin typeface="Consolas" panose="020B0609020204030204" pitchFamily="49" charset="0"/>
-              </a:rPr>
-              <a:t>};</a:t>
+              <a:rPr lang="en-US" sz="2000" smtClean="0">
+                <a:latin typeface="Consolas" panose="020B0609020204030204" pitchFamily="49" charset="0"/>
+              </a:rPr>
+              <a:t>template &lt;typename C, typename F&gt; void apply (C cont, F func) {</a:t>
             </a:r>
           </a:p>
           <a:p>
@@ -8303,10 +12037,21 @@
               <a:buNone/>
             </a:pPr>
             <a:r>
-              <a:rPr lang="en-US" smtClean="0">
-                <a:latin typeface="Consolas" panose="020B0609020204030204" pitchFamily="49" charset="0"/>
-              </a:rPr>
-              <a:t>sort (v.begin(), v.end());</a:t>
+              <a:rPr lang="en-US" sz="2000" smtClean="0">
+                <a:latin typeface="Consolas" panose="020B0609020204030204" pitchFamily="49" charset="0"/>
+              </a:rPr>
+              <a:t>  for (auto it = cont.begin(); it != cont.end(); ++it)</a:t>
+            </a:r>
+            <a:br>
+              <a:rPr lang="en-US" sz="2000" smtClean="0">
+                <a:latin typeface="Consolas" panose="020B0609020204030204" pitchFamily="49" charset="0"/>
+              </a:rPr>
+            </a:br>
+            <a:r>
+              <a:rPr lang="en-US" sz="2000" smtClean="0">
+                <a:latin typeface="Consolas" panose="020B0609020204030204" pitchFamily="49" charset="0"/>
+              </a:rPr>
+              <a:t>    func (*it);</a:t>
             </a:r>
           </a:p>
           <a:p>
@@ -8314,75 +12059,18 @@
               <a:buNone/>
             </a:pPr>
             <a:r>
-              <a:rPr lang="en-US" smtClean="0">
-                <a:latin typeface="Consolas" panose="020B0609020204030204" pitchFamily="49" charset="0"/>
-              </a:rPr>
-              <a:t>v.erase (unique (v.begin(), v.end()), v.end());</a:t>
-            </a:r>
-          </a:p>
-          <a:p>
-            <a:r>
-              <a:rPr lang="ru-RU" smtClean="0"/>
-              <a:t>Это тоже идиома </a:t>
-            </a:r>
-            <a:r>
-              <a:rPr lang="en-US" smtClean="0"/>
-              <a:t>erase-remove </a:t>
-            </a:r>
-            <a:r>
-              <a:rPr lang="ru-RU" smtClean="0"/>
-              <a:t>только без </a:t>
-            </a:r>
-            <a:r>
-              <a:rPr lang="en-US" smtClean="0"/>
-              <a:t>remove</a:t>
-            </a:r>
-          </a:p>
-          <a:p>
-            <a:r>
-              <a:rPr lang="ru-RU" smtClean="0"/>
-              <a:t>К счастью пока что в стандарте </a:t>
-            </a:r>
-            <a:r>
-              <a:rPr lang="en-US" smtClean="0"/>
-              <a:t>C++ </a:t>
-            </a:r>
-            <a:r>
-              <a:rPr lang="ru-RU" smtClean="0"/>
-              <a:t>только три таких алгоритма: </a:t>
-            </a:r>
-            <a:r>
-              <a:rPr lang="en-US" smtClean="0"/>
-              <a:t>remove, remove_if </a:t>
-            </a:r>
-            <a:r>
-              <a:rPr lang="ru-RU" smtClean="0"/>
-              <a:t>и </a:t>
-            </a:r>
-            <a:r>
-              <a:rPr lang="en-US" smtClean="0"/>
-              <a:t>unique. </a:t>
-            </a:r>
-            <a:r>
-              <a:rPr lang="ru-RU" smtClean="0"/>
-              <a:t>Но в пользовательском коде может попасться</a:t>
-            </a:r>
-            <a:r>
-              <a:rPr lang="en-US" smtClean="0"/>
-              <a:t> </a:t>
-            </a:r>
-            <a:r>
-              <a:rPr lang="ru-RU" smtClean="0"/>
-              <a:t>всякое.</a:t>
-            </a:r>
-            <a:endParaRPr lang="en-US"/>
+              <a:rPr lang="en-US" sz="2000" smtClean="0">
+                <a:latin typeface="Consolas" panose="020B0609020204030204" pitchFamily="49" charset="0"/>
+              </a:rPr>
+              <a:t>}</a:t>
+            </a:r>
           </a:p>
         </p:txBody>
       </p:sp>
     </p:spTree>
     <p:extLst>
       <p:ext uri="{BB962C8B-B14F-4D97-AF65-F5344CB8AC3E}">
-        <p14:creationId xmlns:p14="http://schemas.microsoft.com/office/powerpoint/2010/main" val="79739752"/>
+        <p14:creationId xmlns:p14="http://schemas.microsoft.com/office/powerpoint/2010/main" val="1328762065"/>
       </p:ext>
     </p:extLst>
   </p:cSld>
@@ -8392,7 +12080,7 @@
 </p:sld>
 </file>
 
-<file path=ppt/slides/slide24.xml><?xml version="1.0" encoding="utf-8"?>
+<file path=ppt/slides/slide40.xml><?xml version="1.0" encoding="utf-8"?>
 <p:sld xmlns:a="http://schemas.openxmlformats.org/drawingml/2006/main" xmlns:r="http://schemas.openxmlformats.org/officeDocument/2006/relationships" xmlns:p="http://schemas.openxmlformats.org/presentationml/2006/main">
   <p:cSld>
     <p:spTree>
@@ -8426,7 +12114,11 @@
           <a:p>
             <a:r>
               <a:rPr lang="ru-RU" smtClean="0"/>
-              <a:t>Об одной плохой идее</a:t>
+              <a:t>Обсуждение: не только </a:t>
+            </a:r>
+            <a:r>
+              <a:rPr lang="en-US" smtClean="0"/>
+              <a:t>remove</a:t>
             </a:r>
             <a:endParaRPr lang="en-US"/>
           </a:p>
@@ -8449,13 +12141,78 @@
           <a:p>
             <a:r>
               <a:rPr lang="ru-RU" smtClean="0"/>
-              <a:t>Неинтрузивный контейнер указателей веёт себя как интрузивный контейнер объектов</a:t>
-            </a:r>
-          </a:p>
-          <a:p>
-            <a:r>
-              <a:rPr lang="ru-RU" smtClean="0"/>
-              <a:t>Пока вы не сделаете </a:t>
+              <a:t>Среди алгоритмов не только </a:t>
+            </a:r>
+            <a:r>
+              <a:rPr lang="en-US" smtClean="0"/>
+              <a:t>remove </a:t>
+            </a:r>
+            <a:r>
+              <a:rPr lang="ru-RU" smtClean="0"/>
+              <a:t>"удаляет" элементы</a:t>
+            </a:r>
+          </a:p>
+          <a:p>
+            <a:r>
+              <a:rPr lang="ru-RU" smtClean="0"/>
+              <a:t>Например </a:t>
+            </a:r>
+            <a:r>
+              <a:rPr lang="en-US" smtClean="0"/>
+              <a:t>unique</a:t>
+            </a:r>
+          </a:p>
+          <a:p>
+            <a:pPr marL="45720" indent="0">
+              <a:buNone/>
+            </a:pPr>
+            <a:r>
+              <a:rPr lang="en-US">
+                <a:latin typeface="Consolas" panose="020B0609020204030204" pitchFamily="49" charset="0"/>
+              </a:rPr>
+              <a:t>vector v = {1, 42, 2, 42, 3, 42, 4</a:t>
+            </a:r>
+            <a:r>
+              <a:rPr lang="en-US" smtClean="0">
+                <a:latin typeface="Consolas" panose="020B0609020204030204" pitchFamily="49" charset="0"/>
+              </a:rPr>
+              <a:t>};</a:t>
+            </a:r>
+          </a:p>
+          <a:p>
+            <a:pPr marL="45720" indent="0">
+              <a:buNone/>
+            </a:pPr>
+            <a:r>
+              <a:rPr lang="en-US" smtClean="0">
+                <a:latin typeface="Consolas" panose="020B0609020204030204" pitchFamily="49" charset="0"/>
+              </a:rPr>
+              <a:t>sort (v.begin(), v.end());</a:t>
+            </a:r>
+          </a:p>
+          <a:p>
+            <a:pPr marL="45720" indent="0">
+              <a:buNone/>
+            </a:pPr>
+            <a:r>
+              <a:rPr lang="en-US" smtClean="0">
+                <a:latin typeface="Consolas" panose="020B0609020204030204" pitchFamily="49" charset="0"/>
+              </a:rPr>
+              <a:t>v.erase (unique (v.begin(), v.end()), v.end());</a:t>
+            </a:r>
+          </a:p>
+          <a:p>
+            <a:r>
+              <a:rPr lang="ru-RU" smtClean="0"/>
+              <a:t>Это тоже идиома </a:t>
+            </a:r>
+            <a:r>
+              <a:rPr lang="en-US" smtClean="0"/>
+              <a:t>erase-remove </a:t>
+            </a:r>
+            <a:r>
+              <a:rPr lang="ru-RU" smtClean="0"/>
+              <a:t>только без </a:t>
             </a:r>
             <a:r>
               <a:rPr lang="en-US" smtClean="0"/>
@@ -8463,73 +12220,50 @@
             </a:r>
           </a:p>
           <a:p>
-            <a:pPr marL="45720" indent="0">
-              <a:buNone/>
-            </a:pPr>
-            <a:r>
-              <a:rPr lang="en-US" smtClean="0">
-                <a:latin typeface="Consolas" panose="020B0609020204030204" pitchFamily="49" charset="0"/>
-              </a:rPr>
-              <a:t>vector &lt;int*&gt; v = {new int(1), new int(42), new int(2)};</a:t>
-            </a:r>
-          </a:p>
-          <a:p>
-            <a:pPr marL="45720" indent="0">
-              <a:buNone/>
-            </a:pPr>
-            <a:r>
-              <a:rPr lang="en-US" smtClean="0">
-                <a:latin typeface="Consolas" panose="020B0609020204030204" pitchFamily="49" charset="0"/>
-              </a:rPr>
-              <a:t>v.erase(v.remove_if (v.begin(), v.end(), </a:t>
-            </a:r>
-            <a:br>
-              <a:rPr lang="en-US" smtClean="0">
-                <a:latin typeface="Consolas" panose="020B0609020204030204" pitchFamily="49" charset="0"/>
-              </a:rPr>
-            </a:br>
-            <a:r>
-              <a:rPr lang="en-US" smtClean="0">
-                <a:latin typeface="Consolas" panose="020B0609020204030204" pitchFamily="49" charset="0"/>
-              </a:rPr>
-              <a:t>                     [](int *p) { return *p == 42; }));</a:t>
-            </a:r>
-          </a:p>
-          <a:p>
-            <a:pPr marL="45720" indent="0">
-              <a:buNone/>
-            </a:pPr>
-            <a:r>
-              <a:rPr lang="en-US" smtClean="0">
-                <a:solidFill>
-                  <a:srgbClr val="FF0000"/>
-                </a:solidFill>
-                <a:latin typeface="Consolas" panose="020B0609020204030204" pitchFamily="49" charset="0"/>
-              </a:rPr>
-              <a:t>// </a:t>
-            </a:r>
-            <a:r>
-              <a:rPr lang="ru-RU" smtClean="0">
-                <a:solidFill>
-                  <a:srgbClr val="FF0000"/>
-                </a:solidFill>
-                <a:latin typeface="Consolas" panose="020B0609020204030204" pitchFamily="49" charset="0"/>
-              </a:rPr>
-              <a:t>утечка памяти</a:t>
-            </a:r>
-            <a:endParaRPr lang="en-US">
-              <a:solidFill>
-                <a:srgbClr val="FF0000"/>
-              </a:solidFill>
-              <a:latin typeface="Consolas" panose="020B0609020204030204" pitchFamily="49" charset="0"/>
-            </a:endParaRPr>
+            <a:r>
+              <a:rPr lang="ru-RU" smtClean="0"/>
+              <a:t>К счастью пока что в стандарте </a:t>
+            </a:r>
+            <a:r>
+              <a:rPr lang="en-US" smtClean="0"/>
+              <a:t>C++ </a:t>
+            </a:r>
+            <a:r>
+              <a:rPr lang="ru-RU" smtClean="0"/>
+              <a:t>только три таких алгоритма: </a:t>
+            </a:r>
+            <a:r>
+              <a:rPr lang="en-US" smtClean="0"/>
+              <a:t>remove, remove_if </a:t>
+            </a:r>
+            <a:r>
+              <a:rPr lang="ru-RU" smtClean="0"/>
+              <a:t>и </a:t>
+            </a:r>
+            <a:r>
+              <a:rPr lang="en-US" smtClean="0"/>
+              <a:t>unique. </a:t>
+            </a:r>
+            <a:r>
+              <a:rPr lang="ru-RU" smtClean="0"/>
+              <a:t>Но в пользовательском коде может попасться</a:t>
+            </a:r>
+            <a:r>
+              <a:rPr lang="en-US" smtClean="0"/>
+              <a:t> </a:t>
+            </a:r>
+            <a:r>
+              <a:rPr lang="ru-RU" smtClean="0"/>
+              <a:t>всякое.</a:t>
+            </a:r>
+            <a:endParaRPr lang="en-US"/>
           </a:p>
         </p:txBody>
       </p:sp>
     </p:spTree>
     <p:extLst>
       <p:ext uri="{BB962C8B-B14F-4D97-AF65-F5344CB8AC3E}">
-        <p14:creationId xmlns:p14="http://schemas.microsoft.com/office/powerpoint/2010/main" val="1023964527"/>
+        <p14:creationId xmlns:p14="http://schemas.microsoft.com/office/powerpoint/2010/main" val="79739752"/>
       </p:ext>
     </p:extLst>
   </p:cSld>
@@ -8539,7 +12273,7 @@
 </p:sld>
 </file>
 
-<file path=ppt/slides/slide25.xml><?xml version="1.0" encoding="utf-8"?>
+<file path=ppt/slides/slide41.xml><?xml version="1.0" encoding="utf-8"?>
 <p:sld xmlns:a="http://schemas.openxmlformats.org/drawingml/2006/main" xmlns:r="http://schemas.openxmlformats.org/officeDocument/2006/relationships" xmlns:p="http://schemas.openxmlformats.org/presentationml/2006/main">
   <p:cSld>
     <p:spTree>
@@ -8573,7 +12307,7 @@
           <a:p>
             <a:r>
               <a:rPr lang="ru-RU" smtClean="0"/>
-              <a:t>Попытка улучшить ситуацию</a:t>
+              <a:t>Об одной плохой идее</a:t>
             </a:r>
             <a:endParaRPr lang="en-US"/>
           </a:p>
@@ -8589,16 +12323,48 @@
             <p:ph idx="1"/>
           </p:nvPr>
         </p:nvSpPr>
-        <p:spPr>
-          <a:xfrm>
-            <a:off x="1143000" y="2057400"/>
-            <a:ext cx="10752438" cy="4038600"/>
-          </a:xfrm>
-        </p:spPr>
+        <p:spPr/>
         <p:txBody>
           <a:bodyPr/>
           <a:lstStyle/>
           <a:p>
+            <a:r>
+              <a:rPr lang="ru-RU" smtClean="0"/>
+              <a:t>Неинтрузивный контейнер указателей </a:t>
+            </a:r>
+            <a:r>
+              <a:rPr lang="ru-RU" smtClean="0"/>
+              <a:t>ведёт </a:t>
+            </a:r>
+            <a:r>
+              <a:rPr lang="ru-RU" smtClean="0"/>
+              <a:t>себя как интрузивный контейнер </a:t>
+            </a:r>
+            <a:r>
+              <a:rPr lang="ru-RU" smtClean="0"/>
+              <a:t>объектов ....</a:t>
+            </a:r>
+            <a:endParaRPr lang="ru-RU" smtClean="0"/>
+          </a:p>
+          <a:p>
+            <a:r>
+              <a:rPr lang="ru-RU" smtClean="0"/>
+              <a:t>.... п</a:t>
+            </a:r>
+            <a:r>
+              <a:rPr lang="ru-RU" smtClean="0"/>
+              <a:t>ока </a:t>
+            </a:r>
+            <a:r>
+              <a:rPr lang="ru-RU" smtClean="0"/>
+              <a:t>вы не сделаете </a:t>
+            </a:r>
+            <a:r>
+              <a:rPr lang="en-US" smtClean="0"/>
+              <a:t>remove</a:t>
+            </a:r>
+          </a:p>
+          <a:p>
             <a:pPr marL="45720" indent="0">
               <a:buNone/>
             </a:pPr>
@@ -8606,7 +12372,18 @@
               <a:rPr lang="en-US" smtClean="0">
                 <a:latin typeface="Consolas" panose="020B0609020204030204" pitchFamily="49" charset="0"/>
               </a:rPr>
-              <a:t>struct intptr {</a:t>
+              <a:t>vector &lt;int*&gt; v = {new int(1), new int(42), new int(2)};</a:t>
+            </a:r>
+          </a:p>
+          <a:p>
+            <a:pPr marL="45720" indent="0">
+              <a:buNone/>
+            </a:pPr>
+            <a:r>
+              <a:rPr lang="en-US" smtClean="0">
+                <a:latin typeface="Consolas" panose="020B0609020204030204" pitchFamily="49" charset="0"/>
+              </a:rPr>
+              <a:t>v.erase(v.remove_if (v.begin(), v.end(), </a:t>
             </a:r>
             <a:br>
               <a:rPr lang="en-US" smtClean="0">
@@ -8617,67 +12394,8 @@
               <a:rPr lang="en-US" smtClean="0">
                 <a:latin typeface="Consolas" panose="020B0609020204030204" pitchFamily="49" charset="0"/>
               </a:rPr>
-              <a:t>  int *data_;</a:t>
-            </a:r>
-            <a:br>
-              <a:rPr lang="en-US" smtClean="0">
-                <a:latin typeface="Consolas" panose="020B0609020204030204" pitchFamily="49" charset="0"/>
-              </a:rPr>
-            </a:br>
-            <a:r>
-              <a:rPr lang="en-US" smtClean="0">
-                <a:latin typeface="Consolas" panose="020B0609020204030204" pitchFamily="49" charset="0"/>
-              </a:rPr>
-              <a:t>  intptr(int x = 0) : data_(new int(x)) {}</a:t>
-            </a:r>
-            <a:br>
-              <a:rPr lang="en-US" smtClean="0">
-                <a:latin typeface="Consolas" panose="020B0609020204030204" pitchFamily="49" charset="0"/>
-              </a:rPr>
-            </a:br>
-            <a:r>
-              <a:rPr lang="en-US" smtClean="0">
-                <a:latin typeface="Consolas" panose="020B0609020204030204" pitchFamily="49" charset="0"/>
-              </a:rPr>
-              <a:t>  intptr </a:t>
-            </a:r>
-            <a:r>
-              <a:rPr lang="en-US">
-                <a:latin typeface="Consolas" panose="020B0609020204030204" pitchFamily="49" charset="0"/>
-              </a:rPr>
-              <a:t>(const intptr&amp; rhs) : data_(new int(rhs.data_)) </a:t>
-            </a:r>
-            <a:r>
-              <a:rPr lang="en-US" smtClean="0">
-                <a:latin typeface="Consolas" panose="020B0609020204030204" pitchFamily="49" charset="0"/>
-              </a:rPr>
-              <a:t>{}</a:t>
-            </a:r>
-            <a:br>
-              <a:rPr lang="en-US" smtClean="0">
-                <a:latin typeface="Consolas" panose="020B0609020204030204" pitchFamily="49" charset="0"/>
-              </a:rPr>
-            </a:br>
-            <a:r>
-              <a:rPr lang="en-US" smtClean="0">
-                <a:latin typeface="Consolas" panose="020B0609020204030204" pitchFamily="49" charset="0"/>
-              </a:rPr>
-              <a:t>  ~intptr() { delete data_; }</a:t>
-            </a:r>
-            <a:br>
-              <a:rPr lang="en-US" smtClean="0">
-                <a:latin typeface="Consolas" panose="020B0609020204030204" pitchFamily="49" charset="0"/>
-              </a:rPr>
-            </a:br>
-            <a:r>
-              <a:rPr lang="en-US" smtClean="0">
-                <a:latin typeface="Consolas" panose="020B0609020204030204" pitchFamily="49" charset="0"/>
-              </a:rPr>
-              <a:t>};</a:t>
-            </a:r>
-            <a:endParaRPr lang="ru-RU" smtClean="0">
-              <a:latin typeface="Consolas" panose="020B0609020204030204" pitchFamily="49" charset="0"/>
-            </a:endParaRPr>
+              <a:t>                     [](int *p) { return *p == 42; }));</a:t>
+            </a:r>
           </a:p>
           <a:p>
             <a:pPr marL="45720" indent="0">
@@ -8685,50 +12403,26 @@
             </a:pPr>
             <a:r>
               <a:rPr lang="en-US" smtClean="0">
-                <a:latin typeface="Consolas" panose="020B0609020204030204" pitchFamily="49" charset="0"/>
-              </a:rPr>
-              <a:t>vector &lt;intptr&gt; v = {intptr(1), intptr(42), intptr(2), intptr(42)};</a:t>
-            </a:r>
-          </a:p>
-          <a:p>
-            <a:pPr marL="45720" indent="0">
-              <a:buNone/>
-            </a:pPr>
-            <a:r>
-              <a:rPr lang="en-US" smtClean="0">
-                <a:latin typeface="Consolas" panose="020B0609020204030204" pitchFamily="49" charset="0"/>
-              </a:rPr>
-              <a:t>v.erase(v.remove_if (v.begin(), v.end(), </a:t>
-            </a:r>
-            <a:br>
-              <a:rPr lang="en-US" smtClean="0">
-                <a:latin typeface="Consolas" panose="020B0609020204030204" pitchFamily="49" charset="0"/>
-              </a:rPr>
-            </a:br>
-            <a:r>
-              <a:rPr lang="en-US" smtClean="0">
-                <a:latin typeface="Consolas" panose="020B0609020204030204" pitchFamily="49" charset="0"/>
-              </a:rPr>
-              <a:t>                     [](intptr p) { return *(p.data_) == 42; }));</a:t>
-            </a:r>
-          </a:p>
-          <a:p>
-            <a:pPr marL="45720" indent="0">
-              <a:buNone/>
-            </a:pPr>
-            <a:r>
-              <a:rPr lang="en-US" smtClean="0">
+                <a:solidFill>
+                  <a:srgbClr val="FF0000"/>
+                </a:solidFill>
                 <a:latin typeface="Consolas" panose="020B0609020204030204" pitchFamily="49" charset="0"/>
               </a:rPr>
               <a:t>// </a:t>
             </a:r>
             <a:r>
               <a:rPr lang="ru-RU" smtClean="0">
-                <a:latin typeface="Consolas" panose="020B0609020204030204" pitchFamily="49" charset="0"/>
-              </a:rPr>
-              <a:t>стало сильно лучше?</a:t>
+                <a:solidFill>
+                  <a:srgbClr val="FF0000"/>
+                </a:solidFill>
+                <a:latin typeface="Consolas" panose="020B0609020204030204" pitchFamily="49" charset="0"/>
+              </a:rPr>
+              <a:t>утечка памяти</a:t>
             </a:r>
             <a:endParaRPr lang="en-US">
+              <a:solidFill>
+                <a:srgbClr val="FF0000"/>
+              </a:solidFill>
               <a:latin typeface="Consolas" panose="020B0609020204030204" pitchFamily="49" charset="0"/>
             </a:endParaRPr>
           </a:p>
@@ -8737,7 +12431,7 @@
     </p:spTree>
     <p:extLst>
       <p:ext uri="{BB962C8B-B14F-4D97-AF65-F5344CB8AC3E}">
-        <p14:creationId xmlns:p14="http://schemas.microsoft.com/office/powerpoint/2010/main" val="1901447771"/>
+        <p14:creationId xmlns:p14="http://schemas.microsoft.com/office/powerpoint/2010/main" val="1023964527"/>
       </p:ext>
     </p:extLst>
   </p:cSld>
@@ -8747,7 +12441,7 @@
 </p:sld>
 </file>
 
-<file path=ppt/slides/slide26.xml><?xml version="1.0" encoding="utf-8"?>
+<file path=ppt/slides/slide42.xml><?xml version="1.0" encoding="utf-8"?>
 <p:sld xmlns:a="http://schemas.openxmlformats.org/drawingml/2006/main" xmlns:r="http://schemas.openxmlformats.org/officeDocument/2006/relationships" xmlns:p="http://schemas.openxmlformats.org/presentationml/2006/main">
   <p:cSld>
     <p:spTree>
@@ -8781,7 +12475,7 @@
           <a:p>
             <a:r>
               <a:rPr lang="ru-RU" smtClean="0"/>
-              <a:t>Обсуждение</a:t>
+              <a:t>Попытка улучшить ситуацию</a:t>
             </a:r>
             <a:endParaRPr lang="en-US"/>
           </a:p>
@@ -8797,31 +12491,155 @@
             <p:ph idx="1"/>
           </p:nvPr>
         </p:nvSpPr>
-        <p:spPr/>
+        <p:spPr>
+          <a:xfrm>
+            <a:off x="1143000" y="2057400"/>
+            <a:ext cx="10752438" cy="4038600"/>
+          </a:xfrm>
+        </p:spPr>
         <p:txBody>
           <a:bodyPr/>
           <a:lstStyle/>
           <a:p>
-            <a:r>
-              <a:rPr lang="ru-RU" smtClean="0"/>
-              <a:t>Большинство контейнеров </a:t>
-            </a:r>
-            <a:r>
-              <a:rPr lang="en-US" smtClean="0"/>
-              <a:t>STL </a:t>
-            </a:r>
-            <a:r>
-              <a:rPr lang="ru-RU" smtClean="0"/>
-              <a:t>заточено на неинтрузивное использование</a:t>
-            </a:r>
-            <a:endParaRPr lang="en-US"/>
+            <a:pPr marL="45720" indent="0">
+              <a:buNone/>
+            </a:pPr>
+            <a:r>
+              <a:rPr lang="en-US" smtClean="0">
+                <a:latin typeface="Consolas" panose="020B0609020204030204" pitchFamily="49" charset="0"/>
+              </a:rPr>
+              <a:t>struct intptr {</a:t>
+            </a:r>
+            <a:br>
+              <a:rPr lang="en-US" smtClean="0">
+                <a:latin typeface="Consolas" panose="020B0609020204030204" pitchFamily="49" charset="0"/>
+              </a:rPr>
+            </a:br>
+            <a:r>
+              <a:rPr lang="en-US" smtClean="0">
+                <a:latin typeface="Consolas" panose="020B0609020204030204" pitchFamily="49" charset="0"/>
+              </a:rPr>
+              <a:t>  int *data_;</a:t>
+            </a:r>
+            <a:br>
+              <a:rPr lang="en-US" smtClean="0">
+                <a:latin typeface="Consolas" panose="020B0609020204030204" pitchFamily="49" charset="0"/>
+              </a:rPr>
+            </a:br>
+            <a:r>
+              <a:rPr lang="en-US" smtClean="0">
+                <a:latin typeface="Consolas" panose="020B0609020204030204" pitchFamily="49" charset="0"/>
+              </a:rPr>
+              <a:t>  intptr(int x = 0) : data_(new int(x)) {}</a:t>
+            </a:r>
+            <a:br>
+              <a:rPr lang="en-US" smtClean="0">
+                <a:latin typeface="Consolas" panose="020B0609020204030204" pitchFamily="49" charset="0"/>
+              </a:rPr>
+            </a:br>
+            <a:r>
+              <a:rPr lang="en-US" smtClean="0">
+                <a:latin typeface="Consolas" panose="020B0609020204030204" pitchFamily="49" charset="0"/>
+              </a:rPr>
+              <a:t>  intptr </a:t>
+            </a:r>
+            <a:r>
+              <a:rPr lang="en-US">
+                <a:latin typeface="Consolas" panose="020B0609020204030204" pitchFamily="49" charset="0"/>
+              </a:rPr>
+              <a:t>(const intptr&amp; rhs) : data_(new int(rhs.data_)) </a:t>
+            </a:r>
+            <a:r>
+              <a:rPr lang="en-US" smtClean="0">
+                <a:latin typeface="Consolas" panose="020B0609020204030204" pitchFamily="49" charset="0"/>
+              </a:rPr>
+              <a:t>{}</a:t>
+            </a:r>
+            <a:br>
+              <a:rPr lang="en-US" smtClean="0">
+                <a:latin typeface="Consolas" panose="020B0609020204030204" pitchFamily="49" charset="0"/>
+              </a:rPr>
+            </a:br>
+            <a:r>
+              <a:rPr lang="en-US" smtClean="0">
+                <a:latin typeface="Consolas" panose="020B0609020204030204" pitchFamily="49" charset="0"/>
+              </a:rPr>
+              <a:t>  ~intptr() { delete data_; }</a:t>
+            </a:r>
+            <a:br>
+              <a:rPr lang="en-US" smtClean="0">
+                <a:latin typeface="Consolas" panose="020B0609020204030204" pitchFamily="49" charset="0"/>
+              </a:rPr>
+            </a:br>
+            <a:r>
+              <a:rPr lang="en-US" smtClean="0">
+                <a:latin typeface="Consolas" panose="020B0609020204030204" pitchFamily="49" charset="0"/>
+              </a:rPr>
+              <a:t>};</a:t>
+            </a:r>
+            <a:endParaRPr lang="ru-RU" smtClean="0">
+              <a:latin typeface="Consolas" panose="020B0609020204030204" pitchFamily="49" charset="0"/>
+            </a:endParaRPr>
+          </a:p>
+          <a:p>
+            <a:pPr marL="45720" indent="0">
+              <a:buNone/>
+            </a:pPr>
+            <a:r>
+              <a:rPr lang="en-US" smtClean="0">
+                <a:latin typeface="Consolas" panose="020B0609020204030204" pitchFamily="49" charset="0"/>
+              </a:rPr>
+              <a:t>vector &lt;intptr&gt; v = {intptr(1), intptr(42), intptr(2), intptr(42)};</a:t>
+            </a:r>
+          </a:p>
+          <a:p>
+            <a:pPr marL="45720" indent="0">
+              <a:buNone/>
+            </a:pPr>
+            <a:r>
+              <a:rPr lang="en-US" smtClean="0">
+                <a:latin typeface="Consolas" panose="020B0609020204030204" pitchFamily="49" charset="0"/>
+              </a:rPr>
+              <a:t>v.erase(v.remove_if (v.begin(), v.end(), </a:t>
+            </a:r>
+            <a:br>
+              <a:rPr lang="en-US" smtClean="0">
+                <a:latin typeface="Consolas" panose="020B0609020204030204" pitchFamily="49" charset="0"/>
+              </a:rPr>
+            </a:br>
+            <a:r>
+              <a:rPr lang="en-US" smtClean="0">
+                <a:latin typeface="Consolas" panose="020B0609020204030204" pitchFamily="49" charset="0"/>
+              </a:rPr>
+              <a:t>                     [](intptr p) { return *(p.data_) == 42; }));</a:t>
+            </a:r>
+          </a:p>
+          <a:p>
+            <a:pPr marL="45720" indent="0">
+              <a:buNone/>
+            </a:pPr>
+            <a:r>
+              <a:rPr lang="en-US" smtClean="0">
+                <a:latin typeface="Consolas" panose="020B0609020204030204" pitchFamily="49" charset="0"/>
+              </a:rPr>
+              <a:t>// </a:t>
+            </a:r>
+            <a:r>
+              <a:rPr lang="ru-RU" smtClean="0">
+                <a:latin typeface="Consolas" panose="020B0609020204030204" pitchFamily="49" charset="0"/>
+              </a:rPr>
+              <a:t>стало сильно лучше?</a:t>
+            </a:r>
+            <a:endParaRPr lang="en-US">
+              <a:latin typeface="Consolas" panose="020B0609020204030204" pitchFamily="49" charset="0"/>
+            </a:endParaRPr>
           </a:p>
         </p:txBody>
       </p:sp>
     </p:spTree>
     <p:extLst>
       <p:ext uri="{BB962C8B-B14F-4D97-AF65-F5344CB8AC3E}">
-        <p14:creationId xmlns:p14="http://schemas.microsoft.com/office/powerpoint/2010/main" val="48107858"/>
+        <p14:creationId xmlns:p14="http://schemas.microsoft.com/office/powerpoint/2010/main" val="1901447771"/>
       </p:ext>
     </p:extLst>
   </p:cSld>
@@ -8831,7 +12649,7 @@
 </p:sld>
 </file>
 
-<file path=ppt/slides/slide27.xml><?xml version="1.0" encoding="utf-8"?>
+<file path=ppt/slides/slide43.xml><?xml version="1.0" encoding="utf-8"?>
 <p:sld xmlns:a="http://schemas.openxmlformats.org/drawingml/2006/main" xmlns:r="http://schemas.openxmlformats.org/officeDocument/2006/relationships" xmlns:p="http://schemas.openxmlformats.org/presentationml/2006/main">
   <p:cSld>
     <p:spTree>
@@ -8865,7 +12683,7 @@
           <a:p>
             <a:r>
               <a:rPr lang="ru-RU" smtClean="0"/>
-              <a:t>Задача</a:t>
+              <a:t>Обсуждение</a:t>
             </a:r>
             <a:endParaRPr lang="en-US"/>
           </a:p>
@@ -8888,83 +12706,24 @@
           <a:p>
             <a:r>
               <a:rPr lang="ru-RU" smtClean="0"/>
-              <a:t>Удалить из стандартного ввода смежные пробелы и вывести это на стандартный вывод</a:t>
-            </a:r>
-          </a:p>
-          <a:p>
-            <a:pPr marL="45720" indent="0">
-              <a:buNone/>
-            </a:pPr>
-            <a:r>
-              <a:rPr lang="ru-RU" smtClean="0"/>
-              <a:t>Вход: </a:t>
-            </a:r>
-            <a:r>
-              <a:rPr lang="en-US" smtClean="0">
-                <a:latin typeface="Consolas" panose="020B0609020204030204" pitchFamily="49" charset="0"/>
-              </a:rPr>
-              <a:t>"Hello,   cruel  world!"</a:t>
-            </a:r>
-          </a:p>
-          <a:p>
-            <a:pPr marL="45720" indent="0">
-              <a:buNone/>
-            </a:pPr>
-            <a:r>
-              <a:rPr lang="ru-RU" smtClean="0"/>
-              <a:t>В</a:t>
-            </a:r>
-            <a:r>
-              <a:rPr lang="ru-RU"/>
-              <a:t>ы</a:t>
-            </a:r>
-            <a:r>
-              <a:rPr lang="ru-RU" smtClean="0"/>
-              <a:t>ход</a:t>
-            </a:r>
-            <a:r>
-              <a:rPr lang="ru-RU"/>
-              <a:t>: </a:t>
-            </a:r>
-            <a:r>
-              <a:rPr lang="en-US">
-                <a:latin typeface="Consolas" panose="020B0609020204030204" pitchFamily="49" charset="0"/>
-              </a:rPr>
-              <a:t>"Hello, </a:t>
-            </a:r>
-            <a:r>
-              <a:rPr lang="ru-RU" smtClean="0">
-                <a:latin typeface="Consolas" panose="020B0609020204030204" pitchFamily="49" charset="0"/>
-              </a:rPr>
-              <a:t>с</a:t>
-            </a:r>
-            <a:r>
-              <a:rPr lang="en-US" smtClean="0">
-                <a:latin typeface="Consolas" panose="020B0609020204030204" pitchFamily="49" charset="0"/>
-              </a:rPr>
-              <a:t>ruel world</a:t>
-            </a:r>
-            <a:r>
-              <a:rPr lang="en-US">
-                <a:latin typeface="Consolas" panose="020B0609020204030204" pitchFamily="49" charset="0"/>
-              </a:rPr>
-              <a:t>!"</a:t>
-            </a:r>
-          </a:p>
-          <a:p>
-            <a:pPr marL="45720" indent="0">
-              <a:buNone/>
-            </a:pPr>
-            <a:endParaRPr lang="en-US">
-              <a:latin typeface="Consolas" panose="020B0609020204030204" pitchFamily="49" charset="0"/>
-            </a:endParaRPr>
+              <a:t>Большинство контейнеров </a:t>
+            </a:r>
+            <a:r>
+              <a:rPr lang="en-US" smtClean="0"/>
+              <a:t>STL </a:t>
+            </a:r>
+            <a:r>
+              <a:rPr lang="ru-RU" smtClean="0"/>
+              <a:t>заточено на неинтрузивное использование</a:t>
+            </a:r>
+            <a:endParaRPr lang="en-US"/>
           </a:p>
         </p:txBody>
       </p:sp>
     </p:spTree>
     <p:extLst>
       <p:ext uri="{BB962C8B-B14F-4D97-AF65-F5344CB8AC3E}">
-        <p14:creationId xmlns:p14="http://schemas.microsoft.com/office/powerpoint/2010/main" val="2205841490"/>
+        <p14:creationId xmlns:p14="http://schemas.microsoft.com/office/powerpoint/2010/main" val="48107858"/>
       </p:ext>
     </p:extLst>
   </p:cSld>
@@ -8974,7 +12733,7 @@
 </p:sld>
 </file>
 
-<file path=ppt/slides/slide28.xml><?xml version="1.0" encoding="utf-8"?>
+<file path=ppt/slides/slide44.xml><?xml version="1.0" encoding="utf-8"?>
 <p:sld xmlns:a="http://schemas.openxmlformats.org/drawingml/2006/main" xmlns:r="http://schemas.openxmlformats.org/officeDocument/2006/relationships" xmlns:p="http://schemas.openxmlformats.org/presentationml/2006/main">
   <p:cSld>
     <p:spTree>
@@ -9008,11 +12767,7 @@
           <a:p>
             <a:r>
               <a:rPr lang="ru-RU" smtClean="0"/>
-              <a:t>Решение: </a:t>
-            </a:r>
-            <a:r>
-              <a:rPr lang="en-US" smtClean="0"/>
-              <a:t>unique_copy</a:t>
+              <a:t>Задача</a:t>
             </a:r>
             <a:endParaRPr lang="en-US"/>
           </a:p>
@@ -9089,89 +12844,19 @@
               <a:rPr lang="en-US" smtClean="0">
                 <a:latin typeface="Consolas" panose="020B0609020204030204" pitchFamily="49" charset="0"/>
               </a:rPr>
-              <a:t>ruel world!"</a:t>
-            </a:r>
-            <a:endParaRPr lang="ru-RU" smtClean="0">
-              <a:latin typeface="Consolas" panose="020B0609020204030204" pitchFamily="49" charset="0"/>
-            </a:endParaRPr>
+              <a:t>ruel world</a:t>
+            </a:r>
+            <a:r>
+              <a:rPr lang="en-US">
+                <a:latin typeface="Consolas" panose="020B0609020204030204" pitchFamily="49" charset="0"/>
+              </a:rPr>
+              <a:t>!"</a:t>
+            </a:r>
           </a:p>
           <a:p>
             <a:pPr marL="45720" indent="0">
               <a:buNone/>
             </a:pPr>
-            <a:r>
-              <a:rPr lang="en-US" smtClean="0">
-                <a:latin typeface="Consolas" panose="020B0609020204030204" pitchFamily="49" charset="0"/>
-              </a:rPr>
-              <a:t>unique_copy (istream_iterator&lt;char&gt;(cin),</a:t>
-            </a:r>
-            <a:br>
-              <a:rPr lang="en-US" smtClean="0">
-                <a:latin typeface="Consolas" panose="020B0609020204030204" pitchFamily="49" charset="0"/>
-              </a:rPr>
-            </a:br>
-            <a:r>
-              <a:rPr lang="en-US" smtClean="0">
-                <a:latin typeface="Consolas" panose="020B0609020204030204" pitchFamily="49" charset="0"/>
-              </a:rPr>
-              <a:t>             </a:t>
-            </a:r>
-            <a:r>
-              <a:rPr lang="en-US">
-                <a:latin typeface="Consolas" panose="020B0609020204030204" pitchFamily="49" charset="0"/>
-              </a:rPr>
-              <a:t>istream_iterator&lt;char</a:t>
-            </a:r>
-            <a:r>
-              <a:rPr lang="en-US" smtClean="0">
-                <a:latin typeface="Consolas" panose="020B0609020204030204" pitchFamily="49" charset="0"/>
-              </a:rPr>
-              <a:t>&gt;(),</a:t>
-            </a:r>
-            <a:br>
-              <a:rPr lang="en-US" smtClean="0">
-                <a:latin typeface="Consolas" panose="020B0609020204030204" pitchFamily="49" charset="0"/>
-              </a:rPr>
-            </a:br>
-            <a:r>
-              <a:rPr lang="en-US" smtClean="0">
-                <a:latin typeface="Consolas" panose="020B0609020204030204" pitchFamily="49" charset="0"/>
-              </a:rPr>
-              <a:t>             ostream_iterator&lt;char&gt;(cout),</a:t>
-            </a:r>
-            <a:br>
-              <a:rPr lang="en-US" smtClean="0">
-                <a:latin typeface="Consolas" panose="020B0609020204030204" pitchFamily="49" charset="0"/>
-              </a:rPr>
-            </a:br>
-            <a:r>
-              <a:rPr lang="en-US" smtClean="0">
-                <a:latin typeface="Consolas" panose="020B0609020204030204" pitchFamily="49" charset="0"/>
-              </a:rPr>
-              <a:t>             [](char e1, char e2) { </a:t>
-            </a:r>
-            <a:br>
-              <a:rPr lang="en-US" smtClean="0">
-                <a:latin typeface="Consolas" panose="020B0609020204030204" pitchFamily="49" charset="0"/>
-              </a:rPr>
-            </a:br>
-            <a:r>
-              <a:rPr lang="en-US" smtClean="0">
-                <a:latin typeface="Consolas" panose="020B0609020204030204" pitchFamily="49" charset="0"/>
-              </a:rPr>
-              <a:t>                  return ((e1 == ' ') &amp;&amp; (e2 == ' '));</a:t>
-            </a:r>
-            <a:br>
-              <a:rPr lang="en-US" smtClean="0">
-                <a:latin typeface="Consolas" panose="020B0609020204030204" pitchFamily="49" charset="0"/>
-              </a:rPr>
-            </a:br>
-            <a:r>
-              <a:rPr lang="en-US" smtClean="0">
-                <a:latin typeface="Consolas" panose="020B0609020204030204" pitchFamily="49" charset="0"/>
-              </a:rPr>
-              <a:t>             });</a:t>
-            </a:r>
             <a:endParaRPr lang="en-US">
               <a:latin typeface="Consolas" panose="020B0609020204030204" pitchFamily="49" charset="0"/>
             </a:endParaRPr>
@@ -9181,7 +12866,7 @@
     </p:spTree>
     <p:extLst>
       <p:ext uri="{BB962C8B-B14F-4D97-AF65-F5344CB8AC3E}">
-        <p14:creationId xmlns:p14="http://schemas.microsoft.com/office/powerpoint/2010/main" val="253569972"/>
+        <p14:creationId xmlns:p14="http://schemas.microsoft.com/office/powerpoint/2010/main" val="2205841490"/>
       </p:ext>
     </p:extLst>
   </p:cSld>
@@ -9191,7 +12876,7 @@
 </p:sld>
 </file>
 
-<file path=ppt/slides/slide29.xml><?xml version="1.0" encoding="utf-8"?>
+<file path=ppt/slides/slide45.xml><?xml version="1.0" encoding="utf-8"?>
 <p:sld xmlns:a="http://schemas.openxmlformats.org/drawingml/2006/main" xmlns:r="http://schemas.openxmlformats.org/officeDocument/2006/relationships" xmlns:p="http://schemas.openxmlformats.org/presentationml/2006/main">
   <p:cSld>
     <p:spTree>
@@ -9225,7 +12910,11 @@
           <a:p>
             <a:r>
               <a:rPr lang="ru-RU" smtClean="0"/>
-              <a:t>Обсуждение</a:t>
+              <a:t>Решение: </a:t>
+            </a:r>
+            <a:r>
+              <a:rPr lang="en-US" smtClean="0"/>
+              <a:t>unique_copy</a:t>
             </a:r>
             <a:endParaRPr lang="en-US"/>
           </a:p>
@@ -9248,24 +12937,153 @@
           <a:p>
             <a:r>
               <a:rPr lang="ru-RU" smtClean="0"/>
-              <a:t>Важна ли для </a:t>
-            </a:r>
-            <a:r>
-              <a:rPr lang="en-US" smtClean="0"/>
-              <a:t>unique </a:t>
-            </a:r>
-            <a:r>
-              <a:rPr lang="ru-RU" smtClean="0"/>
-              <a:t>сортированность интервала?</a:t>
-            </a:r>
-            <a:endParaRPr lang="en-US"/>
+              <a:t>Удалить из стандартного ввода смежные пробелы и вывести это на стандартный вывод</a:t>
+            </a:r>
+          </a:p>
+          <a:p>
+            <a:pPr marL="45720" indent="0">
+              <a:buNone/>
+            </a:pPr>
+            <a:r>
+              <a:rPr lang="ru-RU" smtClean="0"/>
+              <a:t>Вход: </a:t>
+            </a:r>
+            <a:r>
+              <a:rPr lang="en-US" smtClean="0">
+                <a:latin typeface="Consolas" panose="020B0609020204030204" pitchFamily="49" charset="0"/>
+              </a:rPr>
+              <a:t>"Hello,   cruel  world!"</a:t>
+            </a:r>
+          </a:p>
+          <a:p>
+            <a:pPr marL="45720" indent="0">
+              <a:buNone/>
+            </a:pPr>
+            <a:r>
+              <a:rPr lang="ru-RU" smtClean="0"/>
+              <a:t>В</a:t>
+            </a:r>
+            <a:r>
+              <a:rPr lang="ru-RU"/>
+              <a:t>ы</a:t>
+            </a:r>
+            <a:r>
+              <a:rPr lang="ru-RU" smtClean="0"/>
+              <a:t>ход</a:t>
+            </a:r>
+            <a:r>
+              <a:rPr lang="ru-RU"/>
+              <a:t>: </a:t>
+            </a:r>
+            <a:r>
+              <a:rPr lang="en-US">
+                <a:latin typeface="Consolas" panose="020B0609020204030204" pitchFamily="49" charset="0"/>
+              </a:rPr>
+              <a:t>"Hello, </a:t>
+            </a:r>
+            <a:r>
+              <a:rPr lang="ru-RU" smtClean="0">
+                <a:latin typeface="Consolas" panose="020B0609020204030204" pitchFamily="49" charset="0"/>
+              </a:rPr>
+              <a:t>с</a:t>
+            </a:r>
+            <a:r>
+              <a:rPr lang="en-US" smtClean="0">
+                <a:latin typeface="Consolas" panose="020B0609020204030204" pitchFamily="49" charset="0"/>
+              </a:rPr>
+              <a:t>ruel world!"</a:t>
+            </a:r>
+            <a:endParaRPr lang="ru-RU" smtClean="0">
+              <a:latin typeface="Consolas" panose="020B0609020204030204" pitchFamily="49" charset="0"/>
+            </a:endParaRPr>
+          </a:p>
+          <a:p>
+            <a:pPr marL="45720" indent="0">
+              <a:buNone/>
+            </a:pPr>
+            <a:r>
+              <a:rPr lang="en-US" smtClean="0">
+                <a:latin typeface="Consolas" panose="020B0609020204030204" pitchFamily="49" charset="0"/>
+              </a:rPr>
+              <a:t>unique_copy (istream_iterator&lt;char&gt;(cin),</a:t>
+            </a:r>
+            <a:br>
+              <a:rPr lang="en-US" smtClean="0">
+                <a:latin typeface="Consolas" panose="020B0609020204030204" pitchFamily="49" charset="0"/>
+              </a:rPr>
+            </a:br>
+            <a:r>
+              <a:rPr lang="en-US" smtClean="0">
+                <a:latin typeface="Consolas" panose="020B0609020204030204" pitchFamily="49" charset="0"/>
+              </a:rPr>
+              <a:t>             </a:t>
+            </a:r>
+            <a:r>
+              <a:rPr lang="en-US">
+                <a:latin typeface="Consolas" panose="020B0609020204030204" pitchFamily="49" charset="0"/>
+              </a:rPr>
+              <a:t>istream_iterator&lt;char</a:t>
+            </a:r>
+            <a:r>
+              <a:rPr lang="en-US" smtClean="0">
+                <a:latin typeface="Consolas" panose="020B0609020204030204" pitchFamily="49" charset="0"/>
+              </a:rPr>
+              <a:t>&gt;(),</a:t>
+            </a:r>
+            <a:br>
+              <a:rPr lang="en-US" smtClean="0">
+                <a:latin typeface="Consolas" panose="020B0609020204030204" pitchFamily="49" charset="0"/>
+              </a:rPr>
+            </a:br>
+            <a:r>
+              <a:rPr lang="en-US" smtClean="0">
+                <a:latin typeface="Consolas" panose="020B0609020204030204" pitchFamily="49" charset="0"/>
+              </a:rPr>
+              <a:t>             ostream_iterator&lt;char&gt;(cout),</a:t>
+            </a:r>
+            <a:br>
+              <a:rPr lang="en-US" smtClean="0">
+                <a:latin typeface="Consolas" panose="020B0609020204030204" pitchFamily="49" charset="0"/>
+              </a:rPr>
+            </a:br>
+            <a:r>
+              <a:rPr lang="en-US" smtClean="0">
+                <a:latin typeface="Consolas" panose="020B0609020204030204" pitchFamily="49" charset="0"/>
+              </a:rPr>
+              <a:t>             [](char e1, char e2) { </a:t>
+            </a:r>
+            <a:br>
+              <a:rPr lang="en-US" smtClean="0">
+                <a:latin typeface="Consolas" panose="020B0609020204030204" pitchFamily="49" charset="0"/>
+              </a:rPr>
+            </a:br>
+            <a:r>
+              <a:rPr lang="en-US" smtClean="0">
+                <a:latin typeface="Consolas" panose="020B0609020204030204" pitchFamily="49" charset="0"/>
+              </a:rPr>
+              <a:t>                  return ((e1 == ' ') &amp;&amp; (e2 == ' '));</a:t>
+            </a:r>
+            <a:br>
+              <a:rPr lang="en-US" smtClean="0">
+                <a:latin typeface="Consolas" panose="020B0609020204030204" pitchFamily="49" charset="0"/>
+              </a:rPr>
+            </a:br>
+            <a:r>
+              <a:rPr lang="en-US" smtClean="0">
+                <a:latin typeface="Consolas" panose="020B0609020204030204" pitchFamily="49" charset="0"/>
+              </a:rPr>
+              <a:t>             });</a:t>
+            </a:r>
+            <a:endParaRPr lang="en-US">
+              <a:latin typeface="Consolas" panose="020B0609020204030204" pitchFamily="49" charset="0"/>
+            </a:endParaRPr>
           </a:p>
         </p:txBody>
       </p:sp>
     </p:spTree>
     <p:extLst>
       <p:ext uri="{BB962C8B-B14F-4D97-AF65-F5344CB8AC3E}">
-        <p14:creationId xmlns:p14="http://schemas.microsoft.com/office/powerpoint/2010/main" val="346424384"/>
+        <p14:creationId xmlns:p14="http://schemas.microsoft.com/office/powerpoint/2010/main" val="253569972"/>
       </p:ext>
     </p:extLst>
   </p:cSld>
@@ -9275,7 +13093,7 @@
 </p:sld>
 </file>
 
-<file path=ppt/slides/slide3.xml><?xml version="1.0" encoding="utf-8"?>
+<file path=ppt/slides/slide46.xml><?xml version="1.0" encoding="utf-8"?>
 <p:sld xmlns:a="http://schemas.openxmlformats.org/drawingml/2006/main" xmlns:r="http://schemas.openxmlformats.org/officeDocument/2006/relationships" xmlns:p="http://schemas.openxmlformats.org/presentationml/2006/main">
   <p:cSld>
     <p:spTree>
@@ -9294,7 +13112,7 @@
       </p:grpSpPr>
       <p:sp>
         <p:nvSpPr>
-          <p:cNvPr id="5" name="Title 4"/>
+          <p:cNvPr id="2" name="Title 1"/>
           <p:cNvSpPr>
             <a:spLocks noGrp="1"/>
           </p:cNvSpPr>
@@ -9309,7 +13127,7 @@
           <a:p>
             <a:r>
               <a:rPr lang="ru-RU" smtClean="0"/>
-              <a:t>Абстракция циклов</a:t>
+              <a:t>Обсуждение</a:t>
             </a:r>
             <a:endParaRPr lang="en-US"/>
           </a:p>
@@ -9317,7 +13135,7 @@
       </p:sp>
       <p:sp>
         <p:nvSpPr>
-          <p:cNvPr id="6" name="Content Placeholder 5"/>
+          <p:cNvPr id="3" name="Content Placeholder 2"/>
           <p:cNvSpPr>
             <a:spLocks noGrp="1"/>
           </p:cNvSpPr>
@@ -9332,76 +13150,24 @@
           <a:p>
             <a:r>
               <a:rPr lang="ru-RU" smtClean="0"/>
-              <a:t>Задача: применить функцию </a:t>
-            </a:r>
-            <a:r>
-              <a:rPr lang="en-US" smtClean="0"/>
-              <a:t>func </a:t>
-            </a:r>
-            <a:r>
-              <a:rPr lang="ru-RU" smtClean="0"/>
-              <a:t>к каждому элементу контейнера </a:t>
-            </a:r>
-            <a:r>
-              <a:rPr lang="en-US"/>
-              <a:t>c</a:t>
-            </a:r>
-            <a:r>
-              <a:rPr lang="en-US" smtClean="0"/>
-              <a:t>ont?</a:t>
-            </a:r>
-          </a:p>
-          <a:p>
-            <a:pPr marL="45720" indent="0">
-              <a:buNone/>
-            </a:pPr>
-            <a:r>
-              <a:rPr lang="en-US" sz="2000" smtClean="0">
-                <a:latin typeface="Consolas" panose="020B0609020204030204" pitchFamily="49" charset="0"/>
-              </a:rPr>
-              <a:t>template &lt;typename C, typename F&gt; void apply (C cont, F func) {</a:t>
-            </a:r>
-          </a:p>
-          <a:p>
-            <a:pPr marL="45720" indent="0">
-              <a:buNone/>
-            </a:pPr>
-            <a:r>
-              <a:rPr lang="en-US" sz="2000" smtClean="0">
-                <a:latin typeface="Consolas" panose="020B0609020204030204" pitchFamily="49" charset="0"/>
-              </a:rPr>
-              <a:t>  // </a:t>
-            </a:r>
-            <a:r>
-              <a:rPr lang="ru-RU" sz="2000" smtClean="0">
-                <a:latin typeface="Consolas" panose="020B0609020204030204" pitchFamily="49" charset="0"/>
-              </a:rPr>
-              <a:t>здесь что</a:t>
-            </a:r>
-            <a:r>
-              <a:rPr lang="en-US" sz="2000" smtClean="0">
-                <a:latin typeface="Consolas" panose="020B0609020204030204" pitchFamily="49" charset="0"/>
-              </a:rPr>
-              <a:t>?</a:t>
-            </a:r>
-          </a:p>
-          <a:p>
-            <a:pPr marL="45720" indent="0">
-              <a:buNone/>
-            </a:pPr>
-            <a:r>
-              <a:rPr lang="en-US" sz="2000" smtClean="0">
-                <a:latin typeface="Consolas" panose="020B0609020204030204" pitchFamily="49" charset="0"/>
-              </a:rPr>
-              <a:t>}</a:t>
-            </a:r>
+              <a:t>Важна ли для </a:t>
+            </a:r>
+            <a:r>
+              <a:rPr lang="en-US" smtClean="0"/>
+              <a:t>unique </a:t>
+            </a:r>
+            <a:r>
+              <a:rPr lang="ru-RU" smtClean="0"/>
+              <a:t>сортированность интервала?</a:t>
+            </a:r>
+            <a:endParaRPr lang="en-US"/>
           </a:p>
         </p:txBody>
       </p:sp>
     </p:spTree>
     <p:extLst>
       <p:ext uri="{BB962C8B-B14F-4D97-AF65-F5344CB8AC3E}">
-        <p14:creationId xmlns:p14="http://schemas.microsoft.com/office/powerpoint/2010/main" val="698448215"/>
+        <p14:creationId xmlns:p14="http://schemas.microsoft.com/office/powerpoint/2010/main" val="346424384"/>
       </p:ext>
     </p:extLst>
   </p:cSld>
@@ -9411,7 +13177,7 @@
 </p:sld>
 </file>
 
-<file path=ppt/slides/slide30.xml><?xml version="1.0" encoding="utf-8"?>
+<file path=ppt/slides/slide47.xml><?xml version="1.0" encoding="utf-8"?>
 <p:sld xmlns:a="http://schemas.openxmlformats.org/drawingml/2006/main" xmlns:r="http://schemas.openxmlformats.org/officeDocument/2006/relationships" xmlns:p="http://schemas.openxmlformats.org/presentationml/2006/main">
   <p:cSld>
     <p:spTree>
@@ -9471,6 +13237,23 @@
               <a:buChar char="q"/>
             </a:pPr>
             <a:r>
+              <a:rPr lang="ru-RU" sz="4800"/>
+              <a:t> </a:t>
+            </a:r>
+            <a:r>
+              <a:rPr lang="ru-RU" sz="4800" smtClean="0"/>
+              <a:t>Трансформации</a:t>
+            </a:r>
+          </a:p>
+          <a:p>
+            <a:pPr>
+              <a:lnSpc>
+                <a:spcPct val="150000"/>
+              </a:lnSpc>
+              <a:buFont typeface="Wingdings" panose="05000000000000000000" pitchFamily="2" charset="2"/>
+              <a:buChar char="q"/>
+            </a:pPr>
+            <a:r>
               <a:rPr lang="ru-RU" sz="4800" smtClean="0"/>
               <a:t> </a:t>
             </a:r>
@@ -9508,7 +13291,7 @@
 </p:sld>
 </file>
 
-<file path=ppt/slides/slide31.xml><?xml version="1.0" encoding="utf-8"?>
+<file path=ppt/slides/slide48.xml><?xml version="1.0" encoding="utf-8"?>
 <p:sld xmlns:a="http://schemas.openxmlformats.org/drawingml/2006/main" xmlns:r="http://schemas.openxmlformats.org/officeDocument/2006/relationships" xmlns:p="http://schemas.openxmlformats.org/presentationml/2006/main">
   <p:cSld>
     <p:spTree>
@@ -9716,7 +13499,7 @@
 </p:sld>
 </file>
 
-<file path=ppt/slides/slide32.xml><?xml version="1.0" encoding="utf-8"?>
+<file path=ppt/slides/slide49.xml><?xml version="1.0" encoding="utf-8"?>
 <p:sld xmlns:a="http://schemas.openxmlformats.org/drawingml/2006/main" xmlns:r="http://schemas.openxmlformats.org/officeDocument/2006/relationships" xmlns:p="http://schemas.openxmlformats.org/presentationml/2006/main">
   <p:cSld>
     <p:spTree>
@@ -9881,7 +13664,127 @@
 </p:sld>
 </file>
 
-<file path=ppt/slides/slide33.xml><?xml version="1.0" encoding="utf-8"?>
+<file path=ppt/slides/slide5.xml><?xml version="1.0" encoding="utf-8"?>
+<p:sld xmlns:a="http://schemas.openxmlformats.org/drawingml/2006/main" xmlns:r="http://schemas.openxmlformats.org/officeDocument/2006/relationships" xmlns:p="http://schemas.openxmlformats.org/presentationml/2006/main">
+  <p:cSld>
+    <p:spTree>
+      <p:nvGrpSpPr>
+        <p:cNvPr id="1" name=""/>
+        <p:cNvGrpSpPr/>
+        <p:nvPr/>
+      </p:nvGrpSpPr>
+      <p:grpSpPr>
+        <a:xfrm>
+          <a:off x="0" y="0"/>
+          <a:ext cx="0" cy="0"/>
+          <a:chOff x="0" y="0"/>
+          <a:chExt cx="0" cy="0"/>
+        </a:xfrm>
+      </p:grpSpPr>
+      <p:sp>
+        <p:nvSpPr>
+          <p:cNvPr id="5" name="Title 4"/>
+          <p:cNvSpPr>
+            <a:spLocks noGrp="1"/>
+          </p:cNvSpPr>
+          <p:nvPr>
+            <p:ph type="title"/>
+          </p:nvPr>
+        </p:nvSpPr>
+        <p:spPr/>
+        <p:txBody>
+          <a:bodyPr/>
+          <a:lstStyle/>
+          <a:p>
+            <a:r>
+              <a:rPr lang="ru-RU" smtClean="0"/>
+              <a:t>Абстракция циклов</a:t>
+            </a:r>
+            <a:endParaRPr lang="en-US"/>
+          </a:p>
+        </p:txBody>
+      </p:sp>
+      <p:sp>
+        <p:nvSpPr>
+          <p:cNvPr id="6" name="Content Placeholder 5"/>
+          <p:cNvSpPr>
+            <a:spLocks noGrp="1"/>
+          </p:cNvSpPr>
+          <p:nvPr>
+            <p:ph idx="1"/>
+          </p:nvPr>
+        </p:nvSpPr>
+        <p:spPr/>
+        <p:txBody>
+          <a:bodyPr/>
+          <a:lstStyle/>
+          <a:p>
+            <a:r>
+              <a:rPr lang="ru-RU" smtClean="0"/>
+              <a:t>Вариант решения: явный цикл с синтаксисом на диапазонах</a:t>
+            </a:r>
+            <a:endParaRPr lang="en-US" smtClean="0"/>
+          </a:p>
+          <a:p>
+            <a:pPr marL="45720" indent="0">
+              <a:buNone/>
+            </a:pPr>
+            <a:r>
+              <a:rPr lang="en-US" sz="2000" smtClean="0">
+                <a:latin typeface="Consolas" panose="020B0609020204030204" pitchFamily="49" charset="0"/>
+              </a:rPr>
+              <a:t>template &lt;typename C, typename F&gt; void apply (C cont, F func) {</a:t>
+            </a:r>
+          </a:p>
+          <a:p>
+            <a:pPr marL="45720" indent="0">
+              <a:buNone/>
+            </a:pPr>
+            <a:r>
+              <a:rPr lang="en-US" sz="2000" smtClean="0">
+                <a:latin typeface="Consolas" panose="020B0609020204030204" pitchFamily="49" charset="0"/>
+              </a:rPr>
+              <a:t>  for (auto elt : cont)</a:t>
+            </a:r>
+            <a:br>
+              <a:rPr lang="en-US" sz="2000" smtClean="0">
+                <a:latin typeface="Consolas" panose="020B0609020204030204" pitchFamily="49" charset="0"/>
+              </a:rPr>
+            </a:br>
+            <a:r>
+              <a:rPr lang="en-US" sz="2000" smtClean="0">
+                <a:latin typeface="Consolas" panose="020B0609020204030204" pitchFamily="49" charset="0"/>
+              </a:rPr>
+              <a:t>    func (elt);</a:t>
+            </a:r>
+          </a:p>
+          <a:p>
+            <a:pPr marL="45720" indent="0">
+              <a:buNone/>
+            </a:pPr>
+            <a:r>
+              <a:rPr lang="en-US" sz="2000" smtClean="0">
+                <a:latin typeface="Consolas" panose="020B0609020204030204" pitchFamily="49" charset="0"/>
+              </a:rPr>
+              <a:t>}</a:t>
+            </a:r>
+          </a:p>
+        </p:txBody>
+      </p:sp>
+    </p:spTree>
+    <p:extLst>
+      <p:ext uri="{BB962C8B-B14F-4D97-AF65-F5344CB8AC3E}">
+        <p14:creationId xmlns:p14="http://schemas.microsoft.com/office/powerpoint/2010/main" val="2920567105"/>
+      </p:ext>
+    </p:extLst>
+  </p:cSld>
+  <p:clrMapOvr>
+    <a:masterClrMapping/>
+  </p:clrMapOvr>
+</p:sld>
+</file>
+
+<file path=ppt/slides/slide50.xml><?xml version="1.0" encoding="utf-8"?>
 <p:sld xmlns:a="http://schemas.openxmlformats.org/drawingml/2006/main" xmlns:r="http://schemas.openxmlformats.org/officeDocument/2006/relationships" xmlns:p="http://schemas.openxmlformats.org/presentationml/2006/main">
   <p:cSld>
     <p:spTree>
@@ -11209,7 +15112,7 @@
 </p:sld>
 </file>
 
-<file path=ppt/slides/slide34.xml><?xml version="1.0" encoding="utf-8"?>
+<file path=ppt/slides/slide51.xml><?xml version="1.0" encoding="utf-8"?>
 <p:sld xmlns:a="http://schemas.openxmlformats.org/drawingml/2006/main" xmlns:r="http://schemas.openxmlformats.org/officeDocument/2006/relationships" xmlns:p="http://schemas.openxmlformats.org/presentationml/2006/main">
   <p:cSld>
     <p:spTree>
@@ -11343,7 +15246,7 @@
 </p:sld>
 </file>
 
-<file path=ppt/slides/slide35.xml><?xml version="1.0" encoding="utf-8"?>
+<file path=ppt/slides/slide52.xml><?xml version="1.0" encoding="utf-8"?>
 <p:sld xmlns:a="http://schemas.openxmlformats.org/drawingml/2006/main" xmlns:r="http://schemas.openxmlformats.org/officeDocument/2006/relationships" xmlns:p="http://schemas.openxmlformats.org/presentationml/2006/main">
   <p:cSld>
     <p:spTree>
@@ -11534,7 +15437,7 @@
 </p:sld>
 </file>
 
-<file path=ppt/slides/slide36.xml><?xml version="1.0" encoding="utf-8"?>
+<file path=ppt/slides/slide53.xml><?xml version="1.0" encoding="utf-8"?>
 <p:sld xmlns:a="http://schemas.openxmlformats.org/drawingml/2006/main" xmlns:r="http://schemas.openxmlformats.org/officeDocument/2006/relationships" xmlns:p="http://schemas.openxmlformats.org/presentationml/2006/main">
   <p:cSld>
     <p:spTree>
@@ -11678,7 +15581,7 @@
 </p:sld>
 </file>
 
-<file path=ppt/slides/slide37.xml><?xml version="1.0" encoding="utf-8"?>
+<file path=ppt/slides/slide54.xml><?xml version="1.0" encoding="utf-8"?>
 <p:sld xmlns:a="http://schemas.openxmlformats.org/drawingml/2006/main" xmlns:r="http://schemas.openxmlformats.org/officeDocument/2006/relationships" xmlns:p="http://schemas.openxmlformats.org/presentationml/2006/main">
   <p:cSld>
     <p:spTree>
@@ -11829,7 +15732,7 @@
 </p:sld>
 </file>
 
-<file path=ppt/slides/slide38.xml><?xml version="1.0" encoding="utf-8"?>
+<file path=ppt/slides/slide55.xml><?xml version="1.0" encoding="utf-8"?>
 <p:sld xmlns:a="http://schemas.openxmlformats.org/drawingml/2006/main" xmlns:r="http://schemas.openxmlformats.org/officeDocument/2006/relationships" xmlns:p="http://schemas.openxmlformats.org/presentationml/2006/main">
   <p:cSld>
     <p:spTree>
@@ -11862,10 +15765,10 @@
           <a:lstStyle/>
           <a:p>
             <a:r>
-              <a:rPr lang="ru-RU" dirty="0" smtClean="0"/>
-              <a:t>Литература</a:t>
-            </a:r>
-            <a:endParaRPr lang="en-US" dirty="0"/>
+              <a:rPr lang="ru-RU" smtClean="0"/>
+              <a:t>Обсуждение</a:t>
+            </a:r>
+            <a:endParaRPr lang="en-US"/>
           </a:p>
         </p:txBody>
       </p:sp>
@@ -11884,81 +15787,34 @@
           <a:bodyPr/>
           <a:lstStyle/>
           <a:p>
-            <a:pPr lvl="0"/>
-            <a:r>
-              <a:rPr lang="en-US" dirty="0"/>
-              <a:t>ISO/IEC, "Information technology -- Programming languages – C++", ISO/IEC 14882:2014, 2014</a:t>
-            </a:r>
-          </a:p>
-          <a:p>
-            <a:pPr lvl="0"/>
-            <a:r>
-              <a:rPr lang="en-US" dirty="0"/>
-              <a:t>The C++ Programming Language (4th Edition</a:t>
-            </a:r>
-            <a:r>
-              <a:rPr lang="en-US" dirty="0" smtClean="0"/>
-              <a:t>)</a:t>
-            </a:r>
-            <a:endParaRPr lang="ru-RU" dirty="0" smtClean="0"/>
-          </a:p>
-          <a:p>
-            <a:pPr lvl="0"/>
-            <a:r>
-              <a:rPr lang="en-US" dirty="0"/>
-              <a:t>Nicolai M. </a:t>
-            </a:r>
-            <a:r>
-              <a:rPr lang="en-US" dirty="0" err="1" smtClean="0"/>
-              <a:t>Josuttis</a:t>
-            </a:r>
-            <a:r>
-              <a:rPr lang="en-US" dirty="0" smtClean="0"/>
-              <a:t>,  </a:t>
-            </a:r>
-            <a:r>
-              <a:rPr lang="en-US" dirty="0"/>
-              <a:t>The C++ Standard Library - A Tutorial and Reference, 2nd Edition </a:t>
-            </a:r>
-            <a:r>
-              <a:rPr lang="en-US" dirty="0" smtClean="0"/>
-              <a:t>, </a:t>
-            </a:r>
-            <a:r>
-              <a:rPr lang="en-US" dirty="0"/>
-              <a:t>Addison-Wesley, </a:t>
-            </a:r>
-            <a:r>
-              <a:rPr lang="en-US" dirty="0" smtClean="0"/>
-              <a:t>2012</a:t>
-            </a:r>
-          </a:p>
-          <a:p>
-            <a:pPr lvl="0"/>
-            <a:r>
-              <a:rPr lang="en-US" dirty="0" smtClean="0"/>
-              <a:t>Scott </a:t>
-            </a:r>
-            <a:r>
-              <a:rPr lang="en-US" dirty="0"/>
-              <a:t>Meyers, Effective STL, 50 specific ways to improve your use of the standard template </a:t>
-            </a:r>
-            <a:r>
-              <a:rPr lang="en-US" dirty="0" smtClean="0"/>
-              <a:t>library, Addison-Wesley, 2001</a:t>
-            </a:r>
-            <a:endParaRPr lang="en-US" dirty="0"/>
-          </a:p>
-          <a:p>
-            <a:pPr lvl="0"/>
-            <a:endParaRPr lang="en-US" dirty="0"/>
+            <a:r>
+              <a:rPr lang="ru-RU" smtClean="0"/>
+              <a:t>Программисты на </a:t>
+            </a:r>
+            <a:r>
+              <a:rPr lang="en-US" smtClean="0"/>
+              <a:t>C++ </a:t>
+            </a:r>
+            <a:r>
+              <a:rPr lang="ru-RU" smtClean="0"/>
+              <a:t>привыкли к контролю времени компиляции. Можно ли устроить контроль времени компиляции на сортированность интервала? Тут надо подумать о том, что сортированность это инвариант и мы </a:t>
+            </a:r>
+            <a:r>
+              <a:rPr lang="ru-RU" b="1" smtClean="0"/>
+              <a:t>умеем</a:t>
+            </a:r>
+            <a:r>
+              <a:rPr lang="ru-RU" smtClean="0"/>
+              <a:t> поддерживать инварианты.</a:t>
+            </a:r>
+            <a:endParaRPr lang="en-US"/>
           </a:p>
         </p:txBody>
       </p:sp>
     </p:spTree>
     <p:extLst>
       <p:ext uri="{BB962C8B-B14F-4D97-AF65-F5344CB8AC3E}">
-        <p14:creationId xmlns:p14="http://schemas.microsoft.com/office/powerpoint/2010/main" val="3317303272"/>
+        <p14:creationId xmlns:p14="http://schemas.microsoft.com/office/powerpoint/2010/main" val="3309386117"/>
       </p:ext>
     </p:extLst>
   </p:cSld>
@@ -11968,7 +15824,7 @@
 </p:sld>
 </file>
 
-<file path=ppt/slides/slide4.xml><?xml version="1.0" encoding="utf-8"?>
+<file path=ppt/slides/slide56.xml><?xml version="1.0" encoding="utf-8"?>
 <p:sld xmlns:a="http://schemas.openxmlformats.org/drawingml/2006/main" xmlns:r="http://schemas.openxmlformats.org/officeDocument/2006/relationships" xmlns:p="http://schemas.openxmlformats.org/presentationml/2006/main">
   <p:cSld>
     <p:spTree>
@@ -11987,7 +15843,7 @@
       </p:grpSpPr>
       <p:sp>
         <p:nvSpPr>
-          <p:cNvPr id="5" name="Title 4"/>
+          <p:cNvPr id="2" name="Title 1"/>
           <p:cNvSpPr>
             <a:spLocks noGrp="1"/>
           </p:cNvSpPr>
@@ -12001,16 +15857,16 @@
           <a:lstStyle/>
           <a:p>
             <a:r>
-              <a:rPr lang="ru-RU" smtClean="0"/>
-              <a:t>Абстракция циклов</a:t>
-            </a:r>
-            <a:endParaRPr lang="en-US"/>
-          </a:p>
-        </p:txBody>
-      </p:sp>
-      <p:sp>
-        <p:nvSpPr>
-          <p:cNvPr id="6" name="Content Placeholder 5"/>
+              <a:rPr lang="ru-RU" dirty="0" smtClean="0"/>
+              <a:t>Литература</a:t>
+            </a:r>
+            <a:endParaRPr lang="en-US" dirty="0"/>
+          </a:p>
+        </p:txBody>
+      </p:sp>
+      <p:sp>
+        <p:nvSpPr>
+          <p:cNvPr id="3" name="Content Placeholder 2"/>
           <p:cNvSpPr>
             <a:spLocks noGrp="1"/>
           </p:cNvSpPr>
@@ -12023,62 +15879,81 @@
           <a:bodyPr/>
           <a:lstStyle/>
           <a:p>
-            <a:r>
-              <a:rPr lang="ru-RU" smtClean="0"/>
-              <a:t>Вариант решения: явный цикл</a:t>
-            </a:r>
-            <a:endParaRPr lang="en-US" smtClean="0"/>
-          </a:p>
-          <a:p>
-            <a:pPr marL="45720" indent="0">
-              <a:buNone/>
-            </a:pPr>
-            <a:r>
-              <a:rPr lang="en-US" sz="2000" smtClean="0">
-                <a:latin typeface="Consolas" panose="020B0609020204030204" pitchFamily="49" charset="0"/>
-              </a:rPr>
-              <a:t>template &lt;typename C, typename F&gt; void apply (C cont, F func) {</a:t>
-            </a:r>
-          </a:p>
-          <a:p>
-            <a:pPr marL="45720" indent="0">
-              <a:buNone/>
-            </a:pPr>
-            <a:r>
-              <a:rPr lang="en-US" sz="2000" smtClean="0">
-                <a:latin typeface="Consolas" panose="020B0609020204030204" pitchFamily="49" charset="0"/>
-              </a:rPr>
-              <a:t>  for (auto it = cont.begin(); it != cont.end(); ++it)</a:t>
-            </a:r>
-            <a:br>
-              <a:rPr lang="en-US" sz="2000" smtClean="0">
-                <a:latin typeface="Consolas" panose="020B0609020204030204" pitchFamily="49" charset="0"/>
-              </a:rPr>
-            </a:br>
-            <a:r>
-              <a:rPr lang="en-US" sz="2000" smtClean="0">
-                <a:latin typeface="Consolas" panose="020B0609020204030204" pitchFamily="49" charset="0"/>
-              </a:rPr>
-              <a:t>    func (*it);</a:t>
-            </a:r>
-          </a:p>
-          <a:p>
-            <a:pPr marL="45720" indent="0">
-              <a:buNone/>
-            </a:pPr>
-            <a:r>
-              <a:rPr lang="en-US" sz="2000" smtClean="0">
-                <a:latin typeface="Consolas" panose="020B0609020204030204" pitchFamily="49" charset="0"/>
-              </a:rPr>
-              <a:t>}</a:t>
-            </a:r>
+            <a:pPr lvl="0"/>
+            <a:r>
+              <a:rPr lang="en-US" dirty="0"/>
+              <a:t>ISO/IEC, "Information technology -- Programming languages – C++", ISO/IEC 14882:2014, 2014</a:t>
+            </a:r>
+          </a:p>
+          <a:p>
+            <a:pPr lvl="0"/>
+            <a:r>
+              <a:rPr lang="en-US" dirty="0"/>
+              <a:t>The C++ Programming Language (4th Edition</a:t>
+            </a:r>
+            <a:r>
+              <a:rPr lang="en-US" dirty="0" smtClean="0"/>
+              <a:t>)</a:t>
+            </a:r>
+            <a:endParaRPr lang="ru-RU" dirty="0" smtClean="0"/>
+          </a:p>
+          <a:p>
+            <a:pPr lvl="0"/>
+            <a:r>
+              <a:rPr lang="en-US" dirty="0"/>
+              <a:t>Nicolai M. </a:t>
+            </a:r>
+            <a:r>
+              <a:rPr lang="en-US" dirty="0" err="1" smtClean="0"/>
+              <a:t>Josuttis</a:t>
+            </a:r>
+            <a:r>
+              <a:rPr lang="en-US" dirty="0" smtClean="0"/>
+              <a:t>,  </a:t>
+            </a:r>
+            <a:r>
+              <a:rPr lang="en-US" dirty="0"/>
+              <a:t>The C++ Standard Library - A Tutorial and Reference, 2nd Edition </a:t>
+            </a:r>
+            <a:r>
+              <a:rPr lang="en-US" dirty="0" smtClean="0"/>
+              <a:t>, </a:t>
+            </a:r>
+            <a:r>
+              <a:rPr lang="en-US" dirty="0"/>
+              <a:t>Addison-Wesley, </a:t>
+            </a:r>
+            <a:r>
+              <a:rPr lang="en-US" dirty="0" smtClean="0"/>
+              <a:t>2012</a:t>
+            </a:r>
+          </a:p>
+          <a:p>
+            <a:pPr lvl="0"/>
+            <a:r>
+              <a:rPr lang="en-US" dirty="0" smtClean="0"/>
+              <a:t>Scott </a:t>
+            </a:r>
+            <a:r>
+              <a:rPr lang="en-US" dirty="0"/>
+              <a:t>Meyers, Effective STL, 50 specific ways to improve your use of the standard template </a:t>
+            </a:r>
+            <a:r>
+              <a:rPr lang="en-US" dirty="0" smtClean="0"/>
+              <a:t>library, Addison-Wesley, 2001</a:t>
+            </a:r>
+            <a:endParaRPr lang="en-US" dirty="0"/>
+          </a:p>
+          <a:p>
+            <a:pPr lvl="0"/>
+            <a:endParaRPr lang="en-US" dirty="0"/>
           </a:p>
         </p:txBody>
       </p:sp>
     </p:spTree>
     <p:extLst>
       <p:ext uri="{BB962C8B-B14F-4D97-AF65-F5344CB8AC3E}">
-        <p14:creationId xmlns:p14="http://schemas.microsoft.com/office/powerpoint/2010/main" val="1328762065"/>
+        <p14:creationId xmlns:p14="http://schemas.microsoft.com/office/powerpoint/2010/main" val="3317303272"/>
       </p:ext>
     </p:extLst>
   </p:cSld>
@@ -12088,7 +15963,7 @@
 </p:sld>
 </file>
 
-<file path=ppt/slides/slide5.xml><?xml version="1.0" encoding="utf-8"?>
+<file path=ppt/slides/slide57.xml><?xml version="1.0" encoding="utf-8"?>
 <p:sld xmlns:a="http://schemas.openxmlformats.org/drawingml/2006/main" xmlns:r="http://schemas.openxmlformats.org/officeDocument/2006/relationships" xmlns:p="http://schemas.openxmlformats.org/presentationml/2006/main">
   <p:cSld>
     <p:spTree>
@@ -12107,7 +15982,7 @@
       </p:grpSpPr>
       <p:sp>
         <p:nvSpPr>
-          <p:cNvPr id="5" name="Title 4"/>
+          <p:cNvPr id="4" name="Title 3"/>
           <p:cNvSpPr>
             <a:spLocks noGrp="1"/>
           </p:cNvSpPr>
@@ -12122,7 +15997,7 @@
           <a:p>
             <a:r>
               <a:rPr lang="ru-RU" smtClean="0"/>
-              <a:t>Абстракция циклов</a:t>
+              <a:t>секретный уровень</a:t>
             </a:r>
             <a:endParaRPr lang="en-US"/>
           </a:p>
@@ -12130,12 +16005,12 @@
       </p:sp>
       <p:sp>
         <p:nvSpPr>
-          <p:cNvPr id="6" name="Content Placeholder 5"/>
-          <p:cNvSpPr>
-            <a:spLocks noGrp="1"/>
-          </p:cNvSpPr>
-          <p:nvPr>
-            <p:ph idx="1"/>
+          <p:cNvPr id="5" name="Text Placeholder 4"/>
+          <p:cNvSpPr>
+            <a:spLocks noGrp="1"/>
+          </p:cNvSpPr>
+          <p:nvPr>
+            <p:ph type="body" idx="1"/>
           </p:nvPr>
         </p:nvSpPr>
         <p:spPr/>
@@ -12145,60 +16020,183 @@
           <a:p>
             <a:r>
               <a:rPr lang="ru-RU" smtClean="0"/>
-              <a:t>Вариант решения: явный цикл с синтаксисом на диапазонах</a:t>
-            </a:r>
-            <a:endParaRPr lang="en-US" smtClean="0"/>
-          </a:p>
-          <a:p>
-            <a:pPr marL="45720" indent="0">
-              <a:buNone/>
-            </a:pPr>
-            <a:r>
-              <a:rPr lang="en-US" sz="2000" smtClean="0">
-                <a:latin typeface="Consolas" panose="020B0609020204030204" pitchFamily="49" charset="0"/>
-              </a:rPr>
-              <a:t>template &lt;typename C, typename F&gt; void apply (C cont, F func) {</a:t>
-            </a:r>
-          </a:p>
-          <a:p>
-            <a:pPr marL="45720" indent="0">
-              <a:buNone/>
-            </a:pPr>
-            <a:r>
-              <a:rPr lang="en-US" sz="2000" smtClean="0">
-                <a:latin typeface="Consolas" panose="020B0609020204030204" pitchFamily="49" charset="0"/>
-              </a:rPr>
-              <a:t>  for (auto elt : cont)</a:t>
-            </a:r>
-            <a:br>
-              <a:rPr lang="en-US" sz="2000" smtClean="0">
-                <a:latin typeface="Consolas" panose="020B0609020204030204" pitchFamily="49" charset="0"/>
-              </a:rPr>
-            </a:br>
-            <a:r>
-              <a:rPr lang="en-US" sz="2000" smtClean="0">
-                <a:latin typeface="Consolas" panose="020B0609020204030204" pitchFamily="49" charset="0"/>
-              </a:rPr>
-              <a:t>    func (elt);</a:t>
-            </a:r>
-          </a:p>
-          <a:p>
-            <a:pPr marL="45720" indent="0">
-              <a:buNone/>
-            </a:pPr>
-            <a:r>
-              <a:rPr lang="en-US" sz="2000" smtClean="0">
-                <a:latin typeface="Consolas" panose="020B0609020204030204" pitchFamily="49" charset="0"/>
-              </a:rPr>
-              <a:t>}</a:t>
-            </a:r>
+              <a:t>Больше интересных алгоритмов: вращения и перестановки</a:t>
+            </a:r>
+            <a:endParaRPr lang="en-US"/>
           </a:p>
         </p:txBody>
       </p:sp>
     </p:spTree>
     <p:extLst>
       <p:ext uri="{BB962C8B-B14F-4D97-AF65-F5344CB8AC3E}">
-        <p14:creationId xmlns:p14="http://schemas.microsoft.com/office/powerpoint/2010/main" val="2920567105"/>
+        <p14:creationId xmlns:p14="http://schemas.microsoft.com/office/powerpoint/2010/main" val="1386203545"/>
+      </p:ext>
+    </p:extLst>
+  </p:cSld>
+  <p:clrMapOvr>
+    <a:masterClrMapping/>
+  </p:clrMapOvr>
+</p:sld>
+</file>
+
+<file path=ppt/slides/slide58.xml><?xml version="1.0" encoding="utf-8"?>
+<p:sld xmlns:a="http://schemas.openxmlformats.org/drawingml/2006/main" xmlns:r="http://schemas.openxmlformats.org/officeDocument/2006/relationships" xmlns:p="http://schemas.openxmlformats.org/presentationml/2006/main">
+  <p:cSld>
+    <p:spTree>
+      <p:nvGrpSpPr>
+        <p:cNvPr id="1" name=""/>
+        <p:cNvGrpSpPr/>
+        <p:nvPr/>
+      </p:nvGrpSpPr>
+      <p:grpSpPr>
+        <a:xfrm>
+          <a:off x="0" y="0"/>
+          <a:ext cx="0" cy="0"/>
+          <a:chOff x="0" y="0"/>
+          <a:chExt cx="0" cy="0"/>
+        </a:xfrm>
+      </p:grpSpPr>
+      <p:sp>
+        <p:nvSpPr>
+          <p:cNvPr id="2" name="Title 1"/>
+          <p:cNvSpPr>
+            <a:spLocks noGrp="1"/>
+          </p:cNvSpPr>
+          <p:nvPr>
+            <p:ph type="title"/>
+          </p:nvPr>
+        </p:nvSpPr>
+        <p:spPr>
+          <a:xfrm>
+            <a:off x="1140351" y="609600"/>
+            <a:ext cx="9875520" cy="1356360"/>
+          </a:xfrm>
+        </p:spPr>
+        <p:txBody>
+          <a:bodyPr/>
+          <a:lstStyle/>
+          <a:p>
+            <a:r>
+              <a:rPr lang="ru-RU" smtClean="0"/>
+              <a:t>Вращения последовательностей</a:t>
+            </a:r>
+            <a:endParaRPr lang="en-US"/>
+          </a:p>
+        </p:txBody>
+      </p:sp>
+      <p:sp>
+        <p:nvSpPr>
+          <p:cNvPr id="3" name="Content Placeholder 2"/>
+          <p:cNvSpPr>
+            <a:spLocks noGrp="1"/>
+          </p:cNvSpPr>
+          <p:nvPr>
+            <p:ph idx="1"/>
+          </p:nvPr>
+        </p:nvSpPr>
+        <p:spPr/>
+        <p:txBody>
+          <a:bodyPr/>
+          <a:lstStyle/>
+          <a:p>
+            <a:r>
+              <a:rPr lang="en-US" smtClean="0"/>
+              <a:t>TODO: rotate (begin, newbegin, end);</a:t>
+            </a:r>
+          </a:p>
+          <a:p>
+            <a:r>
+              <a:rPr lang="ru-RU" smtClean="0"/>
+              <a:t>Тут же про </a:t>
+            </a:r>
+            <a:r>
+              <a:rPr lang="en-US" smtClean="0"/>
+              <a:t>reverse </a:t>
+            </a:r>
+            <a:r>
+              <a:rPr lang="ru-RU" smtClean="0"/>
+              <a:t>как про частный случай</a:t>
+            </a:r>
+            <a:endParaRPr lang="en-US"/>
+          </a:p>
+        </p:txBody>
+      </p:sp>
+    </p:spTree>
+    <p:extLst>
+      <p:ext uri="{BB962C8B-B14F-4D97-AF65-F5344CB8AC3E}">
+        <p14:creationId xmlns:p14="http://schemas.microsoft.com/office/powerpoint/2010/main" val="1844523541"/>
+      </p:ext>
+    </p:extLst>
+  </p:cSld>
+  <p:clrMapOvr>
+    <a:masterClrMapping/>
+  </p:clrMapOvr>
+</p:sld>
+</file>
+
+<file path=ppt/slides/slide59.xml><?xml version="1.0" encoding="utf-8"?>
+<p:sld xmlns:a="http://schemas.openxmlformats.org/drawingml/2006/main" xmlns:r="http://schemas.openxmlformats.org/officeDocument/2006/relationships" xmlns:p="http://schemas.openxmlformats.org/presentationml/2006/main">
+  <p:cSld>
+    <p:spTree>
+      <p:nvGrpSpPr>
+        <p:cNvPr id="1" name=""/>
+        <p:cNvGrpSpPr/>
+        <p:nvPr/>
+      </p:nvGrpSpPr>
+      <p:grpSpPr>
+        <a:xfrm>
+          <a:off x="0" y="0"/>
+          <a:ext cx="0" cy="0"/>
+          <a:chOff x="0" y="0"/>
+          <a:chExt cx="0" cy="0"/>
+        </a:xfrm>
+      </p:grpSpPr>
+      <p:sp>
+        <p:nvSpPr>
+          <p:cNvPr id="2" name="Title 1"/>
+          <p:cNvSpPr>
+            <a:spLocks noGrp="1"/>
+          </p:cNvSpPr>
+          <p:nvPr>
+            <p:ph type="title"/>
+          </p:nvPr>
+        </p:nvSpPr>
+        <p:spPr/>
+        <p:txBody>
+          <a:bodyPr/>
+          <a:lstStyle/>
+          <a:p>
+            <a:r>
+              <a:rPr lang="ru-RU" smtClean="0"/>
+              <a:t>Перестановки</a:t>
+            </a:r>
+            <a:endParaRPr lang="en-US"/>
+          </a:p>
+        </p:txBody>
+      </p:sp>
+      <p:sp>
+        <p:nvSpPr>
+          <p:cNvPr id="3" name="Content Placeholder 2"/>
+          <p:cNvSpPr>
+            <a:spLocks noGrp="1"/>
+          </p:cNvSpPr>
+          <p:nvPr>
+            <p:ph idx="1"/>
+          </p:nvPr>
+        </p:nvSpPr>
+        <p:spPr/>
+        <p:txBody>
+          <a:bodyPr/>
+          <a:lstStyle/>
+          <a:p>
+            <a:endParaRPr lang="en-US"/>
+          </a:p>
+        </p:txBody>
+      </p:sp>
+    </p:spTree>
+    <p:extLst>
+      <p:ext uri="{BB962C8B-B14F-4D97-AF65-F5344CB8AC3E}">
+        <p14:creationId xmlns:p14="http://schemas.microsoft.com/office/powerpoint/2010/main" val="3688279320"/>
       </p:ext>
     </p:extLst>
   </p:cSld>
